--- a/jsps/Presentation1.pptx
+++ b/jsps/Presentation1.pptx
@@ -263,7 +263,7 @@
           <a:p>
             <a:fld id="{C2792868-AD18-084C-8B16-E91F356D8BE5}" type="datetimeFigureOut">
               <a:rPr lang="en-VN" smtClean="0"/>
-              <a:t>8/11/20</a:t>
+              <a:t>8/25/20</a:t>
             </a:fld>
             <a:endParaRPr lang="en-VN"/>
           </a:p>
@@ -463,7 +463,7 @@
           <a:p>
             <a:fld id="{C2792868-AD18-084C-8B16-E91F356D8BE5}" type="datetimeFigureOut">
               <a:rPr lang="en-VN" smtClean="0"/>
-              <a:t>8/11/20</a:t>
+              <a:t>8/25/20</a:t>
             </a:fld>
             <a:endParaRPr lang="en-VN"/>
           </a:p>
@@ -673,7 +673,7 @@
           <a:p>
             <a:fld id="{C2792868-AD18-084C-8B16-E91F356D8BE5}" type="datetimeFigureOut">
               <a:rPr lang="en-VN" smtClean="0"/>
-              <a:t>8/11/20</a:t>
+              <a:t>8/25/20</a:t>
             </a:fld>
             <a:endParaRPr lang="en-VN"/>
           </a:p>
@@ -873,7 +873,7 @@
           <a:p>
             <a:fld id="{C2792868-AD18-084C-8B16-E91F356D8BE5}" type="datetimeFigureOut">
               <a:rPr lang="en-VN" smtClean="0"/>
-              <a:t>8/11/20</a:t>
+              <a:t>8/25/20</a:t>
             </a:fld>
             <a:endParaRPr lang="en-VN"/>
           </a:p>
@@ -1149,7 +1149,7 @@
           <a:p>
             <a:fld id="{C2792868-AD18-084C-8B16-E91F356D8BE5}" type="datetimeFigureOut">
               <a:rPr lang="en-VN" smtClean="0"/>
-              <a:t>8/11/20</a:t>
+              <a:t>8/25/20</a:t>
             </a:fld>
             <a:endParaRPr lang="en-VN"/>
           </a:p>
@@ -1417,7 +1417,7 @@
           <a:p>
             <a:fld id="{C2792868-AD18-084C-8B16-E91F356D8BE5}" type="datetimeFigureOut">
               <a:rPr lang="en-VN" smtClean="0"/>
-              <a:t>8/11/20</a:t>
+              <a:t>8/25/20</a:t>
             </a:fld>
             <a:endParaRPr lang="en-VN"/>
           </a:p>
@@ -1832,7 +1832,7 @@
           <a:p>
             <a:fld id="{C2792868-AD18-084C-8B16-E91F356D8BE5}" type="datetimeFigureOut">
               <a:rPr lang="en-VN" smtClean="0"/>
-              <a:t>8/11/20</a:t>
+              <a:t>8/25/20</a:t>
             </a:fld>
             <a:endParaRPr lang="en-VN"/>
           </a:p>
@@ -1974,7 +1974,7 @@
           <a:p>
             <a:fld id="{C2792868-AD18-084C-8B16-E91F356D8BE5}" type="datetimeFigureOut">
               <a:rPr lang="en-VN" smtClean="0"/>
-              <a:t>8/11/20</a:t>
+              <a:t>8/25/20</a:t>
             </a:fld>
             <a:endParaRPr lang="en-VN"/>
           </a:p>
@@ -2087,7 +2087,7 @@
           <a:p>
             <a:fld id="{C2792868-AD18-084C-8B16-E91F356D8BE5}" type="datetimeFigureOut">
               <a:rPr lang="en-VN" smtClean="0"/>
-              <a:t>8/11/20</a:t>
+              <a:t>8/25/20</a:t>
             </a:fld>
             <a:endParaRPr lang="en-VN"/>
           </a:p>
@@ -2400,7 +2400,7 @@
           <a:p>
             <a:fld id="{C2792868-AD18-084C-8B16-E91F356D8BE5}" type="datetimeFigureOut">
               <a:rPr lang="en-VN" smtClean="0"/>
-              <a:t>8/11/20</a:t>
+              <a:t>8/25/20</a:t>
             </a:fld>
             <a:endParaRPr lang="en-VN"/>
           </a:p>
@@ -2689,7 +2689,7 @@
           <a:p>
             <a:fld id="{C2792868-AD18-084C-8B16-E91F356D8BE5}" type="datetimeFigureOut">
               <a:rPr lang="en-VN" smtClean="0"/>
-              <a:t>8/11/20</a:t>
+              <a:t>8/25/20</a:t>
             </a:fld>
             <a:endParaRPr lang="en-VN"/>
           </a:p>
@@ -2932,7 +2932,7 @@
           <a:p>
             <a:fld id="{C2792868-AD18-084C-8B16-E91F356D8BE5}" type="datetimeFigureOut">
               <a:rPr lang="en-VN" smtClean="0"/>
-              <a:t>8/11/20</a:t>
+              <a:t>8/25/20</a:t>
             </a:fld>
             <a:endParaRPr lang="en-VN"/>
           </a:p>
@@ -7650,331 +7650,314 @@
           <a:chExt cx="0" cy="0"/>
         </a:xfrm>
       </p:grpSpPr>
-      <p:grpSp>
-        <p:nvGrpSpPr>
-          <p:cNvPr id="36" name="Group 35">
+      <p:sp>
+        <p:nvSpPr>
+          <p:cNvPr id="31" name="Cube 30">
             <a:extLst>
               <a:ext uri="{FF2B5EF4-FFF2-40B4-BE49-F238E27FC236}">
-                <a16:creationId xmlns:a16="http://schemas.microsoft.com/office/drawing/2014/main" id="{D0053C87-BB92-CE41-A7CF-FE94A793390B}"/>
+                <a16:creationId xmlns:a16="http://schemas.microsoft.com/office/drawing/2014/main" id="{FAD2CD4B-643C-4B47-9841-A68FCEC41FC4}"/>
               </a:ext>
             </a:extLst>
           </p:cNvPr>
-          <p:cNvGrpSpPr/>
+          <p:cNvSpPr/>
           <p:nvPr/>
-        </p:nvGrpSpPr>
-        <p:grpSpPr>
+        </p:nvSpPr>
+        <p:spPr>
           <a:xfrm>
-            <a:off x="4932850" y="1877685"/>
-            <a:ext cx="3164170" cy="2810077"/>
-            <a:chOff x="4769632" y="2491466"/>
-            <a:chExt cx="3164170" cy="2810077"/>
+            <a:off x="6577923" y="1748412"/>
+            <a:ext cx="787485" cy="434666"/>
           </a:xfrm>
-        </p:grpSpPr>
-        <p:sp>
-          <p:nvSpPr>
-            <p:cNvPr id="31" name="Cube 30">
-              <a:extLst>
-                <a:ext uri="{FF2B5EF4-FFF2-40B4-BE49-F238E27FC236}">
-                  <a16:creationId xmlns:a16="http://schemas.microsoft.com/office/drawing/2014/main" id="{FAD2CD4B-643C-4B47-9841-A68FCEC41FC4}"/>
-                </a:ext>
-              </a:extLst>
-            </p:cNvPr>
-            <p:cNvSpPr/>
-            <p:nvPr/>
-          </p:nvSpPr>
-          <p:spPr>
-            <a:xfrm>
-              <a:off x="6743889" y="2673088"/>
-              <a:ext cx="787485" cy="1299743"/>
-            </a:xfrm>
-            <a:prstGeom prst="cube">
-              <a:avLst/>
-            </a:prstGeom>
-            <a:pattFill prst="dashHorz">
-              <a:fgClr>
-                <a:schemeClr val="tx1"/>
-              </a:fgClr>
-              <a:bgClr>
-                <a:schemeClr val="bg1"/>
-              </a:bgClr>
-            </a:pattFill>
-          </p:spPr>
-          <p:style>
-            <a:lnRef idx="2">
-              <a:schemeClr val="dk1"/>
-            </a:lnRef>
-            <a:fillRef idx="1">
-              <a:schemeClr val="lt1"/>
-            </a:fillRef>
-            <a:effectRef idx="0">
-              <a:schemeClr val="dk1"/>
-            </a:effectRef>
-            <a:fontRef idx="minor">
-              <a:schemeClr val="dk1"/>
-            </a:fontRef>
-          </p:style>
-          <p:txBody>
-            <a:bodyPr rtlCol="0" anchor="ctr"/>
-            <a:lstStyle/>
-            <a:p>
-              <a:pPr algn="ctr"/>
-              <a:endParaRPr lang="en-VN"/>
-            </a:p>
-          </p:txBody>
-        </p:sp>
-        <p:sp>
-          <p:nvSpPr>
-            <p:cNvPr id="37" name="Rectangle 36">
-              <a:extLst>
-                <a:ext uri="{FF2B5EF4-FFF2-40B4-BE49-F238E27FC236}">
-                  <a16:creationId xmlns:a16="http://schemas.microsoft.com/office/drawing/2014/main" id="{4F0D7CEB-DCEF-514E-BB54-3075210A51CD}"/>
-                </a:ext>
-              </a:extLst>
-            </p:cNvPr>
-            <p:cNvSpPr/>
-            <p:nvPr/>
-          </p:nvSpPr>
-          <p:spPr>
-            <a:xfrm>
-              <a:off x="4769632" y="4101214"/>
-              <a:ext cx="1534423" cy="1200329"/>
-            </a:xfrm>
-            <a:prstGeom prst="rect">
-              <a:avLst/>
-            </a:prstGeom>
-            <a:solidFill>
-              <a:schemeClr val="bg1">
-                <a:alpha val="80000"/>
-              </a:schemeClr>
-            </a:solidFill>
-          </p:spPr>
-          <p:txBody>
-            <a:bodyPr wrap="square">
-              <a:spAutoFit/>
-            </a:bodyPr>
-            <a:lstStyle/>
-            <a:p>
-              <a:r>
-                <a:rPr lang="en-VN" sz="2400" i="1" dirty="0">
-                  <a:latin typeface="Times New Roman" panose="02020603050405020304" pitchFamily="18" charset="0"/>
-                  <a:cs typeface="Times New Roman" panose="02020603050405020304" pitchFamily="18" charset="0"/>
-                </a:rPr>
-                <a:t>P</a:t>
-              </a:r>
-              <a:r>
-                <a:rPr lang="en-VN" sz="2400" i="1" baseline="-25000" dirty="0">
-                  <a:latin typeface="Times New Roman" panose="02020603050405020304" pitchFamily="18" charset="0"/>
-                  <a:cs typeface="Times New Roman" panose="02020603050405020304" pitchFamily="18" charset="0"/>
-                </a:rPr>
-                <a:t>1</a:t>
-              </a:r>
-              <a:r>
-                <a:rPr lang="en-VN" sz="2400" dirty="0">
-                  <a:latin typeface="Times New Roman" panose="02020603050405020304" pitchFamily="18" charset="0"/>
-                  <a:cs typeface="Times New Roman" panose="02020603050405020304" pitchFamily="18" charset="0"/>
-                </a:rPr>
-                <a:t> </a:t>
-              </a:r>
-              <a:r>
-                <a:rPr lang="en-US" sz="2400" dirty="0">
-                  <a:latin typeface="Times New Roman" panose="02020603050405020304" pitchFamily="18" charset="0"/>
-                  <a:cs typeface="Times New Roman" panose="02020603050405020304" pitchFamily="18" charset="0"/>
-                </a:rPr>
-                <a:t>(kg):</a:t>
-              </a:r>
-              <a:endParaRPr lang="en-VN" sz="3600" dirty="0">
+          <a:prstGeom prst="cube">
+            <a:avLst>
+              <a:gd name="adj" fmla="val 48141"/>
+            </a:avLst>
+          </a:prstGeom>
+          <a:pattFill prst="dashHorz">
+            <a:fgClr>
+              <a:schemeClr val="tx1"/>
+            </a:fgClr>
+            <a:bgClr>
+              <a:schemeClr val="bg1"/>
+            </a:bgClr>
+          </a:pattFill>
+        </p:spPr>
+        <p:style>
+          <a:lnRef idx="2">
+            <a:schemeClr val="dk1"/>
+          </a:lnRef>
+          <a:fillRef idx="1">
+            <a:schemeClr val="lt1"/>
+          </a:fillRef>
+          <a:effectRef idx="0">
+            <a:schemeClr val="dk1"/>
+          </a:effectRef>
+          <a:fontRef idx="minor">
+            <a:schemeClr val="dk1"/>
+          </a:fontRef>
+        </p:style>
+        <p:txBody>
+          <a:bodyPr rtlCol="0" anchor="ctr"/>
+          <a:lstStyle/>
+          <a:p>
+            <a:pPr algn="ctr"/>
+            <a:endParaRPr lang="en-VN"/>
+          </a:p>
+        </p:txBody>
+      </p:sp>
+      <p:sp>
+        <p:nvSpPr>
+          <p:cNvPr id="37" name="Rectangle 36" hidden="1">
+            <a:extLst>
+              <a:ext uri="{FF2B5EF4-FFF2-40B4-BE49-F238E27FC236}">
+                <a16:creationId xmlns:a16="http://schemas.microsoft.com/office/drawing/2014/main" id="{4F0D7CEB-DCEF-514E-BB54-3075210A51CD}"/>
+              </a:ext>
+            </a:extLst>
+          </p:cNvPr>
+          <p:cNvSpPr/>
+          <p:nvPr/>
+        </p:nvSpPr>
+        <p:spPr>
+          <a:xfrm>
+            <a:off x="4786546" y="2435873"/>
+            <a:ext cx="1534423" cy="1200329"/>
+          </a:xfrm>
+          <a:prstGeom prst="rect">
+            <a:avLst/>
+          </a:prstGeom>
+          <a:solidFill>
+            <a:schemeClr val="bg1">
+              <a:alpha val="80000"/>
+            </a:schemeClr>
+          </a:solidFill>
+        </p:spPr>
+        <p:txBody>
+          <a:bodyPr wrap="square">
+            <a:spAutoFit/>
+          </a:bodyPr>
+          <a:lstStyle/>
+          <a:p>
+            <a:r>
+              <a:rPr lang="en-VN" sz="2400" i="1" dirty="0">
                 <a:latin typeface="Times New Roman" panose="02020603050405020304" pitchFamily="18" charset="0"/>
                 <a:cs typeface="Times New Roman" panose="02020603050405020304" pitchFamily="18" charset="0"/>
-              </a:endParaRPr>
-            </a:p>
-            <a:p>
-              <a:r>
-                <a:rPr lang="en-VN" sz="2400" dirty="0">
-                  <a:latin typeface="Times New Roman" panose="02020603050405020304" pitchFamily="18" charset="0"/>
-                  <a:cs typeface="Times New Roman" panose="02020603050405020304" pitchFamily="18" charset="0"/>
-                </a:rPr>
-                <a:t>Production of </a:t>
-              </a:r>
-              <a:r>
-                <a:rPr lang="en-US" sz="2400" dirty="0">
-                  <a:latin typeface="Times New Roman" panose="02020603050405020304" pitchFamily="18" charset="0"/>
-                  <a:cs typeface="Times New Roman" panose="02020603050405020304" pitchFamily="18" charset="0"/>
-                </a:rPr>
-                <a:t>spices</a:t>
-              </a:r>
-              <a:r>
-                <a:rPr lang="en-VN" sz="2400" dirty="0">
-                  <a:effectLst/>
-                  <a:latin typeface="Times New Roman" panose="02020603050405020304" pitchFamily="18" charset="0"/>
-                  <a:cs typeface="Times New Roman" panose="02020603050405020304" pitchFamily="18" charset="0"/>
-                </a:rPr>
-                <a:t> </a:t>
-              </a:r>
-              <a:r>
-                <a:rPr lang="en-VN" sz="2400" dirty="0">
-                  <a:latin typeface="Times New Roman" panose="02020603050405020304" pitchFamily="18" charset="0"/>
-                  <a:cs typeface="Times New Roman" panose="02020603050405020304" pitchFamily="18" charset="0"/>
-                </a:rPr>
-                <a:t>1</a:t>
-              </a:r>
-              <a:endParaRPr lang="en-US" sz="2400" dirty="0">
+              </a:rPr>
+              <a:t>P</a:t>
+            </a:r>
+            <a:r>
+              <a:rPr lang="en-VN" sz="2400" i="1" baseline="-25000" dirty="0">
                 <a:latin typeface="Times New Roman" panose="02020603050405020304" pitchFamily="18" charset="0"/>
                 <a:cs typeface="Times New Roman" panose="02020603050405020304" pitchFamily="18" charset="0"/>
-              </a:endParaRPr>
-            </a:p>
-          </p:txBody>
-        </p:sp>
-        <p:sp>
-          <p:nvSpPr>
-            <p:cNvPr id="38" name="Rectangle 37">
-              <a:extLst>
-                <a:ext uri="{FF2B5EF4-FFF2-40B4-BE49-F238E27FC236}">
-                  <a16:creationId xmlns:a16="http://schemas.microsoft.com/office/drawing/2014/main" id="{A49059AB-41C7-1A46-916A-C2C9EFCBE685}"/>
-                </a:ext>
-              </a:extLst>
-            </p:cNvPr>
-            <p:cNvSpPr/>
-            <p:nvPr/>
-          </p:nvSpPr>
-          <p:spPr>
-            <a:xfrm>
-              <a:off x="6399379" y="4074486"/>
-              <a:ext cx="1534423" cy="1200329"/>
-            </a:xfrm>
-            <a:prstGeom prst="rect">
-              <a:avLst/>
-            </a:prstGeom>
-            <a:solidFill>
-              <a:schemeClr val="bg1">
-                <a:alpha val="80000"/>
-              </a:schemeClr>
-            </a:solidFill>
-          </p:spPr>
-          <p:txBody>
-            <a:bodyPr wrap="square">
-              <a:spAutoFit/>
-            </a:bodyPr>
-            <a:lstStyle/>
-            <a:p>
-              <a:r>
-                <a:rPr lang="en-VN" sz="2400" i="1" dirty="0">
-                  <a:latin typeface="Times New Roman" panose="02020603050405020304" pitchFamily="18" charset="0"/>
-                  <a:cs typeface="Times New Roman" panose="02020603050405020304" pitchFamily="18" charset="0"/>
-                </a:rPr>
-                <a:t>P</a:t>
-              </a:r>
-              <a:r>
-                <a:rPr lang="en-VN" sz="2400" i="1" baseline="-25000" dirty="0">
-                  <a:latin typeface="Times New Roman" panose="02020603050405020304" pitchFamily="18" charset="0"/>
-                  <a:cs typeface="Times New Roman" panose="02020603050405020304" pitchFamily="18" charset="0"/>
-                </a:rPr>
-                <a:t>2</a:t>
-              </a:r>
-              <a:r>
-                <a:rPr lang="en-VN" sz="2400" dirty="0">
-                  <a:latin typeface="Times New Roman" panose="02020603050405020304" pitchFamily="18" charset="0"/>
-                  <a:cs typeface="Times New Roman" panose="02020603050405020304" pitchFamily="18" charset="0"/>
-                </a:rPr>
-                <a:t> </a:t>
-              </a:r>
-              <a:r>
-                <a:rPr lang="en-US" sz="2400" dirty="0">
-                  <a:latin typeface="Times New Roman" panose="02020603050405020304" pitchFamily="18" charset="0"/>
-                  <a:cs typeface="Times New Roman" panose="02020603050405020304" pitchFamily="18" charset="0"/>
-                </a:rPr>
-                <a:t>(kg):</a:t>
-              </a:r>
-              <a:endParaRPr lang="en-VN" sz="3600" dirty="0">
+              </a:rPr>
+              <a:t>1</a:t>
+            </a:r>
+            <a:r>
+              <a:rPr lang="en-VN" sz="2400" dirty="0">
                 <a:latin typeface="Times New Roman" panose="02020603050405020304" pitchFamily="18" charset="0"/>
                 <a:cs typeface="Times New Roman" panose="02020603050405020304" pitchFamily="18" charset="0"/>
-              </a:endParaRPr>
-            </a:p>
-            <a:p>
-              <a:r>
-                <a:rPr lang="en-VN" sz="2400" dirty="0">
-                  <a:latin typeface="Times New Roman" panose="02020603050405020304" pitchFamily="18" charset="0"/>
-                  <a:cs typeface="Times New Roman" panose="02020603050405020304" pitchFamily="18" charset="0"/>
-                </a:rPr>
-                <a:t>Production of </a:t>
-              </a:r>
-              <a:r>
-                <a:rPr lang="en-US" sz="2400" dirty="0">
-                  <a:latin typeface="Times New Roman" panose="02020603050405020304" pitchFamily="18" charset="0"/>
-                  <a:cs typeface="Times New Roman" panose="02020603050405020304" pitchFamily="18" charset="0"/>
-                </a:rPr>
-                <a:t>spices</a:t>
-              </a:r>
-              <a:r>
-                <a:rPr lang="en-VN" sz="2400" dirty="0">
-                  <a:effectLst/>
-                  <a:latin typeface="Times New Roman" panose="02020603050405020304" pitchFamily="18" charset="0"/>
-                  <a:cs typeface="Times New Roman" panose="02020603050405020304" pitchFamily="18" charset="0"/>
-                </a:rPr>
-                <a:t> 2</a:t>
-              </a:r>
-              <a:endParaRPr lang="en-US" sz="2400" dirty="0">
+              </a:rPr>
+              <a:t> </a:t>
+            </a:r>
+            <a:r>
+              <a:rPr lang="en-US" sz="2400" dirty="0">
                 <a:latin typeface="Times New Roman" panose="02020603050405020304" pitchFamily="18" charset="0"/>
                 <a:cs typeface="Times New Roman" panose="02020603050405020304" pitchFamily="18" charset="0"/>
-              </a:endParaRPr>
-            </a:p>
-          </p:txBody>
-        </p:sp>
-        <p:sp>
-          <p:nvSpPr>
-            <p:cNvPr id="30" name="Can 29">
-              <a:extLst>
-                <a:ext uri="{FF2B5EF4-FFF2-40B4-BE49-F238E27FC236}">
-                  <a16:creationId xmlns:a16="http://schemas.microsoft.com/office/drawing/2014/main" id="{36AEF7E2-5D21-4B41-82F7-1C80638C5132}"/>
-                </a:ext>
-              </a:extLst>
-            </p:cNvPr>
-            <p:cNvSpPr/>
-            <p:nvPr/>
-          </p:nvSpPr>
-          <p:spPr>
-            <a:xfrm>
-              <a:off x="5208738" y="2491466"/>
-              <a:ext cx="764501" cy="1299743"/>
-            </a:xfrm>
-            <a:prstGeom prst="can">
-              <a:avLst/>
-            </a:prstGeom>
-            <a:pattFill prst="dashHorz">
-              <a:fgClr>
-                <a:schemeClr val="tx1"/>
-              </a:fgClr>
-              <a:bgClr>
-                <a:schemeClr val="bg1"/>
-              </a:bgClr>
-            </a:pattFill>
-          </p:spPr>
-          <p:style>
-            <a:lnRef idx="2">
-              <a:schemeClr val="dk1"/>
-            </a:lnRef>
-            <a:fillRef idx="1">
-              <a:schemeClr val="lt1"/>
-            </a:fillRef>
-            <a:effectRef idx="0">
-              <a:schemeClr val="dk1"/>
-            </a:effectRef>
-            <a:fontRef idx="minor">
-              <a:schemeClr val="dk1"/>
-            </a:fontRef>
-          </p:style>
-          <p:txBody>
-            <a:bodyPr rtlCol="0" anchor="ctr"/>
-            <a:lstStyle/>
-            <a:p>
-              <a:pPr algn="ctr"/>
-              <a:endParaRPr lang="en-VN"/>
-            </a:p>
-          </p:txBody>
-        </p:sp>
-      </p:grpSp>
+              </a:rPr>
+              <a:t>(kg):</a:t>
+            </a:r>
+            <a:endParaRPr lang="en-VN" sz="3600" dirty="0">
+              <a:latin typeface="Times New Roman" panose="02020603050405020304" pitchFamily="18" charset="0"/>
+              <a:cs typeface="Times New Roman" panose="02020603050405020304" pitchFamily="18" charset="0"/>
+            </a:endParaRPr>
+          </a:p>
+          <a:p>
+            <a:r>
+              <a:rPr lang="en-VN" sz="2400" dirty="0">
+                <a:latin typeface="Times New Roman" panose="02020603050405020304" pitchFamily="18" charset="0"/>
+                <a:cs typeface="Times New Roman" panose="02020603050405020304" pitchFamily="18" charset="0"/>
+              </a:rPr>
+              <a:t>Production of </a:t>
+            </a:r>
+            <a:r>
+              <a:rPr lang="en-US" sz="2400" dirty="0">
+                <a:latin typeface="Times New Roman" panose="02020603050405020304" pitchFamily="18" charset="0"/>
+                <a:cs typeface="Times New Roman" panose="02020603050405020304" pitchFamily="18" charset="0"/>
+              </a:rPr>
+              <a:t>spices</a:t>
+            </a:r>
+            <a:r>
+              <a:rPr lang="en-VN" sz="2400" dirty="0">
+                <a:effectLst/>
+                <a:latin typeface="Times New Roman" panose="02020603050405020304" pitchFamily="18" charset="0"/>
+                <a:cs typeface="Times New Roman" panose="02020603050405020304" pitchFamily="18" charset="0"/>
+              </a:rPr>
+              <a:t> </a:t>
+            </a:r>
+            <a:r>
+              <a:rPr lang="en-VN" sz="2400" dirty="0">
+                <a:latin typeface="Times New Roman" panose="02020603050405020304" pitchFamily="18" charset="0"/>
+                <a:cs typeface="Times New Roman" panose="02020603050405020304" pitchFamily="18" charset="0"/>
+              </a:rPr>
+              <a:t>1</a:t>
+            </a:r>
+            <a:endParaRPr lang="en-US" sz="2400" dirty="0">
+              <a:latin typeface="Times New Roman" panose="02020603050405020304" pitchFamily="18" charset="0"/>
+              <a:cs typeface="Times New Roman" panose="02020603050405020304" pitchFamily="18" charset="0"/>
+            </a:endParaRPr>
+          </a:p>
+        </p:txBody>
+      </p:sp>
+      <p:sp>
+        <p:nvSpPr>
+          <p:cNvPr id="38" name="Rectangle 37" hidden="1">
+            <a:extLst>
+              <a:ext uri="{FF2B5EF4-FFF2-40B4-BE49-F238E27FC236}">
+                <a16:creationId xmlns:a16="http://schemas.microsoft.com/office/drawing/2014/main" id="{A49059AB-41C7-1A46-916A-C2C9EFCBE685}"/>
+              </a:ext>
+            </a:extLst>
+          </p:cNvPr>
+          <p:cNvSpPr/>
+          <p:nvPr/>
+        </p:nvSpPr>
+        <p:spPr>
+          <a:xfrm>
+            <a:off x="6416293" y="2409145"/>
+            <a:ext cx="1534423" cy="1200329"/>
+          </a:xfrm>
+          <a:prstGeom prst="rect">
+            <a:avLst/>
+          </a:prstGeom>
+          <a:solidFill>
+            <a:schemeClr val="bg1">
+              <a:alpha val="80000"/>
+            </a:schemeClr>
+          </a:solidFill>
+        </p:spPr>
+        <p:txBody>
+          <a:bodyPr wrap="square">
+            <a:spAutoFit/>
+          </a:bodyPr>
+          <a:lstStyle/>
+          <a:p>
+            <a:r>
+              <a:rPr lang="en-VN" sz="2400" i="1" dirty="0">
+                <a:latin typeface="Times New Roman" panose="02020603050405020304" pitchFamily="18" charset="0"/>
+                <a:cs typeface="Times New Roman" panose="02020603050405020304" pitchFamily="18" charset="0"/>
+              </a:rPr>
+              <a:t>P</a:t>
+            </a:r>
+            <a:r>
+              <a:rPr lang="en-VN" sz="2400" i="1" baseline="-25000" dirty="0">
+                <a:latin typeface="Times New Roman" panose="02020603050405020304" pitchFamily="18" charset="0"/>
+                <a:cs typeface="Times New Roman" panose="02020603050405020304" pitchFamily="18" charset="0"/>
+              </a:rPr>
+              <a:t>2</a:t>
+            </a:r>
+            <a:r>
+              <a:rPr lang="en-VN" sz="2400" dirty="0">
+                <a:latin typeface="Times New Roman" panose="02020603050405020304" pitchFamily="18" charset="0"/>
+                <a:cs typeface="Times New Roman" panose="02020603050405020304" pitchFamily="18" charset="0"/>
+              </a:rPr>
+              <a:t> </a:t>
+            </a:r>
+            <a:r>
+              <a:rPr lang="en-US" sz="2400" dirty="0">
+                <a:latin typeface="Times New Roman" panose="02020603050405020304" pitchFamily="18" charset="0"/>
+                <a:cs typeface="Times New Roman" panose="02020603050405020304" pitchFamily="18" charset="0"/>
+              </a:rPr>
+              <a:t>(kg):</a:t>
+            </a:r>
+            <a:endParaRPr lang="en-VN" sz="3600" dirty="0">
+              <a:latin typeface="Times New Roman" panose="02020603050405020304" pitchFamily="18" charset="0"/>
+              <a:cs typeface="Times New Roman" panose="02020603050405020304" pitchFamily="18" charset="0"/>
+            </a:endParaRPr>
+          </a:p>
+          <a:p>
+            <a:r>
+              <a:rPr lang="en-VN" sz="2400" dirty="0">
+                <a:latin typeface="Times New Roman" panose="02020603050405020304" pitchFamily="18" charset="0"/>
+                <a:cs typeface="Times New Roman" panose="02020603050405020304" pitchFamily="18" charset="0"/>
+              </a:rPr>
+              <a:t>Production of </a:t>
+            </a:r>
+            <a:r>
+              <a:rPr lang="en-US" sz="2400" dirty="0">
+                <a:latin typeface="Times New Roman" panose="02020603050405020304" pitchFamily="18" charset="0"/>
+                <a:cs typeface="Times New Roman" panose="02020603050405020304" pitchFamily="18" charset="0"/>
+              </a:rPr>
+              <a:t>spices</a:t>
+            </a:r>
+            <a:r>
+              <a:rPr lang="en-VN" sz="2400" dirty="0">
+                <a:effectLst/>
+                <a:latin typeface="Times New Roman" panose="02020603050405020304" pitchFamily="18" charset="0"/>
+                <a:cs typeface="Times New Roman" panose="02020603050405020304" pitchFamily="18" charset="0"/>
+              </a:rPr>
+              <a:t> 2</a:t>
+            </a:r>
+            <a:endParaRPr lang="en-US" sz="2400" dirty="0">
+              <a:latin typeface="Times New Roman" panose="02020603050405020304" pitchFamily="18" charset="0"/>
+              <a:cs typeface="Times New Roman" panose="02020603050405020304" pitchFamily="18" charset="0"/>
+            </a:endParaRPr>
+          </a:p>
+        </p:txBody>
+      </p:sp>
+      <p:sp>
+        <p:nvSpPr>
+          <p:cNvPr id="30" name="Can 29">
+            <a:extLst>
+              <a:ext uri="{FF2B5EF4-FFF2-40B4-BE49-F238E27FC236}">
+                <a16:creationId xmlns:a16="http://schemas.microsoft.com/office/drawing/2014/main" id="{36AEF7E2-5D21-4B41-82F7-1C80638C5132}"/>
+              </a:ext>
+            </a:extLst>
+          </p:cNvPr>
+          <p:cNvSpPr/>
+          <p:nvPr/>
+        </p:nvSpPr>
+        <p:spPr>
+          <a:xfrm>
+            <a:off x="4791456" y="1566789"/>
+            <a:ext cx="1280864" cy="674914"/>
+          </a:xfrm>
+          <a:prstGeom prst="can">
+            <a:avLst>
+              <a:gd name="adj" fmla="val 35097"/>
+            </a:avLst>
+          </a:prstGeom>
+          <a:pattFill prst="dashHorz">
+            <a:fgClr>
+              <a:schemeClr val="tx1"/>
+            </a:fgClr>
+            <a:bgClr>
+              <a:schemeClr val="bg1"/>
+            </a:bgClr>
+          </a:pattFill>
+        </p:spPr>
+        <p:style>
+          <a:lnRef idx="2">
+            <a:schemeClr val="dk1"/>
+          </a:lnRef>
+          <a:fillRef idx="1">
+            <a:schemeClr val="lt1"/>
+          </a:fillRef>
+          <a:effectRef idx="0">
+            <a:schemeClr val="dk1"/>
+          </a:effectRef>
+          <a:fontRef idx="minor">
+            <a:schemeClr val="dk1"/>
+          </a:fontRef>
+        </p:style>
+        <p:txBody>
+          <a:bodyPr rtlCol="0" anchor="ctr"/>
+          <a:lstStyle/>
+          <a:p>
+            <a:pPr algn="ctr"/>
+            <a:endParaRPr lang="en-VN"/>
+          </a:p>
+        </p:txBody>
+      </p:sp>
       <p:grpSp>
         <p:nvGrpSpPr>
-          <p:cNvPr id="15" name="Group 14">
+          <p:cNvPr id="15" name="Group 14" hidden="1">
             <a:extLst>
               <a:ext uri="{FF2B5EF4-FFF2-40B4-BE49-F238E27FC236}">
                 <a16:creationId xmlns:a16="http://schemas.microsoft.com/office/drawing/2014/main" id="{A508547D-E1E6-004A-B124-65F822671F21}"/>
@@ -7986,10 +7969,10 @@
         </p:nvGrpSpPr>
         <p:grpSpPr>
           <a:xfrm flipH="1">
-            <a:off x="5758098" y="1636959"/>
-            <a:ext cx="1558970" cy="516297"/>
-            <a:chOff x="7317066" y="1636959"/>
-            <a:chExt cx="903375" cy="516297"/>
+            <a:off x="5408745" y="1481750"/>
+            <a:ext cx="1554648" cy="355057"/>
+            <a:chOff x="7319570" y="1636959"/>
+            <a:chExt cx="900871" cy="617829"/>
           </a:xfrm>
         </p:grpSpPr>
         <p:cxnSp>
@@ -8046,14 +8029,13 @@
             </p:cNvPr>
             <p:cNvCxnSpPr>
               <a:cxnSpLocks/>
-              <a:endCxn id="4" idx="65"/>
             </p:cNvCxnSpPr>
             <p:nvPr/>
           </p:nvCxnSpPr>
           <p:spPr>
             <a:xfrm flipH="1">
-              <a:off x="7317066" y="1636959"/>
-              <a:ext cx="2502" cy="516297"/>
+              <a:off x="7319570" y="1636959"/>
+              <a:ext cx="0" cy="617829"/>
             </a:xfrm>
             <a:prstGeom prst="straightConnector1">
               <a:avLst/>
@@ -8082,7 +8064,7 @@
       </p:grpSp>
       <p:grpSp>
         <p:nvGrpSpPr>
-          <p:cNvPr id="14" name="Group 13">
+          <p:cNvPr id="14" name="Group 13" hidden="1">
             <a:extLst>
               <a:ext uri="{FF2B5EF4-FFF2-40B4-BE49-F238E27FC236}">
                 <a16:creationId xmlns:a16="http://schemas.microsoft.com/office/drawing/2014/main" id="{2F2673BF-73C9-434C-BCDD-0FD22E1C8DCA}"/>
@@ -8226,7 +8208,7 @@
       </p:grpSp>
       <p:sp>
         <p:nvSpPr>
-          <p:cNvPr id="18" name="Rectangle 17">
+          <p:cNvPr id="18" name="Rectangle 17" hidden="1">
             <a:extLst>
               <a:ext uri="{FF2B5EF4-FFF2-40B4-BE49-F238E27FC236}">
                 <a16:creationId xmlns:a16="http://schemas.microsoft.com/office/drawing/2014/main" id="{738BF8F8-4E3D-374E-95B6-6184691125F6}"/>
@@ -8238,8 +8220,8 @@
         </p:nvSpPr>
         <p:spPr>
           <a:xfrm>
-            <a:off x="2331761" y="813744"/>
-            <a:ext cx="3338929" cy="461665"/>
+            <a:off x="1308060" y="1269052"/>
+            <a:ext cx="2520626" cy="830997"/>
           </a:xfrm>
           <a:prstGeom prst="rect">
             <a:avLst/>
@@ -8289,7 +8271,7 @@
       </p:sp>
       <p:grpSp>
         <p:nvGrpSpPr>
-          <p:cNvPr id="2" name="Group 1">
+          <p:cNvPr id="2" name="Group 1" hidden="1">
             <a:extLst>
               <a:ext uri="{FF2B5EF4-FFF2-40B4-BE49-F238E27FC236}">
                 <a16:creationId xmlns:a16="http://schemas.microsoft.com/office/drawing/2014/main" id="{4683EDFA-A415-B54D-8D99-D42417B55B55}"/>
@@ -8301,7 +8283,7 @@
         </p:nvGrpSpPr>
         <p:grpSpPr>
           <a:xfrm>
-            <a:off x="5903600" y="849123"/>
+            <a:off x="4514641" y="837547"/>
             <a:ext cx="3550792" cy="470105"/>
             <a:chOff x="5792248" y="2322466"/>
             <a:chExt cx="3550792" cy="470105"/>
@@ -8416,7 +8398,7 @@
       </p:grpSp>
       <p:cxnSp>
         <p:nvCxnSpPr>
-          <p:cNvPr id="22" name="Straight Arrow Connector 21">
+          <p:cNvPr id="22" name="Straight Arrow Connector 21" hidden="1">
             <a:extLst>
               <a:ext uri="{FF2B5EF4-FFF2-40B4-BE49-F238E27FC236}">
                 <a16:creationId xmlns:a16="http://schemas.microsoft.com/office/drawing/2014/main" id="{80F67DFF-0382-BE45-8DC6-AE116E262EA4}"/>
@@ -8430,8 +8412,8 @@
         </p:nvCxnSpPr>
         <p:spPr>
           <a:xfrm flipH="1">
-            <a:off x="8190981" y="1684551"/>
-            <a:ext cx="5479" cy="1539878"/>
+            <a:off x="8196460" y="1684551"/>
+            <a:ext cx="1" cy="498527"/>
           </a:xfrm>
           <a:prstGeom prst="straightConnector1">
             <a:avLst/>
@@ -11772,7 +11754,7 @@
       </p:grpSp>
       <p:grpSp>
         <p:nvGrpSpPr>
-          <p:cNvPr id="27" name="Group 26">
+          <p:cNvPr id="27" name="Group 26" hidden="1">
             <a:extLst>
               <a:ext uri="{FF2B5EF4-FFF2-40B4-BE49-F238E27FC236}">
                 <a16:creationId xmlns:a16="http://schemas.microsoft.com/office/drawing/2014/main" id="{8F066B2B-D479-384B-92A0-55A0B091F099}"/>
@@ -11784,7 +11766,7 @@
         </p:nvGrpSpPr>
         <p:grpSpPr>
           <a:xfrm>
-            <a:off x="8100447" y="2480522"/>
+            <a:off x="7718481" y="2422647"/>
             <a:ext cx="2356615" cy="830997"/>
             <a:chOff x="7985805" y="2406761"/>
             <a:chExt cx="2356615" cy="830997"/>
@@ -11953,7 +11935,7 @@
       </p:grpSp>
       <p:cxnSp>
         <p:nvCxnSpPr>
-          <p:cNvPr id="33" name="Straight Arrow Connector 32">
+          <p:cNvPr id="33" name="Straight Arrow Connector 32" hidden="1">
             <a:extLst>
               <a:ext uri="{FF2B5EF4-FFF2-40B4-BE49-F238E27FC236}">
                 <a16:creationId xmlns:a16="http://schemas.microsoft.com/office/drawing/2014/main" id="{939B06A5-186C-F340-A647-2CA890E6D78E}"/>
@@ -11967,7 +11949,7 @@
         </p:nvCxnSpPr>
         <p:spPr>
           <a:xfrm flipV="1">
-            <a:off x="4757749" y="1690154"/>
+            <a:off x="3820195" y="1690154"/>
             <a:ext cx="620496" cy="620496"/>
           </a:xfrm>
           <a:prstGeom prst="straightConnector1">
@@ -11995,7 +11977,7 @@
       </p:cxnSp>
       <p:sp>
         <p:nvSpPr>
-          <p:cNvPr id="44" name="Rectangle 3">
+          <p:cNvPr id="44" name="Rectangle 3" hidden="1">
             <a:extLst>
               <a:ext uri="{FF2B5EF4-FFF2-40B4-BE49-F238E27FC236}">
                 <a16:creationId xmlns:a16="http://schemas.microsoft.com/office/drawing/2014/main" id="{5E4E215D-1C8F-6146-9956-D4B4A26686A3}"/>
@@ -12949,3466 +12931,6 @@
           </a:p>
         </p:txBody>
       </p:sp>
-      <p:grpSp>
-        <p:nvGrpSpPr>
-          <p:cNvPr id="28" name="Group 27">
-            <a:extLst>
-              <a:ext uri="{FF2B5EF4-FFF2-40B4-BE49-F238E27FC236}">
-                <a16:creationId xmlns:a16="http://schemas.microsoft.com/office/drawing/2014/main" id="{36E53E6F-6AE8-A04D-BCC4-DF17FFA2E16A}"/>
-              </a:ext>
-            </a:extLst>
-          </p:cNvPr>
-          <p:cNvGrpSpPr/>
-          <p:nvPr/>
-        </p:nvGrpSpPr>
-        <p:grpSpPr>
-          <a:xfrm>
-            <a:off x="1742227" y="4229936"/>
-            <a:ext cx="1906472" cy="1204174"/>
-            <a:chOff x="2375887" y="1394827"/>
-            <a:chExt cx="6352232" cy="4068346"/>
-          </a:xfrm>
-        </p:grpSpPr>
-        <p:grpSp>
-          <p:nvGrpSpPr>
-            <p:cNvPr id="2" name="Group 1">
-              <a:extLst>
-                <a:ext uri="{FF2B5EF4-FFF2-40B4-BE49-F238E27FC236}">
-                  <a16:creationId xmlns:a16="http://schemas.microsoft.com/office/drawing/2014/main" id="{3DD23319-FA87-964E-B540-29C7DF65BE76}"/>
-                </a:ext>
-              </a:extLst>
-            </p:cNvPr>
-            <p:cNvGrpSpPr/>
-            <p:nvPr/>
-          </p:nvGrpSpPr>
-          <p:grpSpPr>
-            <a:xfrm>
-              <a:off x="4469131" y="1877685"/>
-              <a:ext cx="2322636" cy="1481365"/>
-              <a:chOff x="5208738" y="2491466"/>
-              <a:chExt cx="2322636" cy="1481365"/>
-            </a:xfrm>
-          </p:grpSpPr>
-          <p:sp>
-            <p:nvSpPr>
-              <p:cNvPr id="3" name="Cube 2">
-                <a:extLst>
-                  <a:ext uri="{FF2B5EF4-FFF2-40B4-BE49-F238E27FC236}">
-                    <a16:creationId xmlns:a16="http://schemas.microsoft.com/office/drawing/2014/main" id="{FAFE11F4-6344-AE4D-B208-BC22D2C72271}"/>
-                  </a:ext>
-                </a:extLst>
-              </p:cNvPr>
-              <p:cNvSpPr/>
-              <p:nvPr/>
-            </p:nvSpPr>
-            <p:spPr>
-              <a:xfrm>
-                <a:off x="6743889" y="2673088"/>
-                <a:ext cx="787485" cy="1299743"/>
-              </a:xfrm>
-              <a:prstGeom prst="cube">
-                <a:avLst/>
-              </a:prstGeom>
-              <a:pattFill prst="dashHorz">
-                <a:fgClr>
-                  <a:schemeClr val="tx1"/>
-                </a:fgClr>
-                <a:bgClr>
-                  <a:schemeClr val="bg1"/>
-                </a:bgClr>
-              </a:pattFill>
-            </p:spPr>
-            <p:style>
-              <a:lnRef idx="2">
-                <a:schemeClr val="dk1"/>
-              </a:lnRef>
-              <a:fillRef idx="1">
-                <a:schemeClr val="lt1"/>
-              </a:fillRef>
-              <a:effectRef idx="0">
-                <a:schemeClr val="dk1"/>
-              </a:effectRef>
-              <a:fontRef idx="minor">
-                <a:schemeClr val="dk1"/>
-              </a:fontRef>
-            </p:style>
-            <p:txBody>
-              <a:bodyPr rtlCol="0" anchor="ctr"/>
-              <a:lstStyle/>
-              <a:p>
-                <a:pPr algn="ctr"/>
-                <a:endParaRPr lang="en-VN"/>
-              </a:p>
-            </p:txBody>
-          </p:sp>
-          <p:sp>
-            <p:nvSpPr>
-              <p:cNvPr id="6" name="Can 5">
-                <a:extLst>
-                  <a:ext uri="{FF2B5EF4-FFF2-40B4-BE49-F238E27FC236}">
-                    <a16:creationId xmlns:a16="http://schemas.microsoft.com/office/drawing/2014/main" id="{DF68ECB9-F58E-C740-9B5D-6BBA6D724315}"/>
-                  </a:ext>
-                </a:extLst>
-              </p:cNvPr>
-              <p:cNvSpPr/>
-              <p:nvPr/>
-            </p:nvSpPr>
-            <p:spPr>
-              <a:xfrm>
-                <a:off x="5208738" y="2491466"/>
-                <a:ext cx="764501" cy="1299743"/>
-              </a:xfrm>
-              <a:prstGeom prst="can">
-                <a:avLst/>
-              </a:prstGeom>
-              <a:pattFill prst="dashHorz">
-                <a:fgClr>
-                  <a:schemeClr val="tx1"/>
-                </a:fgClr>
-                <a:bgClr>
-                  <a:schemeClr val="bg1"/>
-                </a:bgClr>
-              </a:pattFill>
-            </p:spPr>
-            <p:style>
-              <a:lnRef idx="2">
-                <a:schemeClr val="dk1"/>
-              </a:lnRef>
-              <a:fillRef idx="1">
-                <a:schemeClr val="lt1"/>
-              </a:fillRef>
-              <a:effectRef idx="0">
-                <a:schemeClr val="dk1"/>
-              </a:effectRef>
-              <a:fontRef idx="minor">
-                <a:schemeClr val="dk1"/>
-              </a:fontRef>
-            </p:style>
-            <p:txBody>
-              <a:bodyPr rtlCol="0" anchor="ctr"/>
-              <a:lstStyle/>
-              <a:p>
-                <a:pPr algn="ctr"/>
-                <a:endParaRPr lang="en-VN"/>
-              </a:p>
-            </p:txBody>
-          </p:sp>
-        </p:grpSp>
-        <p:grpSp>
-          <p:nvGrpSpPr>
-            <p:cNvPr id="19" name="Group 18">
-              <a:extLst>
-                <a:ext uri="{FF2B5EF4-FFF2-40B4-BE49-F238E27FC236}">
-                  <a16:creationId xmlns:a16="http://schemas.microsoft.com/office/drawing/2014/main" id="{0F6FD1D1-5689-3149-B55B-145DD5D65664}"/>
-                </a:ext>
-              </a:extLst>
-            </p:cNvPr>
-            <p:cNvGrpSpPr/>
-            <p:nvPr/>
-          </p:nvGrpSpPr>
-          <p:grpSpPr>
-            <a:xfrm>
-              <a:off x="2375887" y="1394827"/>
-              <a:ext cx="6352232" cy="4068346"/>
-              <a:chOff x="585496" y="1250970"/>
-              <a:chExt cx="6352232" cy="4068346"/>
-            </a:xfrm>
-          </p:grpSpPr>
-          <p:sp>
-            <p:nvSpPr>
-              <p:cNvPr id="20" name="Freeform 19">
-                <a:extLst>
-                  <a:ext uri="{FF2B5EF4-FFF2-40B4-BE49-F238E27FC236}">
-                    <a16:creationId xmlns:a16="http://schemas.microsoft.com/office/drawing/2014/main" id="{0A08C502-843E-1B47-A83D-000679ADC9AA}"/>
-                  </a:ext>
-                </a:extLst>
-              </p:cNvPr>
-              <p:cNvSpPr/>
-              <p:nvPr/>
-            </p:nvSpPr>
-            <p:spPr>
-              <a:xfrm rot="21320569">
-                <a:off x="585496" y="1250970"/>
-                <a:ext cx="6352232" cy="1064812"/>
-              </a:xfrm>
-              <a:custGeom>
-                <a:avLst/>
-                <a:gdLst>
-                  <a:gd name="connsiteX0" fmla="*/ 0 w 2731770"/>
-                  <a:gd name="connsiteY0" fmla="*/ 1394460 h 2228850"/>
-                  <a:gd name="connsiteX1" fmla="*/ 0 w 2731770"/>
-                  <a:gd name="connsiteY1" fmla="*/ 1394460 h 2228850"/>
-                  <a:gd name="connsiteX2" fmla="*/ 102870 w 2731770"/>
-                  <a:gd name="connsiteY2" fmla="*/ 1371600 h 2228850"/>
-                  <a:gd name="connsiteX3" fmla="*/ 137160 w 2731770"/>
-                  <a:gd name="connsiteY3" fmla="*/ 1360170 h 2228850"/>
-                  <a:gd name="connsiteX4" fmla="*/ 205740 w 2731770"/>
-                  <a:gd name="connsiteY4" fmla="*/ 1314450 h 2228850"/>
-                  <a:gd name="connsiteX5" fmla="*/ 285750 w 2731770"/>
-                  <a:gd name="connsiteY5" fmla="*/ 1257300 h 2228850"/>
-                  <a:gd name="connsiteX6" fmla="*/ 320040 w 2731770"/>
-                  <a:gd name="connsiteY6" fmla="*/ 1223010 h 2228850"/>
-                  <a:gd name="connsiteX7" fmla="*/ 468630 w 2731770"/>
-                  <a:gd name="connsiteY7" fmla="*/ 1097280 h 2228850"/>
-                  <a:gd name="connsiteX8" fmla="*/ 514350 w 2731770"/>
-                  <a:gd name="connsiteY8" fmla="*/ 1028700 h 2228850"/>
-                  <a:gd name="connsiteX9" fmla="*/ 571500 w 2731770"/>
-                  <a:gd name="connsiteY9" fmla="*/ 948690 h 2228850"/>
-                  <a:gd name="connsiteX10" fmla="*/ 594360 w 2731770"/>
-                  <a:gd name="connsiteY10" fmla="*/ 880110 h 2228850"/>
-                  <a:gd name="connsiteX11" fmla="*/ 582930 w 2731770"/>
-                  <a:gd name="connsiteY11" fmla="*/ 754380 h 2228850"/>
-                  <a:gd name="connsiteX12" fmla="*/ 571500 w 2731770"/>
-                  <a:gd name="connsiteY12" fmla="*/ 720090 h 2228850"/>
-                  <a:gd name="connsiteX13" fmla="*/ 560070 w 2731770"/>
-                  <a:gd name="connsiteY13" fmla="*/ 674370 h 2228850"/>
-                  <a:gd name="connsiteX14" fmla="*/ 537210 w 2731770"/>
-                  <a:gd name="connsiteY14" fmla="*/ 605790 h 2228850"/>
-                  <a:gd name="connsiteX15" fmla="*/ 548640 w 2731770"/>
-                  <a:gd name="connsiteY15" fmla="*/ 457200 h 2228850"/>
-                  <a:gd name="connsiteX16" fmla="*/ 582930 w 2731770"/>
-                  <a:gd name="connsiteY16" fmla="*/ 422910 h 2228850"/>
-                  <a:gd name="connsiteX17" fmla="*/ 594360 w 2731770"/>
-                  <a:gd name="connsiteY17" fmla="*/ 388620 h 2228850"/>
-                  <a:gd name="connsiteX18" fmla="*/ 662940 w 2731770"/>
-                  <a:gd name="connsiteY18" fmla="*/ 331470 h 2228850"/>
-                  <a:gd name="connsiteX19" fmla="*/ 697230 w 2731770"/>
-                  <a:gd name="connsiteY19" fmla="*/ 297180 h 2228850"/>
-                  <a:gd name="connsiteX20" fmla="*/ 731520 w 2731770"/>
-                  <a:gd name="connsiteY20" fmla="*/ 274320 h 2228850"/>
-                  <a:gd name="connsiteX21" fmla="*/ 800100 w 2731770"/>
-                  <a:gd name="connsiteY21" fmla="*/ 205740 h 2228850"/>
-                  <a:gd name="connsiteX22" fmla="*/ 868680 w 2731770"/>
-                  <a:gd name="connsiteY22" fmla="*/ 160020 h 2228850"/>
-                  <a:gd name="connsiteX23" fmla="*/ 914400 w 2731770"/>
-                  <a:gd name="connsiteY23" fmla="*/ 125730 h 2228850"/>
-                  <a:gd name="connsiteX24" fmla="*/ 982980 w 2731770"/>
-                  <a:gd name="connsiteY24" fmla="*/ 80010 h 2228850"/>
-                  <a:gd name="connsiteX25" fmla="*/ 1017270 w 2731770"/>
-                  <a:gd name="connsiteY25" fmla="*/ 68580 h 2228850"/>
-                  <a:gd name="connsiteX26" fmla="*/ 1051560 w 2731770"/>
-                  <a:gd name="connsiteY26" fmla="*/ 45720 h 2228850"/>
-                  <a:gd name="connsiteX27" fmla="*/ 1154430 w 2731770"/>
-                  <a:gd name="connsiteY27" fmla="*/ 22860 h 2228850"/>
-                  <a:gd name="connsiteX28" fmla="*/ 1188720 w 2731770"/>
-                  <a:gd name="connsiteY28" fmla="*/ 11430 h 2228850"/>
-                  <a:gd name="connsiteX29" fmla="*/ 1268730 w 2731770"/>
-                  <a:gd name="connsiteY29" fmla="*/ 0 h 2228850"/>
-                  <a:gd name="connsiteX30" fmla="*/ 1885950 w 2731770"/>
-                  <a:gd name="connsiteY30" fmla="*/ 11430 h 2228850"/>
-                  <a:gd name="connsiteX31" fmla="*/ 2023110 w 2731770"/>
-                  <a:gd name="connsiteY31" fmla="*/ 22860 h 2228850"/>
-                  <a:gd name="connsiteX32" fmla="*/ 2057400 w 2731770"/>
-                  <a:gd name="connsiteY32" fmla="*/ 34290 h 2228850"/>
-                  <a:gd name="connsiteX33" fmla="*/ 2217420 w 2731770"/>
-                  <a:gd name="connsiteY33" fmla="*/ 80010 h 2228850"/>
-                  <a:gd name="connsiteX34" fmla="*/ 2251710 w 2731770"/>
-                  <a:gd name="connsiteY34" fmla="*/ 91440 h 2228850"/>
-                  <a:gd name="connsiteX35" fmla="*/ 2286000 w 2731770"/>
-                  <a:gd name="connsiteY35" fmla="*/ 102870 h 2228850"/>
-                  <a:gd name="connsiteX36" fmla="*/ 2320290 w 2731770"/>
-                  <a:gd name="connsiteY36" fmla="*/ 125730 h 2228850"/>
-                  <a:gd name="connsiteX37" fmla="*/ 2366010 w 2731770"/>
-                  <a:gd name="connsiteY37" fmla="*/ 194310 h 2228850"/>
-                  <a:gd name="connsiteX38" fmla="*/ 2388870 w 2731770"/>
-                  <a:gd name="connsiteY38" fmla="*/ 228600 h 2228850"/>
-                  <a:gd name="connsiteX39" fmla="*/ 2400300 w 2731770"/>
-                  <a:gd name="connsiteY39" fmla="*/ 262890 h 2228850"/>
-                  <a:gd name="connsiteX40" fmla="*/ 2423160 w 2731770"/>
-                  <a:gd name="connsiteY40" fmla="*/ 297180 h 2228850"/>
-                  <a:gd name="connsiteX41" fmla="*/ 2446020 w 2731770"/>
-                  <a:gd name="connsiteY41" fmla="*/ 365760 h 2228850"/>
-                  <a:gd name="connsiteX42" fmla="*/ 2457450 w 2731770"/>
-                  <a:gd name="connsiteY42" fmla="*/ 400050 h 2228850"/>
-                  <a:gd name="connsiteX43" fmla="*/ 2480310 w 2731770"/>
-                  <a:gd name="connsiteY43" fmla="*/ 434340 h 2228850"/>
-                  <a:gd name="connsiteX44" fmla="*/ 2514600 w 2731770"/>
-                  <a:gd name="connsiteY44" fmla="*/ 468630 h 2228850"/>
-                  <a:gd name="connsiteX45" fmla="*/ 2560320 w 2731770"/>
-                  <a:gd name="connsiteY45" fmla="*/ 491490 h 2228850"/>
-                  <a:gd name="connsiteX46" fmla="*/ 2651760 w 2731770"/>
-                  <a:gd name="connsiteY46" fmla="*/ 571500 h 2228850"/>
-                  <a:gd name="connsiteX47" fmla="*/ 2686050 w 2731770"/>
-                  <a:gd name="connsiteY47" fmla="*/ 594360 h 2228850"/>
-                  <a:gd name="connsiteX48" fmla="*/ 2708910 w 2731770"/>
-                  <a:gd name="connsiteY48" fmla="*/ 662940 h 2228850"/>
-                  <a:gd name="connsiteX49" fmla="*/ 2731770 w 2731770"/>
-                  <a:gd name="connsiteY49" fmla="*/ 754380 h 2228850"/>
-                  <a:gd name="connsiteX50" fmla="*/ 2720340 w 2731770"/>
-                  <a:gd name="connsiteY50" fmla="*/ 948690 h 2228850"/>
-                  <a:gd name="connsiteX51" fmla="*/ 2686050 w 2731770"/>
-                  <a:gd name="connsiteY51" fmla="*/ 971550 h 2228850"/>
-                  <a:gd name="connsiteX52" fmla="*/ 2663190 w 2731770"/>
-                  <a:gd name="connsiteY52" fmla="*/ 1005840 h 2228850"/>
-                  <a:gd name="connsiteX53" fmla="*/ 2628900 w 2731770"/>
-                  <a:gd name="connsiteY53" fmla="*/ 1040130 h 2228850"/>
-                  <a:gd name="connsiteX54" fmla="*/ 2594610 w 2731770"/>
-                  <a:gd name="connsiteY54" fmla="*/ 1108710 h 2228850"/>
-                  <a:gd name="connsiteX55" fmla="*/ 2571750 w 2731770"/>
-                  <a:gd name="connsiteY55" fmla="*/ 1257300 h 2228850"/>
-                  <a:gd name="connsiteX56" fmla="*/ 2560320 w 2731770"/>
-                  <a:gd name="connsiteY56" fmla="*/ 1291590 h 2228850"/>
-                  <a:gd name="connsiteX57" fmla="*/ 2537460 w 2731770"/>
-                  <a:gd name="connsiteY57" fmla="*/ 1474470 h 2228850"/>
-                  <a:gd name="connsiteX58" fmla="*/ 2526030 w 2731770"/>
-                  <a:gd name="connsiteY58" fmla="*/ 1508760 h 2228850"/>
-                  <a:gd name="connsiteX59" fmla="*/ 2446020 w 2731770"/>
-                  <a:gd name="connsiteY59" fmla="*/ 1588770 h 2228850"/>
-                  <a:gd name="connsiteX60" fmla="*/ 2411730 w 2731770"/>
-                  <a:gd name="connsiteY60" fmla="*/ 1623060 h 2228850"/>
-                  <a:gd name="connsiteX61" fmla="*/ 2297430 w 2731770"/>
-                  <a:gd name="connsiteY61" fmla="*/ 1657350 h 2228850"/>
-                  <a:gd name="connsiteX62" fmla="*/ 2263140 w 2731770"/>
-                  <a:gd name="connsiteY62" fmla="*/ 1680210 h 2228850"/>
-                  <a:gd name="connsiteX63" fmla="*/ 2194560 w 2731770"/>
-                  <a:gd name="connsiteY63" fmla="*/ 1714500 h 2228850"/>
-                  <a:gd name="connsiteX64" fmla="*/ 2148840 w 2731770"/>
-                  <a:gd name="connsiteY64" fmla="*/ 1783080 h 2228850"/>
-                  <a:gd name="connsiteX65" fmla="*/ 2114550 w 2731770"/>
-                  <a:gd name="connsiteY65" fmla="*/ 1885950 h 2228850"/>
-                  <a:gd name="connsiteX66" fmla="*/ 2091690 w 2731770"/>
-                  <a:gd name="connsiteY66" fmla="*/ 1954530 h 2228850"/>
-                  <a:gd name="connsiteX67" fmla="*/ 2080260 w 2731770"/>
-                  <a:gd name="connsiteY67" fmla="*/ 1988820 h 2228850"/>
-                  <a:gd name="connsiteX68" fmla="*/ 2057400 w 2731770"/>
-                  <a:gd name="connsiteY68" fmla="*/ 2205990 h 2228850"/>
-                  <a:gd name="connsiteX69" fmla="*/ 2045970 w 2731770"/>
-                  <a:gd name="connsiteY69" fmla="*/ 2228850 h 2228850"/>
-                  <a:gd name="connsiteX70" fmla="*/ 0 w 2731770"/>
-                  <a:gd name="connsiteY70" fmla="*/ 1394460 h 2228850"/>
-                </a:gdLst>
-                <a:ahLst/>
-                <a:cxnLst>
-                  <a:cxn ang="0">
-                    <a:pos x="connsiteX0" y="connsiteY0"/>
-                  </a:cxn>
-                  <a:cxn ang="0">
-                    <a:pos x="connsiteX1" y="connsiteY1"/>
-                  </a:cxn>
-                  <a:cxn ang="0">
-                    <a:pos x="connsiteX2" y="connsiteY2"/>
-                  </a:cxn>
-                  <a:cxn ang="0">
-                    <a:pos x="connsiteX3" y="connsiteY3"/>
-                  </a:cxn>
-                  <a:cxn ang="0">
-                    <a:pos x="connsiteX4" y="connsiteY4"/>
-                  </a:cxn>
-                  <a:cxn ang="0">
-                    <a:pos x="connsiteX5" y="connsiteY5"/>
-                  </a:cxn>
-                  <a:cxn ang="0">
-                    <a:pos x="connsiteX6" y="connsiteY6"/>
-                  </a:cxn>
-                  <a:cxn ang="0">
-                    <a:pos x="connsiteX7" y="connsiteY7"/>
-                  </a:cxn>
-                  <a:cxn ang="0">
-                    <a:pos x="connsiteX8" y="connsiteY8"/>
-                  </a:cxn>
-                  <a:cxn ang="0">
-                    <a:pos x="connsiteX9" y="connsiteY9"/>
-                  </a:cxn>
-                  <a:cxn ang="0">
-                    <a:pos x="connsiteX10" y="connsiteY10"/>
-                  </a:cxn>
-                  <a:cxn ang="0">
-                    <a:pos x="connsiteX11" y="connsiteY11"/>
-                  </a:cxn>
-                  <a:cxn ang="0">
-                    <a:pos x="connsiteX12" y="connsiteY12"/>
-                  </a:cxn>
-                  <a:cxn ang="0">
-                    <a:pos x="connsiteX13" y="connsiteY13"/>
-                  </a:cxn>
-                  <a:cxn ang="0">
-                    <a:pos x="connsiteX14" y="connsiteY14"/>
-                  </a:cxn>
-                  <a:cxn ang="0">
-                    <a:pos x="connsiteX15" y="connsiteY15"/>
-                  </a:cxn>
-                  <a:cxn ang="0">
-                    <a:pos x="connsiteX16" y="connsiteY16"/>
-                  </a:cxn>
-                  <a:cxn ang="0">
-                    <a:pos x="connsiteX17" y="connsiteY17"/>
-                  </a:cxn>
-                  <a:cxn ang="0">
-                    <a:pos x="connsiteX18" y="connsiteY18"/>
-                  </a:cxn>
-                  <a:cxn ang="0">
-                    <a:pos x="connsiteX19" y="connsiteY19"/>
-                  </a:cxn>
-                  <a:cxn ang="0">
-                    <a:pos x="connsiteX20" y="connsiteY20"/>
-                  </a:cxn>
-                  <a:cxn ang="0">
-                    <a:pos x="connsiteX21" y="connsiteY21"/>
-                  </a:cxn>
-                  <a:cxn ang="0">
-                    <a:pos x="connsiteX22" y="connsiteY22"/>
-                  </a:cxn>
-                  <a:cxn ang="0">
-                    <a:pos x="connsiteX23" y="connsiteY23"/>
-                  </a:cxn>
-                  <a:cxn ang="0">
-                    <a:pos x="connsiteX24" y="connsiteY24"/>
-                  </a:cxn>
-                  <a:cxn ang="0">
-                    <a:pos x="connsiteX25" y="connsiteY25"/>
-                  </a:cxn>
-                  <a:cxn ang="0">
-                    <a:pos x="connsiteX26" y="connsiteY26"/>
-                  </a:cxn>
-                  <a:cxn ang="0">
-                    <a:pos x="connsiteX27" y="connsiteY27"/>
-                  </a:cxn>
-                  <a:cxn ang="0">
-                    <a:pos x="connsiteX28" y="connsiteY28"/>
-                  </a:cxn>
-                  <a:cxn ang="0">
-                    <a:pos x="connsiteX29" y="connsiteY29"/>
-                  </a:cxn>
-                  <a:cxn ang="0">
-                    <a:pos x="connsiteX30" y="connsiteY30"/>
-                  </a:cxn>
-                  <a:cxn ang="0">
-                    <a:pos x="connsiteX31" y="connsiteY31"/>
-                  </a:cxn>
-                  <a:cxn ang="0">
-                    <a:pos x="connsiteX32" y="connsiteY32"/>
-                  </a:cxn>
-                  <a:cxn ang="0">
-                    <a:pos x="connsiteX33" y="connsiteY33"/>
-                  </a:cxn>
-                  <a:cxn ang="0">
-                    <a:pos x="connsiteX34" y="connsiteY34"/>
-                  </a:cxn>
-                  <a:cxn ang="0">
-                    <a:pos x="connsiteX35" y="connsiteY35"/>
-                  </a:cxn>
-                  <a:cxn ang="0">
-                    <a:pos x="connsiteX36" y="connsiteY36"/>
-                  </a:cxn>
-                  <a:cxn ang="0">
-                    <a:pos x="connsiteX37" y="connsiteY37"/>
-                  </a:cxn>
-                  <a:cxn ang="0">
-                    <a:pos x="connsiteX38" y="connsiteY38"/>
-                  </a:cxn>
-                  <a:cxn ang="0">
-                    <a:pos x="connsiteX39" y="connsiteY39"/>
-                  </a:cxn>
-                  <a:cxn ang="0">
-                    <a:pos x="connsiteX40" y="connsiteY40"/>
-                  </a:cxn>
-                  <a:cxn ang="0">
-                    <a:pos x="connsiteX41" y="connsiteY41"/>
-                  </a:cxn>
-                  <a:cxn ang="0">
-                    <a:pos x="connsiteX42" y="connsiteY42"/>
-                  </a:cxn>
-                  <a:cxn ang="0">
-                    <a:pos x="connsiteX43" y="connsiteY43"/>
-                  </a:cxn>
-                  <a:cxn ang="0">
-                    <a:pos x="connsiteX44" y="connsiteY44"/>
-                  </a:cxn>
-                  <a:cxn ang="0">
-                    <a:pos x="connsiteX45" y="connsiteY45"/>
-                  </a:cxn>
-                  <a:cxn ang="0">
-                    <a:pos x="connsiteX46" y="connsiteY46"/>
-                  </a:cxn>
-                  <a:cxn ang="0">
-                    <a:pos x="connsiteX47" y="connsiteY47"/>
-                  </a:cxn>
-                  <a:cxn ang="0">
-                    <a:pos x="connsiteX48" y="connsiteY48"/>
-                  </a:cxn>
-                  <a:cxn ang="0">
-                    <a:pos x="connsiteX49" y="connsiteY49"/>
-                  </a:cxn>
-                  <a:cxn ang="0">
-                    <a:pos x="connsiteX50" y="connsiteY50"/>
-                  </a:cxn>
-                  <a:cxn ang="0">
-                    <a:pos x="connsiteX51" y="connsiteY51"/>
-                  </a:cxn>
-                  <a:cxn ang="0">
-                    <a:pos x="connsiteX52" y="connsiteY52"/>
-                  </a:cxn>
-                  <a:cxn ang="0">
-                    <a:pos x="connsiteX53" y="connsiteY53"/>
-                  </a:cxn>
-                  <a:cxn ang="0">
-                    <a:pos x="connsiteX54" y="connsiteY54"/>
-                  </a:cxn>
-                  <a:cxn ang="0">
-                    <a:pos x="connsiteX55" y="connsiteY55"/>
-                  </a:cxn>
-                  <a:cxn ang="0">
-                    <a:pos x="connsiteX56" y="connsiteY56"/>
-                  </a:cxn>
-                  <a:cxn ang="0">
-                    <a:pos x="connsiteX57" y="connsiteY57"/>
-                  </a:cxn>
-                  <a:cxn ang="0">
-                    <a:pos x="connsiteX58" y="connsiteY58"/>
-                  </a:cxn>
-                  <a:cxn ang="0">
-                    <a:pos x="connsiteX59" y="connsiteY59"/>
-                  </a:cxn>
-                  <a:cxn ang="0">
-                    <a:pos x="connsiteX60" y="connsiteY60"/>
-                  </a:cxn>
-                  <a:cxn ang="0">
-                    <a:pos x="connsiteX61" y="connsiteY61"/>
-                  </a:cxn>
-                  <a:cxn ang="0">
-                    <a:pos x="connsiteX62" y="connsiteY62"/>
-                  </a:cxn>
-                  <a:cxn ang="0">
-                    <a:pos x="connsiteX63" y="connsiteY63"/>
-                  </a:cxn>
-                  <a:cxn ang="0">
-                    <a:pos x="connsiteX64" y="connsiteY64"/>
-                  </a:cxn>
-                  <a:cxn ang="0">
-                    <a:pos x="connsiteX65" y="connsiteY65"/>
-                  </a:cxn>
-                  <a:cxn ang="0">
-                    <a:pos x="connsiteX66" y="connsiteY66"/>
-                  </a:cxn>
-                  <a:cxn ang="0">
-                    <a:pos x="connsiteX67" y="connsiteY67"/>
-                  </a:cxn>
-                  <a:cxn ang="0">
-                    <a:pos x="connsiteX68" y="connsiteY68"/>
-                  </a:cxn>
-                  <a:cxn ang="0">
-                    <a:pos x="connsiteX69" y="connsiteY69"/>
-                  </a:cxn>
-                  <a:cxn ang="0">
-                    <a:pos x="connsiteX70" y="connsiteY70"/>
-                  </a:cxn>
-                </a:cxnLst>
-                <a:rect l="l" t="t" r="r" b="b"/>
-                <a:pathLst>
-                  <a:path w="2731770" h="2228850">
-                    <a:moveTo>
-                      <a:pt x="0" y="1394460"/>
-                    </a:moveTo>
-                    <a:lnTo>
-                      <a:pt x="0" y="1394460"/>
-                    </a:lnTo>
-                    <a:cubicBezTo>
-                      <a:pt x="34290" y="1386840"/>
-                      <a:pt x="68792" y="1380119"/>
-                      <a:pt x="102870" y="1371600"/>
-                    </a:cubicBezTo>
-                    <a:cubicBezTo>
-                      <a:pt x="114559" y="1368678"/>
-                      <a:pt x="126628" y="1366021"/>
-                      <a:pt x="137160" y="1360170"/>
-                    </a:cubicBezTo>
-                    <a:cubicBezTo>
-                      <a:pt x="161177" y="1346827"/>
-                      <a:pt x="182880" y="1329690"/>
-                      <a:pt x="205740" y="1314450"/>
-                    </a:cubicBezTo>
-                    <a:cubicBezTo>
-                      <a:pt x="232878" y="1296358"/>
-                      <a:pt x="260939" y="1278566"/>
-                      <a:pt x="285750" y="1257300"/>
-                    </a:cubicBezTo>
-                    <a:cubicBezTo>
-                      <a:pt x="298023" y="1246780"/>
-                      <a:pt x="307281" y="1232934"/>
-                      <a:pt x="320040" y="1223010"/>
-                    </a:cubicBezTo>
-                    <a:cubicBezTo>
-                      <a:pt x="385235" y="1172303"/>
-                      <a:pt x="416922" y="1174843"/>
-                      <a:pt x="468630" y="1097280"/>
-                    </a:cubicBezTo>
-                    <a:cubicBezTo>
-                      <a:pt x="483870" y="1074420"/>
-                      <a:pt x="497865" y="1050679"/>
-                      <a:pt x="514350" y="1028700"/>
-                    </a:cubicBezTo>
-                    <a:cubicBezTo>
-                      <a:pt x="518956" y="1022559"/>
-                      <a:pt x="565422" y="962365"/>
-                      <a:pt x="571500" y="948690"/>
-                    </a:cubicBezTo>
-                    <a:cubicBezTo>
-                      <a:pt x="581287" y="926670"/>
-                      <a:pt x="594360" y="880110"/>
-                      <a:pt x="594360" y="880110"/>
-                    </a:cubicBezTo>
-                    <a:cubicBezTo>
-                      <a:pt x="590550" y="838200"/>
-                      <a:pt x="588881" y="796040"/>
-                      <a:pt x="582930" y="754380"/>
-                    </a:cubicBezTo>
-                    <a:cubicBezTo>
-                      <a:pt x="581226" y="742453"/>
-                      <a:pt x="574810" y="731675"/>
-                      <a:pt x="571500" y="720090"/>
-                    </a:cubicBezTo>
-                    <a:cubicBezTo>
-                      <a:pt x="567184" y="704985"/>
-                      <a:pt x="564584" y="689417"/>
-                      <a:pt x="560070" y="674370"/>
-                    </a:cubicBezTo>
-                    <a:cubicBezTo>
-                      <a:pt x="553146" y="651290"/>
-                      <a:pt x="537210" y="605790"/>
-                      <a:pt x="537210" y="605790"/>
-                    </a:cubicBezTo>
-                    <a:cubicBezTo>
-                      <a:pt x="541020" y="556260"/>
-                      <a:pt x="536592" y="505393"/>
-                      <a:pt x="548640" y="457200"/>
-                    </a:cubicBezTo>
-                    <a:cubicBezTo>
-                      <a:pt x="552560" y="441518"/>
-                      <a:pt x="573964" y="436360"/>
-                      <a:pt x="582930" y="422910"/>
-                    </a:cubicBezTo>
-                    <a:cubicBezTo>
-                      <a:pt x="589613" y="412885"/>
-                      <a:pt x="587677" y="398645"/>
-                      <a:pt x="594360" y="388620"/>
-                    </a:cubicBezTo>
-                    <a:cubicBezTo>
-                      <a:pt x="619405" y="351053"/>
-                      <a:pt x="631312" y="357826"/>
-                      <a:pt x="662940" y="331470"/>
-                    </a:cubicBezTo>
-                    <a:cubicBezTo>
-                      <a:pt x="675358" y="321122"/>
-                      <a:pt x="684812" y="307528"/>
-                      <a:pt x="697230" y="297180"/>
-                    </a:cubicBezTo>
-                    <a:cubicBezTo>
-                      <a:pt x="707783" y="288386"/>
-                      <a:pt x="721253" y="283446"/>
-                      <a:pt x="731520" y="274320"/>
-                    </a:cubicBezTo>
-                    <a:cubicBezTo>
-                      <a:pt x="755683" y="252842"/>
-                      <a:pt x="773201" y="223673"/>
-                      <a:pt x="800100" y="205740"/>
-                    </a:cubicBezTo>
-                    <a:cubicBezTo>
-                      <a:pt x="822960" y="190500"/>
-                      <a:pt x="846701" y="176505"/>
-                      <a:pt x="868680" y="160020"/>
-                    </a:cubicBezTo>
-                    <a:cubicBezTo>
-                      <a:pt x="883920" y="148590"/>
-                      <a:pt x="898794" y="136654"/>
-                      <a:pt x="914400" y="125730"/>
-                    </a:cubicBezTo>
-                    <a:cubicBezTo>
-                      <a:pt x="936908" y="109975"/>
-                      <a:pt x="956916" y="88698"/>
-                      <a:pt x="982980" y="80010"/>
-                    </a:cubicBezTo>
-                    <a:cubicBezTo>
-                      <a:pt x="994410" y="76200"/>
-                      <a:pt x="1006494" y="73968"/>
-                      <a:pt x="1017270" y="68580"/>
-                    </a:cubicBezTo>
-                    <a:cubicBezTo>
-                      <a:pt x="1029557" y="62437"/>
-                      <a:pt x="1039273" y="51863"/>
-                      <a:pt x="1051560" y="45720"/>
-                    </a:cubicBezTo>
-                    <a:cubicBezTo>
-                      <a:pt x="1082437" y="30282"/>
-                      <a:pt x="1122822" y="29884"/>
-                      <a:pt x="1154430" y="22860"/>
-                    </a:cubicBezTo>
-                    <a:cubicBezTo>
-                      <a:pt x="1166191" y="20246"/>
-                      <a:pt x="1176906" y="13793"/>
-                      <a:pt x="1188720" y="11430"/>
-                    </a:cubicBezTo>
-                    <a:cubicBezTo>
-                      <a:pt x="1215138" y="6146"/>
-                      <a:pt x="1242060" y="3810"/>
-                      <a:pt x="1268730" y="0"/>
-                    </a:cubicBezTo>
-                    <a:lnTo>
-                      <a:pt x="1885950" y="11430"/>
-                    </a:lnTo>
-                    <a:cubicBezTo>
-                      <a:pt x="1931807" y="12820"/>
-                      <a:pt x="1977634" y="16797"/>
-                      <a:pt x="2023110" y="22860"/>
-                    </a:cubicBezTo>
-                    <a:cubicBezTo>
-                      <a:pt x="2035053" y="24452"/>
-                      <a:pt x="2045776" y="31120"/>
-                      <a:pt x="2057400" y="34290"/>
-                    </a:cubicBezTo>
-                    <a:cubicBezTo>
-                      <a:pt x="2215274" y="77346"/>
-                      <a:pt x="2086011" y="36207"/>
-                      <a:pt x="2217420" y="80010"/>
-                    </a:cubicBezTo>
-                    <a:lnTo>
-                      <a:pt x="2251710" y="91440"/>
-                    </a:lnTo>
-                    <a:cubicBezTo>
-                      <a:pt x="2263140" y="95250"/>
-                      <a:pt x="2275975" y="96187"/>
-                      <a:pt x="2286000" y="102870"/>
-                    </a:cubicBezTo>
-                    <a:lnTo>
-                      <a:pt x="2320290" y="125730"/>
-                    </a:lnTo>
-                    <a:lnTo>
-                      <a:pt x="2366010" y="194310"/>
-                    </a:lnTo>
-                    <a:cubicBezTo>
-                      <a:pt x="2373630" y="205740"/>
-                      <a:pt x="2384526" y="215568"/>
-                      <a:pt x="2388870" y="228600"/>
-                    </a:cubicBezTo>
-                    <a:cubicBezTo>
-                      <a:pt x="2392680" y="240030"/>
-                      <a:pt x="2394912" y="252114"/>
-                      <a:pt x="2400300" y="262890"/>
-                    </a:cubicBezTo>
-                    <a:cubicBezTo>
-                      <a:pt x="2406443" y="275177"/>
-                      <a:pt x="2417581" y="284627"/>
-                      <a:pt x="2423160" y="297180"/>
-                    </a:cubicBezTo>
-                    <a:cubicBezTo>
-                      <a:pt x="2432947" y="319200"/>
-                      <a:pt x="2438400" y="342900"/>
-                      <a:pt x="2446020" y="365760"/>
-                    </a:cubicBezTo>
-                    <a:cubicBezTo>
-                      <a:pt x="2449830" y="377190"/>
-                      <a:pt x="2450767" y="390025"/>
-                      <a:pt x="2457450" y="400050"/>
-                    </a:cubicBezTo>
-                    <a:cubicBezTo>
-                      <a:pt x="2465070" y="411480"/>
-                      <a:pt x="2471516" y="423787"/>
-                      <a:pt x="2480310" y="434340"/>
-                    </a:cubicBezTo>
-                    <a:cubicBezTo>
-                      <a:pt x="2490658" y="446758"/>
-                      <a:pt x="2501446" y="459235"/>
-                      <a:pt x="2514600" y="468630"/>
-                    </a:cubicBezTo>
-                    <a:cubicBezTo>
-                      <a:pt x="2528465" y="478534"/>
-                      <a:pt x="2545080" y="483870"/>
-                      <a:pt x="2560320" y="491490"/>
-                    </a:cubicBezTo>
-                    <a:cubicBezTo>
-                      <a:pt x="2598420" y="548640"/>
-                      <a:pt x="2571750" y="518160"/>
-                      <a:pt x="2651760" y="571500"/>
-                    </a:cubicBezTo>
-                    <a:lnTo>
-                      <a:pt x="2686050" y="594360"/>
-                    </a:lnTo>
-                    <a:cubicBezTo>
-                      <a:pt x="2693670" y="617220"/>
-                      <a:pt x="2704184" y="639311"/>
-                      <a:pt x="2708910" y="662940"/>
-                    </a:cubicBezTo>
-                    <a:cubicBezTo>
-                      <a:pt x="2722703" y="731904"/>
-                      <a:pt x="2714197" y="701660"/>
-                      <a:pt x="2731770" y="754380"/>
-                    </a:cubicBezTo>
-                    <a:cubicBezTo>
-                      <a:pt x="2727960" y="819150"/>
-                      <a:pt x="2733706" y="885200"/>
-                      <a:pt x="2720340" y="948690"/>
-                    </a:cubicBezTo>
-                    <a:cubicBezTo>
-                      <a:pt x="2717510" y="962132"/>
-                      <a:pt x="2695764" y="961836"/>
-                      <a:pt x="2686050" y="971550"/>
-                    </a:cubicBezTo>
-                    <a:cubicBezTo>
-                      <a:pt x="2676336" y="981264"/>
-                      <a:pt x="2671984" y="995287"/>
-                      <a:pt x="2663190" y="1005840"/>
-                    </a:cubicBezTo>
-                    <a:cubicBezTo>
-                      <a:pt x="2652842" y="1018258"/>
-                      <a:pt x="2639248" y="1027712"/>
-                      <a:pt x="2628900" y="1040130"/>
-                    </a:cubicBezTo>
-                    <a:cubicBezTo>
-                      <a:pt x="2604281" y="1069673"/>
-                      <a:pt x="2606066" y="1074343"/>
-                      <a:pt x="2594610" y="1108710"/>
-                    </a:cubicBezTo>
-                    <a:cubicBezTo>
-                      <a:pt x="2590964" y="1134232"/>
-                      <a:pt x="2578094" y="1228754"/>
-                      <a:pt x="2571750" y="1257300"/>
-                    </a:cubicBezTo>
-                    <a:cubicBezTo>
-                      <a:pt x="2569136" y="1269061"/>
-                      <a:pt x="2564130" y="1280160"/>
-                      <a:pt x="2560320" y="1291590"/>
-                    </a:cubicBezTo>
-                    <a:cubicBezTo>
-                      <a:pt x="2556358" y="1327249"/>
-                      <a:pt x="2545615" y="1433697"/>
-                      <a:pt x="2537460" y="1474470"/>
-                    </a:cubicBezTo>
-                    <a:cubicBezTo>
-                      <a:pt x="2535097" y="1486284"/>
-                      <a:pt x="2533556" y="1499352"/>
-                      <a:pt x="2526030" y="1508760"/>
-                    </a:cubicBezTo>
-                    <a:cubicBezTo>
-                      <a:pt x="2502468" y="1538212"/>
-                      <a:pt x="2472690" y="1562100"/>
-                      <a:pt x="2446020" y="1588770"/>
-                    </a:cubicBezTo>
-                    <a:cubicBezTo>
-                      <a:pt x="2434590" y="1600200"/>
-                      <a:pt x="2427065" y="1617948"/>
-                      <a:pt x="2411730" y="1623060"/>
-                    </a:cubicBezTo>
-                    <a:cubicBezTo>
-                      <a:pt x="2328247" y="1650888"/>
-                      <a:pt x="2366527" y="1640076"/>
-                      <a:pt x="2297430" y="1657350"/>
-                    </a:cubicBezTo>
-                    <a:cubicBezTo>
-                      <a:pt x="2286000" y="1664970"/>
-                      <a:pt x="2275427" y="1674067"/>
-                      <a:pt x="2263140" y="1680210"/>
-                    </a:cubicBezTo>
-                    <a:cubicBezTo>
-                      <a:pt x="2168496" y="1727532"/>
-                      <a:pt x="2292830" y="1648986"/>
-                      <a:pt x="2194560" y="1714500"/>
-                    </a:cubicBezTo>
-                    <a:cubicBezTo>
-                      <a:pt x="2179320" y="1737360"/>
-                      <a:pt x="2157528" y="1757016"/>
-                      <a:pt x="2148840" y="1783080"/>
-                    </a:cubicBezTo>
-                    <a:lnTo>
-                      <a:pt x="2114550" y="1885950"/>
-                    </a:lnTo>
-                    <a:lnTo>
-                      <a:pt x="2091690" y="1954530"/>
-                    </a:lnTo>
-                    <a:lnTo>
-                      <a:pt x="2080260" y="1988820"/>
-                    </a:lnTo>
-                    <a:cubicBezTo>
-                      <a:pt x="2075479" y="2060537"/>
-                      <a:pt x="2080612" y="2136355"/>
-                      <a:pt x="2057400" y="2205990"/>
-                    </a:cubicBezTo>
-                    <a:cubicBezTo>
-                      <a:pt x="2054706" y="2214072"/>
-                      <a:pt x="2049780" y="2221230"/>
-                      <a:pt x="2045970" y="2228850"/>
-                    </a:cubicBezTo>
-                    <a:lnTo>
-                      <a:pt x="0" y="1394460"/>
-                    </a:lnTo>
-                    <a:close/>
-                  </a:path>
-                </a:pathLst>
-              </a:custGeom>
-              <a:solidFill>
-                <a:schemeClr val="bg1">
-                  <a:lumMod val="75000"/>
-                  <a:alpha val="50000"/>
-                </a:schemeClr>
-              </a:solidFill>
-            </p:spPr>
-            <p:style>
-              <a:lnRef idx="2">
-                <a:schemeClr val="dk1"/>
-              </a:lnRef>
-              <a:fillRef idx="1">
-                <a:schemeClr val="lt1"/>
-              </a:fillRef>
-              <a:effectRef idx="0">
-                <a:schemeClr val="dk1"/>
-              </a:effectRef>
-              <a:fontRef idx="minor">
-                <a:schemeClr val="dk1"/>
-              </a:fontRef>
-            </p:style>
-            <p:txBody>
-              <a:bodyPr rtlCol="0" anchor="ctr"/>
-              <a:lstStyle/>
-              <a:p>
-                <a:pPr algn="ctr"/>
-                <a:endParaRPr lang="en-VN" sz="3600" dirty="0">
-                  <a:latin typeface="Times New Roman" panose="02020603050405020304" pitchFamily="18" charset="0"/>
-                  <a:cs typeface="Times New Roman" panose="02020603050405020304" pitchFamily="18" charset="0"/>
-                </a:endParaRPr>
-              </a:p>
-            </p:txBody>
-          </p:sp>
-          <p:sp>
-            <p:nvSpPr>
-              <p:cNvPr id="21" name="Freeform 20">
-                <a:extLst>
-                  <a:ext uri="{FF2B5EF4-FFF2-40B4-BE49-F238E27FC236}">
-                    <a16:creationId xmlns:a16="http://schemas.microsoft.com/office/drawing/2014/main" id="{E6B51895-69FC-A944-93F6-7A224FDBEF1C}"/>
-                  </a:ext>
-                </a:extLst>
-              </p:cNvPr>
-              <p:cNvSpPr/>
-              <p:nvPr/>
-            </p:nvSpPr>
-            <p:spPr>
-              <a:xfrm>
-                <a:off x="602962" y="2166417"/>
-                <a:ext cx="4796392" cy="3091009"/>
-              </a:xfrm>
-              <a:custGeom>
-                <a:avLst/>
-                <a:gdLst>
-                  <a:gd name="connsiteX0" fmla="*/ 0 w 4729075"/>
-                  <a:gd name="connsiteY0" fmla="*/ 0 h 2187829"/>
-                  <a:gd name="connsiteX1" fmla="*/ 0 w 4729075"/>
-                  <a:gd name="connsiteY1" fmla="*/ 0 h 2187829"/>
-                  <a:gd name="connsiteX2" fmla="*/ 44878 w 4729075"/>
-                  <a:gd name="connsiteY2" fmla="*/ 22440 h 2187829"/>
-                  <a:gd name="connsiteX3" fmla="*/ 67318 w 4729075"/>
-                  <a:gd name="connsiteY3" fmla="*/ 28050 h 2187829"/>
-                  <a:gd name="connsiteX4" fmla="*/ 100976 w 4729075"/>
-                  <a:gd name="connsiteY4" fmla="*/ 56099 h 2187829"/>
-                  <a:gd name="connsiteX5" fmla="*/ 117806 w 4729075"/>
-                  <a:gd name="connsiteY5" fmla="*/ 67318 h 2187829"/>
-                  <a:gd name="connsiteX6" fmla="*/ 140245 w 4729075"/>
-                  <a:gd name="connsiteY6" fmla="*/ 100977 h 2187829"/>
-                  <a:gd name="connsiteX7" fmla="*/ 168294 w 4729075"/>
-                  <a:gd name="connsiteY7" fmla="*/ 134636 h 2187829"/>
-                  <a:gd name="connsiteX8" fmla="*/ 179514 w 4729075"/>
-                  <a:gd name="connsiteY8" fmla="*/ 190734 h 2187829"/>
-                  <a:gd name="connsiteX9" fmla="*/ 201953 w 4729075"/>
-                  <a:gd name="connsiteY9" fmla="*/ 224393 h 2187829"/>
-                  <a:gd name="connsiteX10" fmla="*/ 218783 w 4729075"/>
-                  <a:gd name="connsiteY10" fmla="*/ 235613 h 2187829"/>
-                  <a:gd name="connsiteX11" fmla="*/ 224392 w 4729075"/>
-                  <a:gd name="connsiteY11" fmla="*/ 252442 h 2187829"/>
-                  <a:gd name="connsiteX12" fmla="*/ 235612 w 4729075"/>
-                  <a:gd name="connsiteY12" fmla="*/ 269272 h 2187829"/>
-                  <a:gd name="connsiteX13" fmla="*/ 241222 w 4729075"/>
-                  <a:gd name="connsiteY13" fmla="*/ 291711 h 2187829"/>
-                  <a:gd name="connsiteX14" fmla="*/ 263661 w 4729075"/>
-                  <a:gd name="connsiteY14" fmla="*/ 342199 h 2187829"/>
-                  <a:gd name="connsiteX15" fmla="*/ 286100 w 4729075"/>
-                  <a:gd name="connsiteY15" fmla="*/ 403907 h 2187829"/>
-                  <a:gd name="connsiteX16" fmla="*/ 291710 w 4729075"/>
-                  <a:gd name="connsiteY16" fmla="*/ 431956 h 2187829"/>
-                  <a:gd name="connsiteX17" fmla="*/ 302930 w 4729075"/>
-                  <a:gd name="connsiteY17" fmla="*/ 454396 h 2187829"/>
-                  <a:gd name="connsiteX18" fmla="*/ 308540 w 4729075"/>
-                  <a:gd name="connsiteY18" fmla="*/ 510494 h 2187829"/>
-                  <a:gd name="connsiteX19" fmla="*/ 314149 w 4729075"/>
-                  <a:gd name="connsiteY19" fmla="*/ 555372 h 2187829"/>
-                  <a:gd name="connsiteX20" fmla="*/ 319759 w 4729075"/>
-                  <a:gd name="connsiteY20" fmla="*/ 583421 h 2187829"/>
-                  <a:gd name="connsiteX21" fmla="*/ 347808 w 4729075"/>
-                  <a:gd name="connsiteY21" fmla="*/ 594641 h 2187829"/>
-                  <a:gd name="connsiteX22" fmla="*/ 387077 w 4729075"/>
-                  <a:gd name="connsiteY22" fmla="*/ 650739 h 2187829"/>
-                  <a:gd name="connsiteX23" fmla="*/ 403906 w 4729075"/>
-                  <a:gd name="connsiteY23" fmla="*/ 661959 h 2187829"/>
-                  <a:gd name="connsiteX24" fmla="*/ 415126 w 4729075"/>
-                  <a:gd name="connsiteY24" fmla="*/ 678788 h 2187829"/>
-                  <a:gd name="connsiteX25" fmla="*/ 420736 w 4729075"/>
-                  <a:gd name="connsiteY25" fmla="*/ 695618 h 2187829"/>
-                  <a:gd name="connsiteX26" fmla="*/ 437565 w 4729075"/>
-                  <a:gd name="connsiteY26" fmla="*/ 706837 h 2187829"/>
-                  <a:gd name="connsiteX27" fmla="*/ 448785 w 4729075"/>
-                  <a:gd name="connsiteY27" fmla="*/ 768545 h 2187829"/>
-                  <a:gd name="connsiteX28" fmla="*/ 460005 w 4729075"/>
-                  <a:gd name="connsiteY28" fmla="*/ 790984 h 2187829"/>
-                  <a:gd name="connsiteX29" fmla="*/ 482444 w 4729075"/>
-                  <a:gd name="connsiteY29" fmla="*/ 835863 h 2187829"/>
-                  <a:gd name="connsiteX30" fmla="*/ 493664 w 4729075"/>
-                  <a:gd name="connsiteY30" fmla="*/ 875132 h 2187829"/>
-                  <a:gd name="connsiteX31" fmla="*/ 510493 w 4729075"/>
-                  <a:gd name="connsiteY31" fmla="*/ 891961 h 2187829"/>
-                  <a:gd name="connsiteX32" fmla="*/ 516103 w 4729075"/>
-                  <a:gd name="connsiteY32" fmla="*/ 914400 h 2187829"/>
-                  <a:gd name="connsiteX33" fmla="*/ 544152 w 4729075"/>
-                  <a:gd name="connsiteY33" fmla="*/ 948059 h 2187829"/>
-                  <a:gd name="connsiteX34" fmla="*/ 560981 w 4729075"/>
-                  <a:gd name="connsiteY34" fmla="*/ 981718 h 2187829"/>
-                  <a:gd name="connsiteX35" fmla="*/ 572201 w 4729075"/>
-                  <a:gd name="connsiteY35" fmla="*/ 1004157 h 2187829"/>
-                  <a:gd name="connsiteX36" fmla="*/ 611470 w 4729075"/>
-                  <a:gd name="connsiteY36" fmla="*/ 1043426 h 2187829"/>
-                  <a:gd name="connsiteX37" fmla="*/ 639519 w 4729075"/>
-                  <a:gd name="connsiteY37" fmla="*/ 1082695 h 2187829"/>
-                  <a:gd name="connsiteX38" fmla="*/ 656348 w 4729075"/>
-                  <a:gd name="connsiteY38" fmla="*/ 1105134 h 2187829"/>
-                  <a:gd name="connsiteX39" fmla="*/ 667568 w 4729075"/>
-                  <a:gd name="connsiteY39" fmla="*/ 1121964 h 2187829"/>
-                  <a:gd name="connsiteX40" fmla="*/ 690007 w 4729075"/>
-                  <a:gd name="connsiteY40" fmla="*/ 1144403 h 2187829"/>
-                  <a:gd name="connsiteX41" fmla="*/ 701227 w 4729075"/>
-                  <a:gd name="connsiteY41" fmla="*/ 1161232 h 2187829"/>
-                  <a:gd name="connsiteX42" fmla="*/ 734886 w 4729075"/>
-                  <a:gd name="connsiteY42" fmla="*/ 1200501 h 2187829"/>
-                  <a:gd name="connsiteX43" fmla="*/ 740495 w 4729075"/>
-                  <a:gd name="connsiteY43" fmla="*/ 1217330 h 2187829"/>
-                  <a:gd name="connsiteX44" fmla="*/ 779764 w 4729075"/>
-                  <a:gd name="connsiteY44" fmla="*/ 1267819 h 2187829"/>
-                  <a:gd name="connsiteX45" fmla="*/ 796594 w 4729075"/>
-                  <a:gd name="connsiteY45" fmla="*/ 1279038 h 2187829"/>
-                  <a:gd name="connsiteX46" fmla="*/ 824643 w 4729075"/>
-                  <a:gd name="connsiteY46" fmla="*/ 1312697 h 2187829"/>
-                  <a:gd name="connsiteX47" fmla="*/ 841472 w 4729075"/>
-                  <a:gd name="connsiteY47" fmla="*/ 1335137 h 2187829"/>
-                  <a:gd name="connsiteX48" fmla="*/ 897570 w 4729075"/>
-                  <a:gd name="connsiteY48" fmla="*/ 1368796 h 2187829"/>
-                  <a:gd name="connsiteX49" fmla="*/ 914400 w 4729075"/>
-                  <a:gd name="connsiteY49" fmla="*/ 1385625 h 2187829"/>
-                  <a:gd name="connsiteX50" fmla="*/ 959278 w 4729075"/>
-                  <a:gd name="connsiteY50" fmla="*/ 1402454 h 2187829"/>
-                  <a:gd name="connsiteX51" fmla="*/ 992937 w 4729075"/>
-                  <a:gd name="connsiteY51" fmla="*/ 1419284 h 2187829"/>
-                  <a:gd name="connsiteX52" fmla="*/ 1049035 w 4729075"/>
-                  <a:gd name="connsiteY52" fmla="*/ 1441723 h 2187829"/>
-                  <a:gd name="connsiteX53" fmla="*/ 1071475 w 4729075"/>
-                  <a:gd name="connsiteY53" fmla="*/ 1447333 h 2187829"/>
-                  <a:gd name="connsiteX54" fmla="*/ 1116353 w 4729075"/>
-                  <a:gd name="connsiteY54" fmla="*/ 1458553 h 2187829"/>
-                  <a:gd name="connsiteX55" fmla="*/ 1150012 w 4729075"/>
-                  <a:gd name="connsiteY55" fmla="*/ 1480992 h 2187829"/>
-                  <a:gd name="connsiteX56" fmla="*/ 1166841 w 4729075"/>
-                  <a:gd name="connsiteY56" fmla="*/ 1492211 h 2187829"/>
-                  <a:gd name="connsiteX57" fmla="*/ 1183671 w 4729075"/>
-                  <a:gd name="connsiteY57" fmla="*/ 1503431 h 2187829"/>
-                  <a:gd name="connsiteX58" fmla="*/ 1211720 w 4729075"/>
-                  <a:gd name="connsiteY58" fmla="*/ 1520261 h 2187829"/>
-                  <a:gd name="connsiteX59" fmla="*/ 1250989 w 4729075"/>
-                  <a:gd name="connsiteY59" fmla="*/ 1548310 h 2187829"/>
-                  <a:gd name="connsiteX60" fmla="*/ 1290257 w 4729075"/>
-                  <a:gd name="connsiteY60" fmla="*/ 1587578 h 2187829"/>
-                  <a:gd name="connsiteX61" fmla="*/ 1307087 w 4729075"/>
-                  <a:gd name="connsiteY61" fmla="*/ 1604408 h 2187829"/>
-                  <a:gd name="connsiteX62" fmla="*/ 1323916 w 4729075"/>
-                  <a:gd name="connsiteY62" fmla="*/ 1621237 h 2187829"/>
-                  <a:gd name="connsiteX63" fmla="*/ 1329526 w 4729075"/>
-                  <a:gd name="connsiteY63" fmla="*/ 1654896 h 2187829"/>
-                  <a:gd name="connsiteX64" fmla="*/ 1363185 w 4729075"/>
-                  <a:gd name="connsiteY64" fmla="*/ 1710994 h 2187829"/>
-                  <a:gd name="connsiteX65" fmla="*/ 1374405 w 4729075"/>
-                  <a:gd name="connsiteY65" fmla="*/ 1739043 h 2187829"/>
-                  <a:gd name="connsiteX66" fmla="*/ 1396844 w 4729075"/>
-                  <a:gd name="connsiteY66" fmla="*/ 1772702 h 2187829"/>
-                  <a:gd name="connsiteX67" fmla="*/ 1419283 w 4729075"/>
-                  <a:gd name="connsiteY67" fmla="*/ 1817581 h 2187829"/>
-                  <a:gd name="connsiteX68" fmla="*/ 1441722 w 4729075"/>
-                  <a:gd name="connsiteY68" fmla="*/ 1851240 h 2187829"/>
-                  <a:gd name="connsiteX69" fmla="*/ 1458552 w 4729075"/>
-                  <a:gd name="connsiteY69" fmla="*/ 1873679 h 2187829"/>
-                  <a:gd name="connsiteX70" fmla="*/ 1475381 w 4729075"/>
-                  <a:gd name="connsiteY70" fmla="*/ 1901728 h 2187829"/>
-                  <a:gd name="connsiteX71" fmla="*/ 1497821 w 4729075"/>
-                  <a:gd name="connsiteY71" fmla="*/ 1924167 h 2187829"/>
-                  <a:gd name="connsiteX72" fmla="*/ 1520260 w 4729075"/>
-                  <a:gd name="connsiteY72" fmla="*/ 1957826 h 2187829"/>
-                  <a:gd name="connsiteX73" fmla="*/ 1548309 w 4729075"/>
-                  <a:gd name="connsiteY73" fmla="*/ 1991485 h 2187829"/>
-                  <a:gd name="connsiteX74" fmla="*/ 1593187 w 4729075"/>
-                  <a:gd name="connsiteY74" fmla="*/ 2041973 h 2187829"/>
-                  <a:gd name="connsiteX75" fmla="*/ 1610017 w 4729075"/>
-                  <a:gd name="connsiteY75" fmla="*/ 2058803 h 2187829"/>
-                  <a:gd name="connsiteX76" fmla="*/ 1626846 w 4729075"/>
-                  <a:gd name="connsiteY76" fmla="*/ 2075632 h 2187829"/>
-                  <a:gd name="connsiteX77" fmla="*/ 1677335 w 4729075"/>
-                  <a:gd name="connsiteY77" fmla="*/ 2109291 h 2187829"/>
-                  <a:gd name="connsiteX78" fmla="*/ 1694164 w 4729075"/>
-                  <a:gd name="connsiteY78" fmla="*/ 2120511 h 2187829"/>
-                  <a:gd name="connsiteX79" fmla="*/ 1705384 w 4729075"/>
-                  <a:gd name="connsiteY79" fmla="*/ 2137340 h 2187829"/>
-                  <a:gd name="connsiteX80" fmla="*/ 1739043 w 4729075"/>
-                  <a:gd name="connsiteY80" fmla="*/ 2154170 h 2187829"/>
-                  <a:gd name="connsiteX81" fmla="*/ 1789531 w 4729075"/>
-                  <a:gd name="connsiteY81" fmla="*/ 2182219 h 2187829"/>
-                  <a:gd name="connsiteX82" fmla="*/ 1806360 w 4729075"/>
-                  <a:gd name="connsiteY82" fmla="*/ 2187829 h 2187829"/>
-                  <a:gd name="connsiteX83" fmla="*/ 1946606 w 4729075"/>
-                  <a:gd name="connsiteY83" fmla="*/ 2176609 h 2187829"/>
-                  <a:gd name="connsiteX84" fmla="*/ 1969045 w 4729075"/>
-                  <a:gd name="connsiteY84" fmla="*/ 2165389 h 2187829"/>
-                  <a:gd name="connsiteX85" fmla="*/ 1991484 w 4729075"/>
-                  <a:gd name="connsiteY85" fmla="*/ 2159780 h 2187829"/>
-                  <a:gd name="connsiteX86" fmla="*/ 2036363 w 4729075"/>
-                  <a:gd name="connsiteY86" fmla="*/ 2137340 h 2187829"/>
-                  <a:gd name="connsiteX87" fmla="*/ 2081241 w 4729075"/>
-                  <a:gd name="connsiteY87" fmla="*/ 2120511 h 2187829"/>
-                  <a:gd name="connsiteX88" fmla="*/ 2126120 w 4729075"/>
-                  <a:gd name="connsiteY88" fmla="*/ 2092462 h 2187829"/>
-                  <a:gd name="connsiteX89" fmla="*/ 2148559 w 4729075"/>
-                  <a:gd name="connsiteY89" fmla="*/ 2075632 h 2187829"/>
-                  <a:gd name="connsiteX90" fmla="*/ 2182218 w 4729075"/>
-                  <a:gd name="connsiteY90" fmla="*/ 2053193 h 2187829"/>
-                  <a:gd name="connsiteX91" fmla="*/ 2215877 w 4729075"/>
-                  <a:gd name="connsiteY91" fmla="*/ 2030754 h 2187829"/>
-                  <a:gd name="connsiteX92" fmla="*/ 2232706 w 4729075"/>
-                  <a:gd name="connsiteY92" fmla="*/ 2019534 h 2187829"/>
-                  <a:gd name="connsiteX93" fmla="*/ 2255146 w 4729075"/>
-                  <a:gd name="connsiteY93" fmla="*/ 1997095 h 2187829"/>
-                  <a:gd name="connsiteX94" fmla="*/ 2266365 w 4729075"/>
-                  <a:gd name="connsiteY94" fmla="*/ 1980265 h 2187829"/>
-                  <a:gd name="connsiteX95" fmla="*/ 2322464 w 4729075"/>
-                  <a:gd name="connsiteY95" fmla="*/ 1929777 h 2187829"/>
-                  <a:gd name="connsiteX96" fmla="*/ 2361732 w 4729075"/>
-                  <a:gd name="connsiteY96" fmla="*/ 1879289 h 2187829"/>
-                  <a:gd name="connsiteX97" fmla="*/ 2372952 w 4729075"/>
-                  <a:gd name="connsiteY97" fmla="*/ 1862459 h 2187829"/>
-                  <a:gd name="connsiteX98" fmla="*/ 2389781 w 4729075"/>
-                  <a:gd name="connsiteY98" fmla="*/ 1851240 h 2187829"/>
-                  <a:gd name="connsiteX99" fmla="*/ 2445879 w 4729075"/>
-                  <a:gd name="connsiteY99" fmla="*/ 1795142 h 2187829"/>
-                  <a:gd name="connsiteX100" fmla="*/ 2462709 w 4729075"/>
-                  <a:gd name="connsiteY100" fmla="*/ 1778312 h 2187829"/>
-                  <a:gd name="connsiteX101" fmla="*/ 2479538 w 4729075"/>
-                  <a:gd name="connsiteY101" fmla="*/ 1767092 h 2187829"/>
-                  <a:gd name="connsiteX102" fmla="*/ 2501978 w 4729075"/>
-                  <a:gd name="connsiteY102" fmla="*/ 1744653 h 2187829"/>
-                  <a:gd name="connsiteX103" fmla="*/ 2518807 w 4729075"/>
-                  <a:gd name="connsiteY103" fmla="*/ 1733434 h 2187829"/>
-                  <a:gd name="connsiteX104" fmla="*/ 2541246 w 4729075"/>
-                  <a:gd name="connsiteY104" fmla="*/ 1716604 h 2187829"/>
-                  <a:gd name="connsiteX105" fmla="*/ 2602954 w 4729075"/>
-                  <a:gd name="connsiteY105" fmla="*/ 1677335 h 2187829"/>
-                  <a:gd name="connsiteX106" fmla="*/ 2619784 w 4729075"/>
-                  <a:gd name="connsiteY106" fmla="*/ 1671726 h 2187829"/>
-                  <a:gd name="connsiteX107" fmla="*/ 2653443 w 4729075"/>
-                  <a:gd name="connsiteY107" fmla="*/ 1654896 h 2187829"/>
-                  <a:gd name="connsiteX108" fmla="*/ 2675882 w 4729075"/>
-                  <a:gd name="connsiteY108" fmla="*/ 1643676 h 2187829"/>
-                  <a:gd name="connsiteX109" fmla="*/ 2715151 w 4729075"/>
-                  <a:gd name="connsiteY109" fmla="*/ 1632457 h 2187829"/>
-                  <a:gd name="connsiteX110" fmla="*/ 2737590 w 4729075"/>
-                  <a:gd name="connsiteY110" fmla="*/ 1621237 h 2187829"/>
-                  <a:gd name="connsiteX111" fmla="*/ 2754419 w 4729075"/>
-                  <a:gd name="connsiteY111" fmla="*/ 1610018 h 2187829"/>
-                  <a:gd name="connsiteX112" fmla="*/ 2776859 w 4729075"/>
-                  <a:gd name="connsiteY112" fmla="*/ 1604408 h 2187829"/>
-                  <a:gd name="connsiteX113" fmla="*/ 2810518 w 4729075"/>
-                  <a:gd name="connsiteY113" fmla="*/ 1593188 h 2187829"/>
-                  <a:gd name="connsiteX114" fmla="*/ 2827347 w 4729075"/>
-                  <a:gd name="connsiteY114" fmla="*/ 1587578 h 2187829"/>
-                  <a:gd name="connsiteX115" fmla="*/ 2905884 w 4729075"/>
-                  <a:gd name="connsiteY115" fmla="*/ 1565139 h 2187829"/>
-                  <a:gd name="connsiteX116" fmla="*/ 2939543 w 4729075"/>
-                  <a:gd name="connsiteY116" fmla="*/ 1553919 h 2187829"/>
-                  <a:gd name="connsiteX117" fmla="*/ 2956373 w 4729075"/>
-                  <a:gd name="connsiteY117" fmla="*/ 1548310 h 2187829"/>
-                  <a:gd name="connsiteX118" fmla="*/ 3006861 w 4729075"/>
-                  <a:gd name="connsiteY118" fmla="*/ 1514651 h 2187829"/>
-                  <a:gd name="connsiteX119" fmla="*/ 3023691 w 4729075"/>
-                  <a:gd name="connsiteY119" fmla="*/ 1503431 h 2187829"/>
-                  <a:gd name="connsiteX120" fmla="*/ 3051740 w 4729075"/>
-                  <a:gd name="connsiteY120" fmla="*/ 1475382 h 2187829"/>
-                  <a:gd name="connsiteX121" fmla="*/ 3074179 w 4729075"/>
-                  <a:gd name="connsiteY121" fmla="*/ 1447333 h 2187829"/>
-                  <a:gd name="connsiteX122" fmla="*/ 3119057 w 4729075"/>
-                  <a:gd name="connsiteY122" fmla="*/ 1396845 h 2187829"/>
-                  <a:gd name="connsiteX123" fmla="*/ 3119057 w 4729075"/>
-                  <a:gd name="connsiteY123" fmla="*/ 1391235 h 2187829"/>
-                  <a:gd name="connsiteX124" fmla="*/ 3119057 w 4729075"/>
-                  <a:gd name="connsiteY124" fmla="*/ 1391235 h 2187829"/>
-                  <a:gd name="connsiteX125" fmla="*/ 3158326 w 4729075"/>
-                  <a:gd name="connsiteY125" fmla="*/ 1357576 h 2187829"/>
-                  <a:gd name="connsiteX126" fmla="*/ 3175156 w 4729075"/>
-                  <a:gd name="connsiteY126" fmla="*/ 1340746 h 2187829"/>
-                  <a:gd name="connsiteX127" fmla="*/ 3191985 w 4729075"/>
-                  <a:gd name="connsiteY127" fmla="*/ 1329527 h 2187829"/>
-                  <a:gd name="connsiteX128" fmla="*/ 3208814 w 4729075"/>
-                  <a:gd name="connsiteY128" fmla="*/ 1312697 h 2187829"/>
-                  <a:gd name="connsiteX129" fmla="*/ 3225644 w 4729075"/>
-                  <a:gd name="connsiteY129" fmla="*/ 1301478 h 2187829"/>
-                  <a:gd name="connsiteX130" fmla="*/ 3276132 w 4729075"/>
-                  <a:gd name="connsiteY130" fmla="*/ 1256599 h 2187829"/>
-                  <a:gd name="connsiteX131" fmla="*/ 3321011 w 4729075"/>
-                  <a:gd name="connsiteY131" fmla="*/ 1206111 h 2187829"/>
-                  <a:gd name="connsiteX132" fmla="*/ 3371499 w 4729075"/>
-                  <a:gd name="connsiteY132" fmla="*/ 1155623 h 2187829"/>
-                  <a:gd name="connsiteX133" fmla="*/ 3427597 w 4729075"/>
-                  <a:gd name="connsiteY133" fmla="*/ 1099524 h 2187829"/>
-                  <a:gd name="connsiteX134" fmla="*/ 3444427 w 4729075"/>
-                  <a:gd name="connsiteY134" fmla="*/ 1082695 h 2187829"/>
-                  <a:gd name="connsiteX135" fmla="*/ 3461256 w 4729075"/>
-                  <a:gd name="connsiteY135" fmla="*/ 1065865 h 2187829"/>
-                  <a:gd name="connsiteX136" fmla="*/ 3483695 w 4729075"/>
-                  <a:gd name="connsiteY136" fmla="*/ 1049036 h 2187829"/>
-                  <a:gd name="connsiteX137" fmla="*/ 3494915 w 4729075"/>
-                  <a:gd name="connsiteY137" fmla="*/ 1032207 h 2187829"/>
-                  <a:gd name="connsiteX138" fmla="*/ 3545403 w 4729075"/>
-                  <a:gd name="connsiteY138" fmla="*/ 992938 h 2187829"/>
-                  <a:gd name="connsiteX139" fmla="*/ 3579062 w 4729075"/>
-                  <a:gd name="connsiteY139" fmla="*/ 970499 h 2187829"/>
-                  <a:gd name="connsiteX140" fmla="*/ 3595892 w 4729075"/>
-                  <a:gd name="connsiteY140" fmla="*/ 959279 h 2187829"/>
-                  <a:gd name="connsiteX141" fmla="*/ 3612721 w 4729075"/>
-                  <a:gd name="connsiteY141" fmla="*/ 953669 h 2187829"/>
-                  <a:gd name="connsiteX142" fmla="*/ 3646380 w 4729075"/>
-                  <a:gd name="connsiteY142" fmla="*/ 931230 h 2187829"/>
-                  <a:gd name="connsiteX143" fmla="*/ 3663210 w 4729075"/>
-                  <a:gd name="connsiteY143" fmla="*/ 920010 h 2187829"/>
-                  <a:gd name="connsiteX144" fmla="*/ 3680039 w 4729075"/>
-                  <a:gd name="connsiteY144" fmla="*/ 886351 h 2187829"/>
-                  <a:gd name="connsiteX145" fmla="*/ 3708088 w 4729075"/>
-                  <a:gd name="connsiteY145" fmla="*/ 841473 h 2187829"/>
-                  <a:gd name="connsiteX146" fmla="*/ 3736137 w 4729075"/>
-                  <a:gd name="connsiteY146" fmla="*/ 807814 h 2187829"/>
-                  <a:gd name="connsiteX147" fmla="*/ 3747357 w 4729075"/>
-                  <a:gd name="connsiteY147" fmla="*/ 785375 h 2187829"/>
-                  <a:gd name="connsiteX148" fmla="*/ 3786625 w 4729075"/>
-                  <a:gd name="connsiteY148" fmla="*/ 746106 h 2187829"/>
-                  <a:gd name="connsiteX149" fmla="*/ 3809065 w 4729075"/>
-                  <a:gd name="connsiteY149" fmla="*/ 712447 h 2187829"/>
-                  <a:gd name="connsiteX150" fmla="*/ 3842724 w 4729075"/>
-                  <a:gd name="connsiteY150" fmla="*/ 678788 h 2187829"/>
-                  <a:gd name="connsiteX151" fmla="*/ 3859553 w 4729075"/>
-                  <a:gd name="connsiteY151" fmla="*/ 661959 h 2187829"/>
-                  <a:gd name="connsiteX152" fmla="*/ 3893212 w 4729075"/>
-                  <a:gd name="connsiteY152" fmla="*/ 622690 h 2187829"/>
-                  <a:gd name="connsiteX153" fmla="*/ 3904432 w 4729075"/>
-                  <a:gd name="connsiteY153" fmla="*/ 605861 h 2187829"/>
-                  <a:gd name="connsiteX154" fmla="*/ 3926871 w 4729075"/>
-                  <a:gd name="connsiteY154" fmla="*/ 589031 h 2187829"/>
-                  <a:gd name="connsiteX155" fmla="*/ 3943700 w 4729075"/>
-                  <a:gd name="connsiteY155" fmla="*/ 572202 h 2187829"/>
-                  <a:gd name="connsiteX156" fmla="*/ 3982969 w 4729075"/>
-                  <a:gd name="connsiteY156" fmla="*/ 544153 h 2187829"/>
-                  <a:gd name="connsiteX157" fmla="*/ 4005408 w 4729075"/>
-                  <a:gd name="connsiteY157" fmla="*/ 527323 h 2187829"/>
-                  <a:gd name="connsiteX158" fmla="*/ 4027848 w 4729075"/>
-                  <a:gd name="connsiteY158" fmla="*/ 516103 h 2187829"/>
-                  <a:gd name="connsiteX159" fmla="*/ 4061506 w 4729075"/>
-                  <a:gd name="connsiteY159" fmla="*/ 493664 h 2187829"/>
-                  <a:gd name="connsiteX160" fmla="*/ 4078336 w 4729075"/>
-                  <a:gd name="connsiteY160" fmla="*/ 482445 h 2187829"/>
-                  <a:gd name="connsiteX161" fmla="*/ 4128824 w 4729075"/>
-                  <a:gd name="connsiteY161" fmla="*/ 460005 h 2187829"/>
-                  <a:gd name="connsiteX162" fmla="*/ 4201752 w 4729075"/>
-                  <a:gd name="connsiteY162" fmla="*/ 409517 h 2187829"/>
-                  <a:gd name="connsiteX163" fmla="*/ 4235411 w 4729075"/>
-                  <a:gd name="connsiteY163" fmla="*/ 381468 h 2187829"/>
-                  <a:gd name="connsiteX164" fmla="*/ 4252240 w 4729075"/>
-                  <a:gd name="connsiteY164" fmla="*/ 359029 h 2187829"/>
-                  <a:gd name="connsiteX165" fmla="*/ 4269070 w 4729075"/>
-                  <a:gd name="connsiteY165" fmla="*/ 353419 h 2187829"/>
-                  <a:gd name="connsiteX166" fmla="*/ 4285899 w 4729075"/>
-                  <a:gd name="connsiteY166" fmla="*/ 342199 h 2187829"/>
-                  <a:gd name="connsiteX167" fmla="*/ 4302729 w 4729075"/>
-                  <a:gd name="connsiteY167" fmla="*/ 325370 h 2187829"/>
-                  <a:gd name="connsiteX168" fmla="*/ 4358827 w 4729075"/>
-                  <a:gd name="connsiteY168" fmla="*/ 291711 h 2187829"/>
-                  <a:gd name="connsiteX169" fmla="*/ 4392486 w 4729075"/>
-                  <a:gd name="connsiteY169" fmla="*/ 263662 h 2187829"/>
-                  <a:gd name="connsiteX170" fmla="*/ 4437364 w 4729075"/>
-                  <a:gd name="connsiteY170" fmla="*/ 213173 h 2187829"/>
-                  <a:gd name="connsiteX171" fmla="*/ 4454194 w 4729075"/>
-                  <a:gd name="connsiteY171" fmla="*/ 196344 h 2187829"/>
-                  <a:gd name="connsiteX172" fmla="*/ 4471023 w 4729075"/>
-                  <a:gd name="connsiteY172" fmla="*/ 185124 h 2187829"/>
-                  <a:gd name="connsiteX173" fmla="*/ 4487852 w 4729075"/>
-                  <a:gd name="connsiteY173" fmla="*/ 168295 h 2187829"/>
-                  <a:gd name="connsiteX174" fmla="*/ 4504682 w 4729075"/>
-                  <a:gd name="connsiteY174" fmla="*/ 157075 h 2187829"/>
-                  <a:gd name="connsiteX175" fmla="*/ 4521511 w 4729075"/>
-                  <a:gd name="connsiteY175" fmla="*/ 140246 h 2187829"/>
-                  <a:gd name="connsiteX176" fmla="*/ 4538341 w 4729075"/>
-                  <a:gd name="connsiteY176" fmla="*/ 129026 h 2187829"/>
-                  <a:gd name="connsiteX177" fmla="*/ 4555170 w 4729075"/>
-                  <a:gd name="connsiteY177" fmla="*/ 112197 h 2187829"/>
-                  <a:gd name="connsiteX178" fmla="*/ 4572000 w 4729075"/>
-                  <a:gd name="connsiteY178" fmla="*/ 100977 h 2187829"/>
-                  <a:gd name="connsiteX179" fmla="*/ 4633708 w 4729075"/>
-                  <a:gd name="connsiteY179" fmla="*/ 56099 h 2187829"/>
-                  <a:gd name="connsiteX180" fmla="*/ 4656147 w 4729075"/>
-                  <a:gd name="connsiteY180" fmla="*/ 44879 h 2187829"/>
-                  <a:gd name="connsiteX181" fmla="*/ 4689806 w 4729075"/>
-                  <a:gd name="connsiteY181" fmla="*/ 28050 h 2187829"/>
-                  <a:gd name="connsiteX182" fmla="*/ 4729075 w 4729075"/>
-                  <a:gd name="connsiteY182" fmla="*/ 16830 h 2187829"/>
-                  <a:gd name="connsiteX183" fmla="*/ 0 w 4729075"/>
-                  <a:gd name="connsiteY183" fmla="*/ 0 h 2187829"/>
-                </a:gdLst>
-                <a:ahLst/>
-                <a:cxnLst>
-                  <a:cxn ang="0">
-                    <a:pos x="connsiteX0" y="connsiteY0"/>
-                  </a:cxn>
-                  <a:cxn ang="0">
-                    <a:pos x="connsiteX1" y="connsiteY1"/>
-                  </a:cxn>
-                  <a:cxn ang="0">
-                    <a:pos x="connsiteX2" y="connsiteY2"/>
-                  </a:cxn>
-                  <a:cxn ang="0">
-                    <a:pos x="connsiteX3" y="connsiteY3"/>
-                  </a:cxn>
-                  <a:cxn ang="0">
-                    <a:pos x="connsiteX4" y="connsiteY4"/>
-                  </a:cxn>
-                  <a:cxn ang="0">
-                    <a:pos x="connsiteX5" y="connsiteY5"/>
-                  </a:cxn>
-                  <a:cxn ang="0">
-                    <a:pos x="connsiteX6" y="connsiteY6"/>
-                  </a:cxn>
-                  <a:cxn ang="0">
-                    <a:pos x="connsiteX7" y="connsiteY7"/>
-                  </a:cxn>
-                  <a:cxn ang="0">
-                    <a:pos x="connsiteX8" y="connsiteY8"/>
-                  </a:cxn>
-                  <a:cxn ang="0">
-                    <a:pos x="connsiteX9" y="connsiteY9"/>
-                  </a:cxn>
-                  <a:cxn ang="0">
-                    <a:pos x="connsiteX10" y="connsiteY10"/>
-                  </a:cxn>
-                  <a:cxn ang="0">
-                    <a:pos x="connsiteX11" y="connsiteY11"/>
-                  </a:cxn>
-                  <a:cxn ang="0">
-                    <a:pos x="connsiteX12" y="connsiteY12"/>
-                  </a:cxn>
-                  <a:cxn ang="0">
-                    <a:pos x="connsiteX13" y="connsiteY13"/>
-                  </a:cxn>
-                  <a:cxn ang="0">
-                    <a:pos x="connsiteX14" y="connsiteY14"/>
-                  </a:cxn>
-                  <a:cxn ang="0">
-                    <a:pos x="connsiteX15" y="connsiteY15"/>
-                  </a:cxn>
-                  <a:cxn ang="0">
-                    <a:pos x="connsiteX16" y="connsiteY16"/>
-                  </a:cxn>
-                  <a:cxn ang="0">
-                    <a:pos x="connsiteX17" y="connsiteY17"/>
-                  </a:cxn>
-                  <a:cxn ang="0">
-                    <a:pos x="connsiteX18" y="connsiteY18"/>
-                  </a:cxn>
-                  <a:cxn ang="0">
-                    <a:pos x="connsiteX19" y="connsiteY19"/>
-                  </a:cxn>
-                  <a:cxn ang="0">
-                    <a:pos x="connsiteX20" y="connsiteY20"/>
-                  </a:cxn>
-                  <a:cxn ang="0">
-                    <a:pos x="connsiteX21" y="connsiteY21"/>
-                  </a:cxn>
-                  <a:cxn ang="0">
-                    <a:pos x="connsiteX22" y="connsiteY22"/>
-                  </a:cxn>
-                  <a:cxn ang="0">
-                    <a:pos x="connsiteX23" y="connsiteY23"/>
-                  </a:cxn>
-                  <a:cxn ang="0">
-                    <a:pos x="connsiteX24" y="connsiteY24"/>
-                  </a:cxn>
-                  <a:cxn ang="0">
-                    <a:pos x="connsiteX25" y="connsiteY25"/>
-                  </a:cxn>
-                  <a:cxn ang="0">
-                    <a:pos x="connsiteX26" y="connsiteY26"/>
-                  </a:cxn>
-                  <a:cxn ang="0">
-                    <a:pos x="connsiteX27" y="connsiteY27"/>
-                  </a:cxn>
-                  <a:cxn ang="0">
-                    <a:pos x="connsiteX28" y="connsiteY28"/>
-                  </a:cxn>
-                  <a:cxn ang="0">
-                    <a:pos x="connsiteX29" y="connsiteY29"/>
-                  </a:cxn>
-                  <a:cxn ang="0">
-                    <a:pos x="connsiteX30" y="connsiteY30"/>
-                  </a:cxn>
-                  <a:cxn ang="0">
-                    <a:pos x="connsiteX31" y="connsiteY31"/>
-                  </a:cxn>
-                  <a:cxn ang="0">
-                    <a:pos x="connsiteX32" y="connsiteY32"/>
-                  </a:cxn>
-                  <a:cxn ang="0">
-                    <a:pos x="connsiteX33" y="connsiteY33"/>
-                  </a:cxn>
-                  <a:cxn ang="0">
-                    <a:pos x="connsiteX34" y="connsiteY34"/>
-                  </a:cxn>
-                  <a:cxn ang="0">
-                    <a:pos x="connsiteX35" y="connsiteY35"/>
-                  </a:cxn>
-                  <a:cxn ang="0">
-                    <a:pos x="connsiteX36" y="connsiteY36"/>
-                  </a:cxn>
-                  <a:cxn ang="0">
-                    <a:pos x="connsiteX37" y="connsiteY37"/>
-                  </a:cxn>
-                  <a:cxn ang="0">
-                    <a:pos x="connsiteX38" y="connsiteY38"/>
-                  </a:cxn>
-                  <a:cxn ang="0">
-                    <a:pos x="connsiteX39" y="connsiteY39"/>
-                  </a:cxn>
-                  <a:cxn ang="0">
-                    <a:pos x="connsiteX40" y="connsiteY40"/>
-                  </a:cxn>
-                  <a:cxn ang="0">
-                    <a:pos x="connsiteX41" y="connsiteY41"/>
-                  </a:cxn>
-                  <a:cxn ang="0">
-                    <a:pos x="connsiteX42" y="connsiteY42"/>
-                  </a:cxn>
-                  <a:cxn ang="0">
-                    <a:pos x="connsiteX43" y="connsiteY43"/>
-                  </a:cxn>
-                  <a:cxn ang="0">
-                    <a:pos x="connsiteX44" y="connsiteY44"/>
-                  </a:cxn>
-                  <a:cxn ang="0">
-                    <a:pos x="connsiteX45" y="connsiteY45"/>
-                  </a:cxn>
-                  <a:cxn ang="0">
-                    <a:pos x="connsiteX46" y="connsiteY46"/>
-                  </a:cxn>
-                  <a:cxn ang="0">
-                    <a:pos x="connsiteX47" y="connsiteY47"/>
-                  </a:cxn>
-                  <a:cxn ang="0">
-                    <a:pos x="connsiteX48" y="connsiteY48"/>
-                  </a:cxn>
-                  <a:cxn ang="0">
-                    <a:pos x="connsiteX49" y="connsiteY49"/>
-                  </a:cxn>
-                  <a:cxn ang="0">
-                    <a:pos x="connsiteX50" y="connsiteY50"/>
-                  </a:cxn>
-                  <a:cxn ang="0">
-                    <a:pos x="connsiteX51" y="connsiteY51"/>
-                  </a:cxn>
-                  <a:cxn ang="0">
-                    <a:pos x="connsiteX52" y="connsiteY52"/>
-                  </a:cxn>
-                  <a:cxn ang="0">
-                    <a:pos x="connsiteX53" y="connsiteY53"/>
-                  </a:cxn>
-                  <a:cxn ang="0">
-                    <a:pos x="connsiteX54" y="connsiteY54"/>
-                  </a:cxn>
-                  <a:cxn ang="0">
-                    <a:pos x="connsiteX55" y="connsiteY55"/>
-                  </a:cxn>
-                  <a:cxn ang="0">
-                    <a:pos x="connsiteX56" y="connsiteY56"/>
-                  </a:cxn>
-                  <a:cxn ang="0">
-                    <a:pos x="connsiteX57" y="connsiteY57"/>
-                  </a:cxn>
-                  <a:cxn ang="0">
-                    <a:pos x="connsiteX58" y="connsiteY58"/>
-                  </a:cxn>
-                  <a:cxn ang="0">
-                    <a:pos x="connsiteX59" y="connsiteY59"/>
-                  </a:cxn>
-                  <a:cxn ang="0">
-                    <a:pos x="connsiteX60" y="connsiteY60"/>
-                  </a:cxn>
-                  <a:cxn ang="0">
-                    <a:pos x="connsiteX61" y="connsiteY61"/>
-                  </a:cxn>
-                  <a:cxn ang="0">
-                    <a:pos x="connsiteX62" y="connsiteY62"/>
-                  </a:cxn>
-                  <a:cxn ang="0">
-                    <a:pos x="connsiteX63" y="connsiteY63"/>
-                  </a:cxn>
-                  <a:cxn ang="0">
-                    <a:pos x="connsiteX64" y="connsiteY64"/>
-                  </a:cxn>
-                  <a:cxn ang="0">
-                    <a:pos x="connsiteX65" y="connsiteY65"/>
-                  </a:cxn>
-                  <a:cxn ang="0">
-                    <a:pos x="connsiteX66" y="connsiteY66"/>
-                  </a:cxn>
-                  <a:cxn ang="0">
-                    <a:pos x="connsiteX67" y="connsiteY67"/>
-                  </a:cxn>
-                  <a:cxn ang="0">
-                    <a:pos x="connsiteX68" y="connsiteY68"/>
-                  </a:cxn>
-                  <a:cxn ang="0">
-                    <a:pos x="connsiteX69" y="connsiteY69"/>
-                  </a:cxn>
-                  <a:cxn ang="0">
-                    <a:pos x="connsiteX70" y="connsiteY70"/>
-                  </a:cxn>
-                  <a:cxn ang="0">
-                    <a:pos x="connsiteX71" y="connsiteY71"/>
-                  </a:cxn>
-                  <a:cxn ang="0">
-                    <a:pos x="connsiteX72" y="connsiteY72"/>
-                  </a:cxn>
-                  <a:cxn ang="0">
-                    <a:pos x="connsiteX73" y="connsiteY73"/>
-                  </a:cxn>
-                  <a:cxn ang="0">
-                    <a:pos x="connsiteX74" y="connsiteY74"/>
-                  </a:cxn>
-                  <a:cxn ang="0">
-                    <a:pos x="connsiteX75" y="connsiteY75"/>
-                  </a:cxn>
-                  <a:cxn ang="0">
-                    <a:pos x="connsiteX76" y="connsiteY76"/>
-                  </a:cxn>
-                  <a:cxn ang="0">
-                    <a:pos x="connsiteX77" y="connsiteY77"/>
-                  </a:cxn>
-                  <a:cxn ang="0">
-                    <a:pos x="connsiteX78" y="connsiteY78"/>
-                  </a:cxn>
-                  <a:cxn ang="0">
-                    <a:pos x="connsiteX79" y="connsiteY79"/>
-                  </a:cxn>
-                  <a:cxn ang="0">
-                    <a:pos x="connsiteX80" y="connsiteY80"/>
-                  </a:cxn>
-                  <a:cxn ang="0">
-                    <a:pos x="connsiteX81" y="connsiteY81"/>
-                  </a:cxn>
-                  <a:cxn ang="0">
-                    <a:pos x="connsiteX82" y="connsiteY82"/>
-                  </a:cxn>
-                  <a:cxn ang="0">
-                    <a:pos x="connsiteX83" y="connsiteY83"/>
-                  </a:cxn>
-                  <a:cxn ang="0">
-                    <a:pos x="connsiteX84" y="connsiteY84"/>
-                  </a:cxn>
-                  <a:cxn ang="0">
-                    <a:pos x="connsiteX85" y="connsiteY85"/>
-                  </a:cxn>
-                  <a:cxn ang="0">
-                    <a:pos x="connsiteX86" y="connsiteY86"/>
-                  </a:cxn>
-                  <a:cxn ang="0">
-                    <a:pos x="connsiteX87" y="connsiteY87"/>
-                  </a:cxn>
-                  <a:cxn ang="0">
-                    <a:pos x="connsiteX88" y="connsiteY88"/>
-                  </a:cxn>
-                  <a:cxn ang="0">
-                    <a:pos x="connsiteX89" y="connsiteY89"/>
-                  </a:cxn>
-                  <a:cxn ang="0">
-                    <a:pos x="connsiteX90" y="connsiteY90"/>
-                  </a:cxn>
-                  <a:cxn ang="0">
-                    <a:pos x="connsiteX91" y="connsiteY91"/>
-                  </a:cxn>
-                  <a:cxn ang="0">
-                    <a:pos x="connsiteX92" y="connsiteY92"/>
-                  </a:cxn>
-                  <a:cxn ang="0">
-                    <a:pos x="connsiteX93" y="connsiteY93"/>
-                  </a:cxn>
-                  <a:cxn ang="0">
-                    <a:pos x="connsiteX94" y="connsiteY94"/>
-                  </a:cxn>
-                  <a:cxn ang="0">
-                    <a:pos x="connsiteX95" y="connsiteY95"/>
-                  </a:cxn>
-                  <a:cxn ang="0">
-                    <a:pos x="connsiteX96" y="connsiteY96"/>
-                  </a:cxn>
-                  <a:cxn ang="0">
-                    <a:pos x="connsiteX97" y="connsiteY97"/>
-                  </a:cxn>
-                  <a:cxn ang="0">
-                    <a:pos x="connsiteX98" y="connsiteY98"/>
-                  </a:cxn>
-                  <a:cxn ang="0">
-                    <a:pos x="connsiteX99" y="connsiteY99"/>
-                  </a:cxn>
-                  <a:cxn ang="0">
-                    <a:pos x="connsiteX100" y="connsiteY100"/>
-                  </a:cxn>
-                  <a:cxn ang="0">
-                    <a:pos x="connsiteX101" y="connsiteY101"/>
-                  </a:cxn>
-                  <a:cxn ang="0">
-                    <a:pos x="connsiteX102" y="connsiteY102"/>
-                  </a:cxn>
-                  <a:cxn ang="0">
-                    <a:pos x="connsiteX103" y="connsiteY103"/>
-                  </a:cxn>
-                  <a:cxn ang="0">
-                    <a:pos x="connsiteX104" y="connsiteY104"/>
-                  </a:cxn>
-                  <a:cxn ang="0">
-                    <a:pos x="connsiteX105" y="connsiteY105"/>
-                  </a:cxn>
-                  <a:cxn ang="0">
-                    <a:pos x="connsiteX106" y="connsiteY106"/>
-                  </a:cxn>
-                  <a:cxn ang="0">
-                    <a:pos x="connsiteX107" y="connsiteY107"/>
-                  </a:cxn>
-                  <a:cxn ang="0">
-                    <a:pos x="connsiteX108" y="connsiteY108"/>
-                  </a:cxn>
-                  <a:cxn ang="0">
-                    <a:pos x="connsiteX109" y="connsiteY109"/>
-                  </a:cxn>
-                  <a:cxn ang="0">
-                    <a:pos x="connsiteX110" y="connsiteY110"/>
-                  </a:cxn>
-                  <a:cxn ang="0">
-                    <a:pos x="connsiteX111" y="connsiteY111"/>
-                  </a:cxn>
-                  <a:cxn ang="0">
-                    <a:pos x="connsiteX112" y="connsiteY112"/>
-                  </a:cxn>
-                  <a:cxn ang="0">
-                    <a:pos x="connsiteX113" y="connsiteY113"/>
-                  </a:cxn>
-                  <a:cxn ang="0">
-                    <a:pos x="connsiteX114" y="connsiteY114"/>
-                  </a:cxn>
-                  <a:cxn ang="0">
-                    <a:pos x="connsiteX115" y="connsiteY115"/>
-                  </a:cxn>
-                  <a:cxn ang="0">
-                    <a:pos x="connsiteX116" y="connsiteY116"/>
-                  </a:cxn>
-                  <a:cxn ang="0">
-                    <a:pos x="connsiteX117" y="connsiteY117"/>
-                  </a:cxn>
-                  <a:cxn ang="0">
-                    <a:pos x="connsiteX118" y="connsiteY118"/>
-                  </a:cxn>
-                  <a:cxn ang="0">
-                    <a:pos x="connsiteX119" y="connsiteY119"/>
-                  </a:cxn>
-                  <a:cxn ang="0">
-                    <a:pos x="connsiteX120" y="connsiteY120"/>
-                  </a:cxn>
-                  <a:cxn ang="0">
-                    <a:pos x="connsiteX121" y="connsiteY121"/>
-                  </a:cxn>
-                  <a:cxn ang="0">
-                    <a:pos x="connsiteX122" y="connsiteY122"/>
-                  </a:cxn>
-                  <a:cxn ang="0">
-                    <a:pos x="connsiteX123" y="connsiteY123"/>
-                  </a:cxn>
-                  <a:cxn ang="0">
-                    <a:pos x="connsiteX124" y="connsiteY124"/>
-                  </a:cxn>
-                  <a:cxn ang="0">
-                    <a:pos x="connsiteX125" y="connsiteY125"/>
-                  </a:cxn>
-                  <a:cxn ang="0">
-                    <a:pos x="connsiteX126" y="connsiteY126"/>
-                  </a:cxn>
-                  <a:cxn ang="0">
-                    <a:pos x="connsiteX127" y="connsiteY127"/>
-                  </a:cxn>
-                  <a:cxn ang="0">
-                    <a:pos x="connsiteX128" y="connsiteY128"/>
-                  </a:cxn>
-                  <a:cxn ang="0">
-                    <a:pos x="connsiteX129" y="connsiteY129"/>
-                  </a:cxn>
-                  <a:cxn ang="0">
-                    <a:pos x="connsiteX130" y="connsiteY130"/>
-                  </a:cxn>
-                  <a:cxn ang="0">
-                    <a:pos x="connsiteX131" y="connsiteY131"/>
-                  </a:cxn>
-                  <a:cxn ang="0">
-                    <a:pos x="connsiteX132" y="connsiteY132"/>
-                  </a:cxn>
-                  <a:cxn ang="0">
-                    <a:pos x="connsiteX133" y="connsiteY133"/>
-                  </a:cxn>
-                  <a:cxn ang="0">
-                    <a:pos x="connsiteX134" y="connsiteY134"/>
-                  </a:cxn>
-                  <a:cxn ang="0">
-                    <a:pos x="connsiteX135" y="connsiteY135"/>
-                  </a:cxn>
-                  <a:cxn ang="0">
-                    <a:pos x="connsiteX136" y="connsiteY136"/>
-                  </a:cxn>
-                  <a:cxn ang="0">
-                    <a:pos x="connsiteX137" y="connsiteY137"/>
-                  </a:cxn>
-                  <a:cxn ang="0">
-                    <a:pos x="connsiteX138" y="connsiteY138"/>
-                  </a:cxn>
-                  <a:cxn ang="0">
-                    <a:pos x="connsiteX139" y="connsiteY139"/>
-                  </a:cxn>
-                  <a:cxn ang="0">
-                    <a:pos x="connsiteX140" y="connsiteY140"/>
-                  </a:cxn>
-                  <a:cxn ang="0">
-                    <a:pos x="connsiteX141" y="connsiteY141"/>
-                  </a:cxn>
-                  <a:cxn ang="0">
-                    <a:pos x="connsiteX142" y="connsiteY142"/>
-                  </a:cxn>
-                  <a:cxn ang="0">
-                    <a:pos x="connsiteX143" y="connsiteY143"/>
-                  </a:cxn>
-                  <a:cxn ang="0">
-                    <a:pos x="connsiteX144" y="connsiteY144"/>
-                  </a:cxn>
-                  <a:cxn ang="0">
-                    <a:pos x="connsiteX145" y="connsiteY145"/>
-                  </a:cxn>
-                  <a:cxn ang="0">
-                    <a:pos x="connsiteX146" y="connsiteY146"/>
-                  </a:cxn>
-                  <a:cxn ang="0">
-                    <a:pos x="connsiteX147" y="connsiteY147"/>
-                  </a:cxn>
-                  <a:cxn ang="0">
-                    <a:pos x="connsiteX148" y="connsiteY148"/>
-                  </a:cxn>
-                  <a:cxn ang="0">
-                    <a:pos x="connsiteX149" y="connsiteY149"/>
-                  </a:cxn>
-                  <a:cxn ang="0">
-                    <a:pos x="connsiteX150" y="connsiteY150"/>
-                  </a:cxn>
-                  <a:cxn ang="0">
-                    <a:pos x="connsiteX151" y="connsiteY151"/>
-                  </a:cxn>
-                  <a:cxn ang="0">
-                    <a:pos x="connsiteX152" y="connsiteY152"/>
-                  </a:cxn>
-                  <a:cxn ang="0">
-                    <a:pos x="connsiteX153" y="connsiteY153"/>
-                  </a:cxn>
-                  <a:cxn ang="0">
-                    <a:pos x="connsiteX154" y="connsiteY154"/>
-                  </a:cxn>
-                  <a:cxn ang="0">
-                    <a:pos x="connsiteX155" y="connsiteY155"/>
-                  </a:cxn>
-                  <a:cxn ang="0">
-                    <a:pos x="connsiteX156" y="connsiteY156"/>
-                  </a:cxn>
-                  <a:cxn ang="0">
-                    <a:pos x="connsiteX157" y="connsiteY157"/>
-                  </a:cxn>
-                  <a:cxn ang="0">
-                    <a:pos x="connsiteX158" y="connsiteY158"/>
-                  </a:cxn>
-                  <a:cxn ang="0">
-                    <a:pos x="connsiteX159" y="connsiteY159"/>
-                  </a:cxn>
-                  <a:cxn ang="0">
-                    <a:pos x="connsiteX160" y="connsiteY160"/>
-                  </a:cxn>
-                  <a:cxn ang="0">
-                    <a:pos x="connsiteX161" y="connsiteY161"/>
-                  </a:cxn>
-                  <a:cxn ang="0">
-                    <a:pos x="connsiteX162" y="connsiteY162"/>
-                  </a:cxn>
-                  <a:cxn ang="0">
-                    <a:pos x="connsiteX163" y="connsiteY163"/>
-                  </a:cxn>
-                  <a:cxn ang="0">
-                    <a:pos x="connsiteX164" y="connsiteY164"/>
-                  </a:cxn>
-                  <a:cxn ang="0">
-                    <a:pos x="connsiteX165" y="connsiteY165"/>
-                  </a:cxn>
-                  <a:cxn ang="0">
-                    <a:pos x="connsiteX166" y="connsiteY166"/>
-                  </a:cxn>
-                  <a:cxn ang="0">
-                    <a:pos x="connsiteX167" y="connsiteY167"/>
-                  </a:cxn>
-                  <a:cxn ang="0">
-                    <a:pos x="connsiteX168" y="connsiteY168"/>
-                  </a:cxn>
-                  <a:cxn ang="0">
-                    <a:pos x="connsiteX169" y="connsiteY169"/>
-                  </a:cxn>
-                  <a:cxn ang="0">
-                    <a:pos x="connsiteX170" y="connsiteY170"/>
-                  </a:cxn>
-                  <a:cxn ang="0">
-                    <a:pos x="connsiteX171" y="connsiteY171"/>
-                  </a:cxn>
-                  <a:cxn ang="0">
-                    <a:pos x="connsiteX172" y="connsiteY172"/>
-                  </a:cxn>
-                  <a:cxn ang="0">
-                    <a:pos x="connsiteX173" y="connsiteY173"/>
-                  </a:cxn>
-                  <a:cxn ang="0">
-                    <a:pos x="connsiteX174" y="connsiteY174"/>
-                  </a:cxn>
-                  <a:cxn ang="0">
-                    <a:pos x="connsiteX175" y="connsiteY175"/>
-                  </a:cxn>
-                  <a:cxn ang="0">
-                    <a:pos x="connsiteX176" y="connsiteY176"/>
-                  </a:cxn>
-                  <a:cxn ang="0">
-                    <a:pos x="connsiteX177" y="connsiteY177"/>
-                  </a:cxn>
-                  <a:cxn ang="0">
-                    <a:pos x="connsiteX178" y="connsiteY178"/>
-                  </a:cxn>
-                  <a:cxn ang="0">
-                    <a:pos x="connsiteX179" y="connsiteY179"/>
-                  </a:cxn>
-                  <a:cxn ang="0">
-                    <a:pos x="connsiteX180" y="connsiteY180"/>
-                  </a:cxn>
-                  <a:cxn ang="0">
-                    <a:pos x="connsiteX181" y="connsiteY181"/>
-                  </a:cxn>
-                  <a:cxn ang="0">
-                    <a:pos x="connsiteX182" y="connsiteY182"/>
-                  </a:cxn>
-                  <a:cxn ang="0">
-                    <a:pos x="connsiteX183" y="connsiteY183"/>
-                  </a:cxn>
-                </a:cxnLst>
-                <a:rect l="l" t="t" r="r" b="b"/>
-                <a:pathLst>
-                  <a:path w="4729075" h="2187829">
-                    <a:moveTo>
-                      <a:pt x="0" y="0"/>
-                    </a:moveTo>
-                    <a:lnTo>
-                      <a:pt x="0" y="0"/>
-                    </a:lnTo>
-                    <a:cubicBezTo>
-                      <a:pt x="14959" y="7480"/>
-                      <a:pt x="29439" y="16007"/>
-                      <a:pt x="44878" y="22440"/>
-                    </a:cubicBezTo>
-                    <a:cubicBezTo>
-                      <a:pt x="51995" y="25406"/>
-                      <a:pt x="60231" y="25013"/>
-                      <a:pt x="67318" y="28050"/>
-                    </a:cubicBezTo>
-                    <a:cubicBezTo>
-                      <a:pt x="84526" y="35425"/>
-                      <a:pt x="86702" y="44204"/>
-                      <a:pt x="100976" y="56099"/>
-                    </a:cubicBezTo>
-                    <a:cubicBezTo>
-                      <a:pt x="106156" y="60415"/>
-                      <a:pt x="112196" y="63578"/>
-                      <a:pt x="117806" y="67318"/>
-                    </a:cubicBezTo>
-                    <a:cubicBezTo>
-                      <a:pt x="125286" y="78538"/>
-                      <a:pt x="130710" y="91442"/>
-                      <a:pt x="140245" y="100977"/>
-                    </a:cubicBezTo>
-                    <a:cubicBezTo>
-                      <a:pt x="161842" y="122574"/>
-                      <a:pt x="152674" y="111206"/>
-                      <a:pt x="168294" y="134636"/>
-                    </a:cubicBezTo>
-                    <a:cubicBezTo>
-                      <a:pt x="169688" y="144394"/>
-                      <a:pt x="171982" y="177176"/>
-                      <a:pt x="179514" y="190734"/>
-                    </a:cubicBezTo>
-                    <a:cubicBezTo>
-                      <a:pt x="186063" y="202521"/>
-                      <a:pt x="190733" y="216913"/>
-                      <a:pt x="201953" y="224393"/>
-                    </a:cubicBezTo>
-                    <a:lnTo>
-                      <a:pt x="218783" y="235613"/>
-                    </a:lnTo>
-                    <a:cubicBezTo>
-                      <a:pt x="220653" y="241223"/>
-                      <a:pt x="221748" y="247153"/>
-                      <a:pt x="224392" y="252442"/>
-                    </a:cubicBezTo>
-                    <a:cubicBezTo>
-                      <a:pt x="227407" y="258473"/>
-                      <a:pt x="232956" y="263075"/>
-                      <a:pt x="235612" y="269272"/>
-                    </a:cubicBezTo>
-                    <a:cubicBezTo>
-                      <a:pt x="238649" y="276358"/>
-                      <a:pt x="239007" y="284326"/>
-                      <a:pt x="241222" y="291711"/>
-                    </a:cubicBezTo>
-                    <a:cubicBezTo>
-                      <a:pt x="252146" y="328127"/>
-                      <a:pt x="247264" y="317605"/>
-                      <a:pt x="263661" y="342199"/>
-                    </a:cubicBezTo>
-                    <a:cubicBezTo>
-                      <a:pt x="276516" y="393619"/>
-                      <a:pt x="266328" y="374248"/>
-                      <a:pt x="286100" y="403907"/>
-                    </a:cubicBezTo>
-                    <a:cubicBezTo>
-                      <a:pt x="287970" y="413257"/>
-                      <a:pt x="288695" y="422910"/>
-                      <a:pt x="291710" y="431956"/>
-                    </a:cubicBezTo>
-                    <a:cubicBezTo>
-                      <a:pt x="294355" y="439890"/>
-                      <a:pt x="301178" y="446219"/>
-                      <a:pt x="302930" y="454396"/>
-                    </a:cubicBezTo>
-                    <a:cubicBezTo>
-                      <a:pt x="306868" y="472771"/>
-                      <a:pt x="306465" y="491816"/>
-                      <a:pt x="308540" y="510494"/>
-                    </a:cubicBezTo>
-                    <a:cubicBezTo>
-                      <a:pt x="310205" y="525478"/>
-                      <a:pt x="311857" y="540472"/>
-                      <a:pt x="314149" y="555372"/>
-                    </a:cubicBezTo>
-                    <a:cubicBezTo>
-                      <a:pt x="315599" y="564796"/>
-                      <a:pt x="313554" y="576182"/>
-                      <a:pt x="319759" y="583421"/>
-                    </a:cubicBezTo>
-                    <a:cubicBezTo>
-                      <a:pt x="326312" y="591067"/>
-                      <a:pt x="338458" y="590901"/>
-                      <a:pt x="347808" y="594641"/>
-                    </a:cubicBezTo>
-                    <a:cubicBezTo>
-                      <a:pt x="351471" y="600135"/>
-                      <a:pt x="378772" y="642434"/>
-                      <a:pt x="387077" y="650739"/>
-                    </a:cubicBezTo>
-                    <a:cubicBezTo>
-                      <a:pt x="391844" y="655506"/>
-                      <a:pt x="398296" y="658219"/>
-                      <a:pt x="403906" y="661959"/>
-                    </a:cubicBezTo>
-                    <a:cubicBezTo>
-                      <a:pt x="407646" y="667569"/>
-                      <a:pt x="412111" y="672758"/>
-                      <a:pt x="415126" y="678788"/>
-                    </a:cubicBezTo>
-                    <a:cubicBezTo>
-                      <a:pt x="417771" y="684077"/>
-                      <a:pt x="417042" y="691000"/>
-                      <a:pt x="420736" y="695618"/>
-                    </a:cubicBezTo>
-                    <a:cubicBezTo>
-                      <a:pt x="424948" y="700883"/>
-                      <a:pt x="431955" y="703097"/>
-                      <a:pt x="437565" y="706837"/>
-                    </a:cubicBezTo>
-                    <a:cubicBezTo>
-                      <a:pt x="439613" y="721171"/>
-                      <a:pt x="442681" y="752268"/>
-                      <a:pt x="448785" y="768545"/>
-                    </a:cubicBezTo>
-                    <a:cubicBezTo>
-                      <a:pt x="451721" y="776375"/>
-                      <a:pt x="456265" y="783504"/>
-                      <a:pt x="460005" y="790984"/>
-                    </a:cubicBezTo>
-                    <a:cubicBezTo>
-                      <a:pt x="473776" y="846080"/>
-                      <a:pt x="453839" y="778655"/>
-                      <a:pt x="482444" y="835863"/>
-                    </a:cubicBezTo>
-                    <a:cubicBezTo>
-                      <a:pt x="486185" y="843345"/>
-                      <a:pt x="488150" y="866860"/>
-                      <a:pt x="493664" y="875132"/>
-                    </a:cubicBezTo>
-                    <a:cubicBezTo>
-                      <a:pt x="498065" y="881733"/>
-                      <a:pt x="504883" y="886351"/>
-                      <a:pt x="510493" y="891961"/>
-                    </a:cubicBezTo>
-                    <a:cubicBezTo>
-                      <a:pt x="512363" y="899441"/>
-                      <a:pt x="513066" y="907313"/>
-                      <a:pt x="516103" y="914400"/>
-                    </a:cubicBezTo>
-                    <a:cubicBezTo>
-                      <a:pt x="521962" y="928071"/>
-                      <a:pt x="534040" y="937947"/>
-                      <a:pt x="544152" y="948059"/>
-                    </a:cubicBezTo>
-                    <a:cubicBezTo>
-                      <a:pt x="554437" y="978914"/>
-                      <a:pt x="543583" y="951271"/>
-                      <a:pt x="560981" y="981718"/>
-                    </a:cubicBezTo>
-                    <a:cubicBezTo>
-                      <a:pt x="565130" y="988979"/>
-                      <a:pt x="566905" y="997685"/>
-                      <a:pt x="572201" y="1004157"/>
-                    </a:cubicBezTo>
-                    <a:cubicBezTo>
-                      <a:pt x="583923" y="1018484"/>
-                      <a:pt x="611470" y="1043426"/>
-                      <a:pt x="611470" y="1043426"/>
-                    </a:cubicBezTo>
-                    <a:cubicBezTo>
-                      <a:pt x="621568" y="1073726"/>
-                      <a:pt x="610850" y="1049931"/>
-                      <a:pt x="639519" y="1082695"/>
-                    </a:cubicBezTo>
-                    <a:cubicBezTo>
-                      <a:pt x="645676" y="1089731"/>
-                      <a:pt x="650914" y="1097526"/>
-                      <a:pt x="656348" y="1105134"/>
-                    </a:cubicBezTo>
-                    <a:cubicBezTo>
-                      <a:pt x="660267" y="1110621"/>
-                      <a:pt x="663180" y="1116845"/>
-                      <a:pt x="667568" y="1121964"/>
-                    </a:cubicBezTo>
-                    <a:cubicBezTo>
-                      <a:pt x="674452" y="1129995"/>
-                      <a:pt x="683123" y="1136372"/>
-                      <a:pt x="690007" y="1144403"/>
-                    </a:cubicBezTo>
-                    <a:cubicBezTo>
-                      <a:pt x="694395" y="1149522"/>
-                      <a:pt x="696911" y="1156053"/>
-                      <a:pt x="701227" y="1161232"/>
-                    </a:cubicBezTo>
-                    <a:cubicBezTo>
-                      <a:pt x="759836" y="1231563"/>
-                      <a:pt x="671849" y="1116456"/>
-                      <a:pt x="734886" y="1200501"/>
-                    </a:cubicBezTo>
-                    <a:cubicBezTo>
-                      <a:pt x="736756" y="1206111"/>
-                      <a:pt x="737623" y="1212161"/>
-                      <a:pt x="740495" y="1217330"/>
-                    </a:cubicBezTo>
-                    <a:cubicBezTo>
-                      <a:pt x="751276" y="1236736"/>
-                      <a:pt x="762849" y="1253723"/>
-                      <a:pt x="779764" y="1267819"/>
-                    </a:cubicBezTo>
-                    <a:cubicBezTo>
-                      <a:pt x="784944" y="1272135"/>
-                      <a:pt x="790984" y="1275298"/>
-                      <a:pt x="796594" y="1279038"/>
-                    </a:cubicBezTo>
-                    <a:cubicBezTo>
-                      <a:pt x="821391" y="1316236"/>
-                      <a:pt x="792247" y="1274901"/>
-                      <a:pt x="824643" y="1312697"/>
-                    </a:cubicBezTo>
-                    <a:cubicBezTo>
-                      <a:pt x="830728" y="1319796"/>
-                      <a:pt x="834484" y="1328925"/>
-                      <a:pt x="841472" y="1335137"/>
-                    </a:cubicBezTo>
-                    <a:cubicBezTo>
-                      <a:pt x="898649" y="1385962"/>
-                      <a:pt x="852800" y="1336818"/>
-                      <a:pt x="897570" y="1368796"/>
-                    </a:cubicBezTo>
-                    <a:cubicBezTo>
-                      <a:pt x="904026" y="1373407"/>
-                      <a:pt x="907944" y="1381014"/>
-                      <a:pt x="914400" y="1385625"/>
-                    </a:cubicBezTo>
-                    <a:cubicBezTo>
-                      <a:pt x="930198" y="1396909"/>
-                      <a:pt x="941206" y="1397937"/>
-                      <a:pt x="959278" y="1402454"/>
-                    </a:cubicBezTo>
-                    <a:cubicBezTo>
-                      <a:pt x="991618" y="1424014"/>
-                      <a:pt x="960424" y="1405350"/>
-                      <a:pt x="992937" y="1419284"/>
-                    </a:cubicBezTo>
-                    <a:cubicBezTo>
-                      <a:pt x="1025432" y="1433210"/>
-                      <a:pt x="1008182" y="1431510"/>
-                      <a:pt x="1049035" y="1441723"/>
-                    </a:cubicBezTo>
-                    <a:cubicBezTo>
-                      <a:pt x="1056515" y="1443593"/>
-                      <a:pt x="1063948" y="1445660"/>
-                      <a:pt x="1071475" y="1447333"/>
-                    </a:cubicBezTo>
-                    <a:cubicBezTo>
-                      <a:pt x="1079766" y="1449175"/>
-                      <a:pt x="1106328" y="1452983"/>
-                      <a:pt x="1116353" y="1458553"/>
-                    </a:cubicBezTo>
-                    <a:cubicBezTo>
-                      <a:pt x="1128140" y="1465102"/>
-                      <a:pt x="1138792" y="1473512"/>
-                      <a:pt x="1150012" y="1480992"/>
-                    </a:cubicBezTo>
-                    <a:lnTo>
-                      <a:pt x="1166841" y="1492211"/>
-                    </a:lnTo>
-                    <a:cubicBezTo>
-                      <a:pt x="1172451" y="1495951"/>
-                      <a:pt x="1177954" y="1499857"/>
-                      <a:pt x="1183671" y="1503431"/>
-                    </a:cubicBezTo>
-                    <a:cubicBezTo>
-                      <a:pt x="1192917" y="1509210"/>
-                      <a:pt x="1202648" y="1514213"/>
-                      <a:pt x="1211720" y="1520261"/>
-                    </a:cubicBezTo>
-                    <a:cubicBezTo>
-                      <a:pt x="1223159" y="1527887"/>
-                      <a:pt x="1241420" y="1539611"/>
-                      <a:pt x="1250989" y="1548310"/>
-                    </a:cubicBezTo>
-                    <a:cubicBezTo>
-                      <a:pt x="1264686" y="1560762"/>
-                      <a:pt x="1277168" y="1574489"/>
-                      <a:pt x="1290257" y="1587578"/>
-                    </a:cubicBezTo>
-                    <a:lnTo>
-                      <a:pt x="1307087" y="1604408"/>
-                    </a:lnTo>
-                    <a:lnTo>
-                      <a:pt x="1323916" y="1621237"/>
-                    </a:lnTo>
-                    <a:cubicBezTo>
-                      <a:pt x="1325786" y="1632457"/>
-                      <a:pt x="1326257" y="1644001"/>
-                      <a:pt x="1329526" y="1654896"/>
-                    </a:cubicBezTo>
-                    <a:cubicBezTo>
-                      <a:pt x="1335174" y="1673721"/>
-                      <a:pt x="1354817" y="1695652"/>
-                      <a:pt x="1363185" y="1710994"/>
-                    </a:cubicBezTo>
-                    <a:cubicBezTo>
-                      <a:pt x="1368007" y="1719834"/>
-                      <a:pt x="1369583" y="1730203"/>
-                      <a:pt x="1374405" y="1739043"/>
-                    </a:cubicBezTo>
-                    <a:cubicBezTo>
-                      <a:pt x="1380862" y="1750881"/>
-                      <a:pt x="1390154" y="1760994"/>
-                      <a:pt x="1396844" y="1772702"/>
-                    </a:cubicBezTo>
-                    <a:cubicBezTo>
-                      <a:pt x="1405142" y="1787224"/>
-                      <a:pt x="1410006" y="1803665"/>
-                      <a:pt x="1419283" y="1817581"/>
-                    </a:cubicBezTo>
-                    <a:cubicBezTo>
-                      <a:pt x="1426763" y="1828801"/>
-                      <a:pt x="1433989" y="1840193"/>
-                      <a:pt x="1441722" y="1851240"/>
-                    </a:cubicBezTo>
-                    <a:cubicBezTo>
-                      <a:pt x="1447084" y="1858900"/>
-                      <a:pt x="1453366" y="1865900"/>
-                      <a:pt x="1458552" y="1873679"/>
-                    </a:cubicBezTo>
-                    <a:cubicBezTo>
-                      <a:pt x="1464600" y="1882751"/>
-                      <a:pt x="1468687" y="1893121"/>
-                      <a:pt x="1475381" y="1901728"/>
-                    </a:cubicBezTo>
-                    <a:cubicBezTo>
-                      <a:pt x="1481875" y="1910078"/>
-                      <a:pt x="1490341" y="1916687"/>
-                      <a:pt x="1497821" y="1924167"/>
-                    </a:cubicBezTo>
-                    <a:cubicBezTo>
-                      <a:pt x="1509853" y="1960269"/>
-                      <a:pt x="1493997" y="1921058"/>
-                      <a:pt x="1520260" y="1957826"/>
-                    </a:cubicBezTo>
-                    <a:cubicBezTo>
-                      <a:pt x="1546143" y="1994061"/>
-                      <a:pt x="1515129" y="1969365"/>
-                      <a:pt x="1548309" y="1991485"/>
-                    </a:cubicBezTo>
-                    <a:cubicBezTo>
-                      <a:pt x="1568330" y="2021517"/>
-                      <a:pt x="1554761" y="2003547"/>
-                      <a:pt x="1593187" y="2041973"/>
-                    </a:cubicBezTo>
-                    <a:lnTo>
-                      <a:pt x="1610017" y="2058803"/>
-                    </a:lnTo>
-                    <a:cubicBezTo>
-                      <a:pt x="1615627" y="2064413"/>
-                      <a:pt x="1620245" y="2071231"/>
-                      <a:pt x="1626846" y="2075632"/>
-                    </a:cubicBezTo>
-                    <a:lnTo>
-                      <a:pt x="1677335" y="2109291"/>
-                    </a:lnTo>
-                    <a:lnTo>
-                      <a:pt x="1694164" y="2120511"/>
-                    </a:lnTo>
-                    <a:cubicBezTo>
-                      <a:pt x="1697904" y="2126121"/>
-                      <a:pt x="1700617" y="2132573"/>
-                      <a:pt x="1705384" y="2137340"/>
-                    </a:cubicBezTo>
-                    <a:cubicBezTo>
-                      <a:pt x="1716260" y="2148216"/>
-                      <a:pt x="1725354" y="2149607"/>
-                      <a:pt x="1739043" y="2154170"/>
-                    </a:cubicBezTo>
-                    <a:cubicBezTo>
-                      <a:pt x="1764235" y="2179362"/>
-                      <a:pt x="1748346" y="2168490"/>
-                      <a:pt x="1789531" y="2182219"/>
-                    </a:cubicBezTo>
-                    <a:lnTo>
-                      <a:pt x="1806360" y="2187829"/>
-                    </a:lnTo>
-                    <a:cubicBezTo>
-                      <a:pt x="1809789" y="2187639"/>
-                      <a:pt x="1917405" y="2184573"/>
-                      <a:pt x="1946606" y="2176609"/>
-                    </a:cubicBezTo>
-                    <a:cubicBezTo>
-                      <a:pt x="1954674" y="2174409"/>
-                      <a:pt x="1961215" y="2168325"/>
-                      <a:pt x="1969045" y="2165389"/>
-                    </a:cubicBezTo>
-                    <a:cubicBezTo>
-                      <a:pt x="1976264" y="2162682"/>
-                      <a:pt x="1984004" y="2161650"/>
-                      <a:pt x="1991484" y="2159780"/>
-                    </a:cubicBezTo>
-                    <a:cubicBezTo>
-                      <a:pt x="2006444" y="2152300"/>
-                      <a:pt x="2020834" y="2143551"/>
-                      <a:pt x="2036363" y="2137340"/>
-                    </a:cubicBezTo>
-                    <a:cubicBezTo>
-                      <a:pt x="2069902" y="2123925"/>
-                      <a:pt x="2054859" y="2129306"/>
-                      <a:pt x="2081241" y="2120511"/>
-                    </a:cubicBezTo>
-                    <a:cubicBezTo>
-                      <a:pt x="2144820" y="2072827"/>
-                      <a:pt x="2064508" y="2130970"/>
-                      <a:pt x="2126120" y="2092462"/>
-                    </a:cubicBezTo>
-                    <a:cubicBezTo>
-                      <a:pt x="2134049" y="2087507"/>
-                      <a:pt x="2140899" y="2080994"/>
-                      <a:pt x="2148559" y="2075632"/>
-                    </a:cubicBezTo>
-                    <a:cubicBezTo>
-                      <a:pt x="2159606" y="2067899"/>
-                      <a:pt x="2170998" y="2060673"/>
-                      <a:pt x="2182218" y="2053193"/>
-                    </a:cubicBezTo>
-                    <a:lnTo>
-                      <a:pt x="2215877" y="2030754"/>
-                    </a:lnTo>
-                    <a:cubicBezTo>
-                      <a:pt x="2221487" y="2027014"/>
-                      <a:pt x="2227939" y="2024301"/>
-                      <a:pt x="2232706" y="2019534"/>
-                    </a:cubicBezTo>
-                    <a:cubicBezTo>
-                      <a:pt x="2240186" y="2012054"/>
-                      <a:pt x="2248262" y="2005126"/>
-                      <a:pt x="2255146" y="1997095"/>
-                    </a:cubicBezTo>
-                    <a:cubicBezTo>
-                      <a:pt x="2259534" y="1991976"/>
-                      <a:pt x="2261886" y="1985304"/>
-                      <a:pt x="2266365" y="1980265"/>
-                    </a:cubicBezTo>
-                    <a:cubicBezTo>
-                      <a:pt x="2293208" y="1950066"/>
-                      <a:pt x="2295243" y="1950193"/>
-                      <a:pt x="2322464" y="1929777"/>
-                    </a:cubicBezTo>
-                    <a:cubicBezTo>
-                      <a:pt x="2379177" y="1844706"/>
-                      <a:pt x="2317793" y="1932017"/>
-                      <a:pt x="2361732" y="1879289"/>
-                    </a:cubicBezTo>
-                    <a:cubicBezTo>
-                      <a:pt x="2366048" y="1874109"/>
-                      <a:pt x="2368184" y="1867227"/>
-                      <a:pt x="2372952" y="1862459"/>
-                    </a:cubicBezTo>
-                    <a:cubicBezTo>
-                      <a:pt x="2377719" y="1857692"/>
-                      <a:pt x="2384770" y="1855750"/>
-                      <a:pt x="2389781" y="1851240"/>
-                    </a:cubicBezTo>
-                    <a:lnTo>
-                      <a:pt x="2445879" y="1795142"/>
-                    </a:lnTo>
-                    <a:cubicBezTo>
-                      <a:pt x="2451489" y="1789532"/>
-                      <a:pt x="2456108" y="1782713"/>
-                      <a:pt x="2462709" y="1778312"/>
-                    </a:cubicBezTo>
-                    <a:cubicBezTo>
-                      <a:pt x="2468319" y="1774572"/>
-                      <a:pt x="2474419" y="1771480"/>
-                      <a:pt x="2479538" y="1767092"/>
-                    </a:cubicBezTo>
-                    <a:cubicBezTo>
-                      <a:pt x="2487569" y="1760208"/>
-                      <a:pt x="2493946" y="1751537"/>
-                      <a:pt x="2501978" y="1744653"/>
-                    </a:cubicBezTo>
-                    <a:cubicBezTo>
-                      <a:pt x="2507097" y="1740266"/>
-                      <a:pt x="2513321" y="1737353"/>
-                      <a:pt x="2518807" y="1733434"/>
-                    </a:cubicBezTo>
-                    <a:cubicBezTo>
-                      <a:pt x="2526415" y="1728000"/>
-                      <a:pt x="2533586" y="1721966"/>
-                      <a:pt x="2541246" y="1716604"/>
-                    </a:cubicBezTo>
-                    <a:cubicBezTo>
-                      <a:pt x="2544460" y="1714354"/>
-                      <a:pt x="2595297" y="1679887"/>
-                      <a:pt x="2602954" y="1677335"/>
-                    </a:cubicBezTo>
-                    <a:lnTo>
-                      <a:pt x="2619784" y="1671726"/>
-                    </a:lnTo>
-                    <a:cubicBezTo>
-                      <a:pt x="2652125" y="1650164"/>
-                      <a:pt x="2620926" y="1668832"/>
-                      <a:pt x="2653443" y="1654896"/>
-                    </a:cubicBezTo>
-                    <a:cubicBezTo>
-                      <a:pt x="2661129" y="1651602"/>
-                      <a:pt x="2668052" y="1646612"/>
-                      <a:pt x="2675882" y="1643676"/>
-                    </a:cubicBezTo>
-                    <a:cubicBezTo>
-                      <a:pt x="2713845" y="1629440"/>
-                      <a:pt x="2683500" y="1646022"/>
-                      <a:pt x="2715151" y="1632457"/>
-                    </a:cubicBezTo>
-                    <a:cubicBezTo>
-                      <a:pt x="2722837" y="1629163"/>
-                      <a:pt x="2730329" y="1625386"/>
-                      <a:pt x="2737590" y="1621237"/>
-                    </a:cubicBezTo>
-                    <a:cubicBezTo>
-                      <a:pt x="2743444" y="1617892"/>
-                      <a:pt x="2748222" y="1612674"/>
-                      <a:pt x="2754419" y="1610018"/>
-                    </a:cubicBezTo>
-                    <a:cubicBezTo>
-                      <a:pt x="2761506" y="1606981"/>
-                      <a:pt x="2769474" y="1606624"/>
-                      <a:pt x="2776859" y="1604408"/>
-                    </a:cubicBezTo>
-                    <a:cubicBezTo>
-                      <a:pt x="2788187" y="1601010"/>
-                      <a:pt x="2799298" y="1596928"/>
-                      <a:pt x="2810518" y="1593188"/>
-                    </a:cubicBezTo>
-                    <a:cubicBezTo>
-                      <a:pt x="2816128" y="1591318"/>
-                      <a:pt x="2821610" y="1589012"/>
-                      <a:pt x="2827347" y="1587578"/>
-                    </a:cubicBezTo>
-                    <a:cubicBezTo>
-                      <a:pt x="2883701" y="1573490"/>
-                      <a:pt x="2857595" y="1581236"/>
-                      <a:pt x="2905884" y="1565139"/>
-                    </a:cubicBezTo>
-                    <a:lnTo>
-                      <a:pt x="2939543" y="1553919"/>
-                    </a:lnTo>
-                    <a:lnTo>
-                      <a:pt x="2956373" y="1548310"/>
-                    </a:lnTo>
-                    <a:lnTo>
-                      <a:pt x="3006861" y="1514651"/>
-                    </a:lnTo>
-                    <a:lnTo>
-                      <a:pt x="3023691" y="1503431"/>
-                    </a:lnTo>
-                    <a:cubicBezTo>
-                      <a:pt x="3053607" y="1458555"/>
-                      <a:pt x="3014342" y="1512780"/>
-                      <a:pt x="3051740" y="1475382"/>
-                    </a:cubicBezTo>
-                    <a:cubicBezTo>
-                      <a:pt x="3060206" y="1466916"/>
-                      <a:pt x="3066125" y="1456193"/>
-                      <a:pt x="3074179" y="1447333"/>
-                    </a:cubicBezTo>
-                    <a:cubicBezTo>
-                      <a:pt x="3090698" y="1429162"/>
-                      <a:pt x="3108345" y="1418270"/>
-                      <a:pt x="3119057" y="1396845"/>
-                    </a:cubicBezTo>
-                    <a:cubicBezTo>
-                      <a:pt x="3119893" y="1395172"/>
-                      <a:pt x="3119057" y="1393105"/>
-                      <a:pt x="3119057" y="1391235"/>
-                    </a:cubicBezTo>
-                    <a:lnTo>
-                      <a:pt x="3119057" y="1391235"/>
-                    </a:lnTo>
-                    <a:cubicBezTo>
-                      <a:pt x="3132147" y="1380015"/>
-                      <a:pt x="3145512" y="1369109"/>
-                      <a:pt x="3158326" y="1357576"/>
-                    </a:cubicBezTo>
-                    <a:cubicBezTo>
-                      <a:pt x="3164223" y="1352269"/>
-                      <a:pt x="3169061" y="1345825"/>
-                      <a:pt x="3175156" y="1340746"/>
-                    </a:cubicBezTo>
-                    <a:cubicBezTo>
-                      <a:pt x="3180335" y="1336430"/>
-                      <a:pt x="3186806" y="1333843"/>
-                      <a:pt x="3191985" y="1329527"/>
-                    </a:cubicBezTo>
-                    <a:cubicBezTo>
-                      <a:pt x="3198080" y="1324448"/>
-                      <a:pt x="3202719" y="1317776"/>
-                      <a:pt x="3208814" y="1312697"/>
-                    </a:cubicBezTo>
-                    <a:cubicBezTo>
-                      <a:pt x="3213994" y="1308381"/>
-                      <a:pt x="3220605" y="1305957"/>
-                      <a:pt x="3225644" y="1301478"/>
-                    </a:cubicBezTo>
-                    <a:cubicBezTo>
-                      <a:pt x="3283293" y="1250236"/>
-                      <a:pt x="3237933" y="1282066"/>
-                      <a:pt x="3276132" y="1256599"/>
-                    </a:cubicBezTo>
-                    <a:cubicBezTo>
-                      <a:pt x="3296154" y="1226567"/>
-                      <a:pt x="3282583" y="1244540"/>
-                      <a:pt x="3321011" y="1206111"/>
-                    </a:cubicBezTo>
-                    <a:lnTo>
-                      <a:pt x="3371499" y="1155623"/>
-                    </a:lnTo>
-                    <a:lnTo>
-                      <a:pt x="3427597" y="1099524"/>
-                    </a:lnTo>
-                    <a:lnTo>
-                      <a:pt x="3444427" y="1082695"/>
-                    </a:lnTo>
-                    <a:cubicBezTo>
-                      <a:pt x="3450037" y="1077085"/>
-                      <a:pt x="3454909" y="1070625"/>
-                      <a:pt x="3461256" y="1065865"/>
-                    </a:cubicBezTo>
-                    <a:cubicBezTo>
-                      <a:pt x="3468736" y="1060255"/>
-                      <a:pt x="3477084" y="1055647"/>
-                      <a:pt x="3483695" y="1049036"/>
-                    </a:cubicBezTo>
-                    <a:cubicBezTo>
-                      <a:pt x="3488462" y="1044269"/>
-                      <a:pt x="3489926" y="1036742"/>
-                      <a:pt x="3494915" y="1032207"/>
-                    </a:cubicBezTo>
-                    <a:cubicBezTo>
-                      <a:pt x="3510691" y="1017865"/>
-                      <a:pt x="3527663" y="1004764"/>
-                      <a:pt x="3545403" y="992938"/>
-                    </a:cubicBezTo>
-                    <a:lnTo>
-                      <a:pt x="3579062" y="970499"/>
-                    </a:lnTo>
-                    <a:cubicBezTo>
-                      <a:pt x="3584672" y="966759"/>
-                      <a:pt x="3589496" y="961411"/>
-                      <a:pt x="3595892" y="959279"/>
-                    </a:cubicBezTo>
-                    <a:cubicBezTo>
-                      <a:pt x="3601502" y="957409"/>
-                      <a:pt x="3607552" y="956541"/>
-                      <a:pt x="3612721" y="953669"/>
-                    </a:cubicBezTo>
-                    <a:cubicBezTo>
-                      <a:pt x="3624508" y="947120"/>
-                      <a:pt x="3635160" y="938710"/>
-                      <a:pt x="3646380" y="931230"/>
-                    </a:cubicBezTo>
-                    <a:lnTo>
-                      <a:pt x="3663210" y="920010"/>
-                    </a:lnTo>
-                    <a:cubicBezTo>
-                      <a:pt x="3673493" y="889158"/>
-                      <a:pt x="3662640" y="916798"/>
-                      <a:pt x="3680039" y="886351"/>
-                    </a:cubicBezTo>
-                    <a:cubicBezTo>
-                      <a:pt x="3704681" y="843229"/>
-                      <a:pt x="3675910" y="884377"/>
-                      <a:pt x="3708088" y="841473"/>
-                    </a:cubicBezTo>
-                    <a:cubicBezTo>
-                      <a:pt x="3720560" y="804057"/>
-                      <a:pt x="3702793" y="846715"/>
-                      <a:pt x="3736137" y="807814"/>
-                    </a:cubicBezTo>
-                    <a:cubicBezTo>
-                      <a:pt x="3741579" y="801465"/>
-                      <a:pt x="3742062" y="791847"/>
-                      <a:pt x="3747357" y="785375"/>
-                    </a:cubicBezTo>
-                    <a:cubicBezTo>
-                      <a:pt x="3759079" y="771048"/>
-                      <a:pt x="3776357" y="761508"/>
-                      <a:pt x="3786625" y="746106"/>
-                    </a:cubicBezTo>
-                    <a:cubicBezTo>
-                      <a:pt x="3794105" y="734886"/>
-                      <a:pt x="3799530" y="721982"/>
-                      <a:pt x="3809065" y="712447"/>
-                    </a:cubicBezTo>
-                    <a:lnTo>
-                      <a:pt x="3842724" y="678788"/>
-                    </a:lnTo>
-                    <a:cubicBezTo>
-                      <a:pt x="3848334" y="673178"/>
-                      <a:pt x="3856005" y="669055"/>
-                      <a:pt x="3859553" y="661959"/>
-                    </a:cubicBezTo>
-                    <a:cubicBezTo>
-                      <a:pt x="3881467" y="618130"/>
-                      <a:pt x="3856801" y="659100"/>
-                      <a:pt x="3893212" y="622690"/>
-                    </a:cubicBezTo>
-                    <a:cubicBezTo>
-                      <a:pt x="3897979" y="617923"/>
-                      <a:pt x="3899665" y="610628"/>
-                      <a:pt x="3904432" y="605861"/>
-                    </a:cubicBezTo>
-                    <a:cubicBezTo>
-                      <a:pt x="3911043" y="599250"/>
-                      <a:pt x="3919772" y="595116"/>
-                      <a:pt x="3926871" y="589031"/>
-                    </a:cubicBezTo>
-                    <a:cubicBezTo>
-                      <a:pt x="3932894" y="583868"/>
-                      <a:pt x="3937677" y="577365"/>
-                      <a:pt x="3943700" y="572202"/>
-                    </a:cubicBezTo>
-                    <a:cubicBezTo>
-                      <a:pt x="3962042" y="556481"/>
-                      <a:pt x="3965204" y="556842"/>
-                      <a:pt x="3982969" y="544153"/>
-                    </a:cubicBezTo>
-                    <a:cubicBezTo>
-                      <a:pt x="3990577" y="538719"/>
-                      <a:pt x="3997479" y="532278"/>
-                      <a:pt x="4005408" y="527323"/>
-                    </a:cubicBezTo>
-                    <a:cubicBezTo>
-                      <a:pt x="4012500" y="522891"/>
-                      <a:pt x="4020677" y="520406"/>
-                      <a:pt x="4027848" y="516103"/>
-                    </a:cubicBezTo>
-                    <a:cubicBezTo>
-                      <a:pt x="4039410" y="509165"/>
-                      <a:pt x="4050287" y="501143"/>
-                      <a:pt x="4061506" y="493664"/>
-                    </a:cubicBezTo>
-                    <a:cubicBezTo>
-                      <a:pt x="4067116" y="489924"/>
-                      <a:pt x="4072076" y="484949"/>
-                      <a:pt x="4078336" y="482445"/>
-                    </a:cubicBezTo>
-                    <a:cubicBezTo>
-                      <a:pt x="4100630" y="473527"/>
-                      <a:pt x="4108606" y="471237"/>
-                      <a:pt x="4128824" y="460005"/>
-                    </a:cubicBezTo>
-                    <a:cubicBezTo>
-                      <a:pt x="4146948" y="449936"/>
-                      <a:pt x="4192671" y="421625"/>
-                      <a:pt x="4201752" y="409517"/>
-                    </a:cubicBezTo>
-                    <a:cubicBezTo>
-                      <a:pt x="4222129" y="382347"/>
-                      <a:pt x="4209711" y="390035"/>
-                      <a:pt x="4235411" y="381468"/>
-                    </a:cubicBezTo>
-                    <a:cubicBezTo>
-                      <a:pt x="4241021" y="373988"/>
-                      <a:pt x="4245057" y="365014"/>
-                      <a:pt x="4252240" y="359029"/>
-                    </a:cubicBezTo>
-                    <a:cubicBezTo>
-                      <a:pt x="4256783" y="355243"/>
-                      <a:pt x="4263781" y="356064"/>
-                      <a:pt x="4269070" y="353419"/>
-                    </a:cubicBezTo>
-                    <a:cubicBezTo>
-                      <a:pt x="4275100" y="350404"/>
-                      <a:pt x="4280720" y="346515"/>
-                      <a:pt x="4285899" y="342199"/>
-                    </a:cubicBezTo>
-                    <a:cubicBezTo>
-                      <a:pt x="4291994" y="337120"/>
-                      <a:pt x="4296273" y="329981"/>
-                      <a:pt x="4302729" y="325370"/>
-                    </a:cubicBezTo>
-                    <a:cubicBezTo>
-                      <a:pt x="4333707" y="303243"/>
-                      <a:pt x="4323889" y="326651"/>
-                      <a:pt x="4358827" y="291711"/>
-                    </a:cubicBezTo>
-                    <a:cubicBezTo>
-                      <a:pt x="4380423" y="270113"/>
-                      <a:pt x="4369055" y="279281"/>
-                      <a:pt x="4392486" y="263662"/>
-                    </a:cubicBezTo>
-                    <a:cubicBezTo>
-                      <a:pt x="4412505" y="233630"/>
-                      <a:pt x="4398939" y="251597"/>
-                      <a:pt x="4437364" y="213173"/>
-                    </a:cubicBezTo>
-                    <a:cubicBezTo>
-                      <a:pt x="4442974" y="207563"/>
-                      <a:pt x="4447593" y="200745"/>
-                      <a:pt x="4454194" y="196344"/>
-                    </a:cubicBezTo>
-                    <a:cubicBezTo>
-                      <a:pt x="4459804" y="192604"/>
-                      <a:pt x="4465844" y="189440"/>
-                      <a:pt x="4471023" y="185124"/>
-                    </a:cubicBezTo>
-                    <a:cubicBezTo>
-                      <a:pt x="4477117" y="180045"/>
-                      <a:pt x="4481757" y="173374"/>
-                      <a:pt x="4487852" y="168295"/>
-                    </a:cubicBezTo>
-                    <a:cubicBezTo>
-                      <a:pt x="4493032" y="163979"/>
-                      <a:pt x="4499502" y="161391"/>
-                      <a:pt x="4504682" y="157075"/>
-                    </a:cubicBezTo>
-                    <a:cubicBezTo>
-                      <a:pt x="4510777" y="151996"/>
-                      <a:pt x="4515416" y="145325"/>
-                      <a:pt x="4521511" y="140246"/>
-                    </a:cubicBezTo>
-                    <a:cubicBezTo>
-                      <a:pt x="4526691" y="135930"/>
-                      <a:pt x="4533161" y="133342"/>
-                      <a:pt x="4538341" y="129026"/>
-                    </a:cubicBezTo>
-                    <a:cubicBezTo>
-                      <a:pt x="4544436" y="123947"/>
-                      <a:pt x="4549075" y="117276"/>
-                      <a:pt x="4555170" y="112197"/>
-                    </a:cubicBezTo>
-                    <a:cubicBezTo>
-                      <a:pt x="4560350" y="107881"/>
-                      <a:pt x="4566547" y="104943"/>
-                      <a:pt x="4572000" y="100977"/>
-                    </a:cubicBezTo>
-                    <a:cubicBezTo>
-                      <a:pt x="4574741" y="98983"/>
-                      <a:pt x="4618456" y="64814"/>
-                      <a:pt x="4633708" y="56099"/>
-                    </a:cubicBezTo>
-                    <a:cubicBezTo>
-                      <a:pt x="4640969" y="51950"/>
-                      <a:pt x="4648886" y="49028"/>
-                      <a:pt x="4656147" y="44879"/>
-                    </a:cubicBezTo>
-                    <a:cubicBezTo>
-                      <a:pt x="4686593" y="27480"/>
-                      <a:pt x="4658951" y="38333"/>
-                      <a:pt x="4689806" y="28050"/>
-                    </a:cubicBezTo>
-                    <a:cubicBezTo>
-                      <a:pt x="4712859" y="12681"/>
-                      <a:pt x="4699893" y="16830"/>
-                      <a:pt x="4729075" y="16830"/>
-                    </a:cubicBezTo>
-                    <a:lnTo>
-                      <a:pt x="0" y="0"/>
-                    </a:lnTo>
-                    <a:close/>
-                  </a:path>
-                </a:pathLst>
-              </a:custGeom>
-              <a:solidFill>
-                <a:schemeClr val="lt1">
-                  <a:alpha val="47000"/>
-                </a:schemeClr>
-              </a:solidFill>
-            </p:spPr>
-            <p:style>
-              <a:lnRef idx="2">
-                <a:schemeClr val="dk1"/>
-              </a:lnRef>
-              <a:fillRef idx="1">
-                <a:schemeClr val="lt1"/>
-              </a:fillRef>
-              <a:effectRef idx="0">
-                <a:schemeClr val="dk1"/>
-              </a:effectRef>
-              <a:fontRef idx="minor">
-                <a:schemeClr val="dk1"/>
-              </a:fontRef>
-            </p:style>
-            <p:txBody>
-              <a:bodyPr rtlCol="0" anchor="ctr"/>
-              <a:lstStyle/>
-              <a:p>
-                <a:pPr algn="ctr"/>
-                <a:endParaRPr lang="en-VN" dirty="0"/>
-              </a:p>
-            </p:txBody>
-          </p:sp>
-          <p:sp>
-            <p:nvSpPr>
-              <p:cNvPr id="22" name="Freeform 21">
-                <a:extLst>
-                  <a:ext uri="{FF2B5EF4-FFF2-40B4-BE49-F238E27FC236}">
-                    <a16:creationId xmlns:a16="http://schemas.microsoft.com/office/drawing/2014/main" id="{107C6534-254C-D145-B8C5-DBF09EFAB17A}"/>
-                  </a:ext>
-                </a:extLst>
-              </p:cNvPr>
-              <p:cNvSpPr/>
-              <p:nvPr/>
-            </p:nvSpPr>
-            <p:spPr>
-              <a:xfrm>
-                <a:off x="2468880" y="1417320"/>
-                <a:ext cx="4434840" cy="3901996"/>
-              </a:xfrm>
-              <a:custGeom>
-                <a:avLst/>
-                <a:gdLst>
-                  <a:gd name="connsiteX0" fmla="*/ 4434840 w 4434840"/>
-                  <a:gd name="connsiteY0" fmla="*/ 0 h 3901996"/>
-                  <a:gd name="connsiteX1" fmla="*/ 4389120 w 4434840"/>
-                  <a:gd name="connsiteY1" fmla="*/ 137160 h 3901996"/>
-                  <a:gd name="connsiteX2" fmla="*/ 4343400 w 4434840"/>
-                  <a:gd name="connsiteY2" fmla="*/ 198120 h 3901996"/>
-                  <a:gd name="connsiteX3" fmla="*/ 4251960 w 4434840"/>
-                  <a:gd name="connsiteY3" fmla="*/ 350520 h 3901996"/>
-                  <a:gd name="connsiteX4" fmla="*/ 4191000 w 4434840"/>
-                  <a:gd name="connsiteY4" fmla="*/ 457200 h 3901996"/>
-                  <a:gd name="connsiteX5" fmla="*/ 4114800 w 4434840"/>
-                  <a:gd name="connsiteY5" fmla="*/ 624840 h 3901996"/>
-                  <a:gd name="connsiteX6" fmla="*/ 4084320 w 4434840"/>
-                  <a:gd name="connsiteY6" fmla="*/ 685800 h 3901996"/>
-                  <a:gd name="connsiteX7" fmla="*/ 4053840 w 4434840"/>
-                  <a:gd name="connsiteY7" fmla="*/ 731520 h 3901996"/>
-                  <a:gd name="connsiteX8" fmla="*/ 4038600 w 4434840"/>
-                  <a:gd name="connsiteY8" fmla="*/ 777240 h 3901996"/>
-                  <a:gd name="connsiteX9" fmla="*/ 3977640 w 4434840"/>
-                  <a:gd name="connsiteY9" fmla="*/ 868680 h 3901996"/>
-                  <a:gd name="connsiteX10" fmla="*/ 3947160 w 4434840"/>
-                  <a:gd name="connsiteY10" fmla="*/ 914400 h 3901996"/>
-                  <a:gd name="connsiteX11" fmla="*/ 3870960 w 4434840"/>
-                  <a:gd name="connsiteY11" fmla="*/ 1021080 h 3901996"/>
-                  <a:gd name="connsiteX12" fmla="*/ 3779520 w 4434840"/>
-                  <a:gd name="connsiteY12" fmla="*/ 1295400 h 3901996"/>
-                  <a:gd name="connsiteX13" fmla="*/ 3764280 w 4434840"/>
-                  <a:gd name="connsiteY13" fmla="*/ 1341120 h 3901996"/>
-                  <a:gd name="connsiteX14" fmla="*/ 3749040 w 4434840"/>
-                  <a:gd name="connsiteY14" fmla="*/ 1386840 h 3901996"/>
-                  <a:gd name="connsiteX15" fmla="*/ 3718560 w 4434840"/>
-                  <a:gd name="connsiteY15" fmla="*/ 1432560 h 3901996"/>
-                  <a:gd name="connsiteX16" fmla="*/ 3688080 w 4434840"/>
-                  <a:gd name="connsiteY16" fmla="*/ 1524000 h 3901996"/>
-                  <a:gd name="connsiteX17" fmla="*/ 3657600 w 4434840"/>
-                  <a:gd name="connsiteY17" fmla="*/ 1569720 h 3901996"/>
-                  <a:gd name="connsiteX18" fmla="*/ 3627120 w 4434840"/>
-                  <a:gd name="connsiteY18" fmla="*/ 1661160 h 3901996"/>
-                  <a:gd name="connsiteX19" fmla="*/ 3566160 w 4434840"/>
-                  <a:gd name="connsiteY19" fmla="*/ 1752600 h 3901996"/>
-                  <a:gd name="connsiteX20" fmla="*/ 3550920 w 4434840"/>
-                  <a:gd name="connsiteY20" fmla="*/ 1798320 h 3901996"/>
-                  <a:gd name="connsiteX21" fmla="*/ 3489960 w 4434840"/>
-                  <a:gd name="connsiteY21" fmla="*/ 1889760 h 3901996"/>
-                  <a:gd name="connsiteX22" fmla="*/ 3413760 w 4434840"/>
-                  <a:gd name="connsiteY22" fmla="*/ 2026920 h 3901996"/>
-                  <a:gd name="connsiteX23" fmla="*/ 3383280 w 4434840"/>
-                  <a:gd name="connsiteY23" fmla="*/ 2072640 h 3901996"/>
-                  <a:gd name="connsiteX24" fmla="*/ 3352800 w 4434840"/>
-                  <a:gd name="connsiteY24" fmla="*/ 2118360 h 3901996"/>
-                  <a:gd name="connsiteX25" fmla="*/ 3307080 w 4434840"/>
-                  <a:gd name="connsiteY25" fmla="*/ 2164080 h 3901996"/>
-                  <a:gd name="connsiteX26" fmla="*/ 3230880 w 4434840"/>
-                  <a:gd name="connsiteY26" fmla="*/ 2240280 h 3901996"/>
-                  <a:gd name="connsiteX27" fmla="*/ 3200400 w 4434840"/>
-                  <a:gd name="connsiteY27" fmla="*/ 2286000 h 3901996"/>
-                  <a:gd name="connsiteX28" fmla="*/ 3185160 w 4434840"/>
-                  <a:gd name="connsiteY28" fmla="*/ 2331720 h 3901996"/>
-                  <a:gd name="connsiteX29" fmla="*/ 3124200 w 4434840"/>
-                  <a:gd name="connsiteY29" fmla="*/ 2423160 h 3901996"/>
-                  <a:gd name="connsiteX30" fmla="*/ 3093720 w 4434840"/>
-                  <a:gd name="connsiteY30" fmla="*/ 2468880 h 3901996"/>
-                  <a:gd name="connsiteX31" fmla="*/ 3048000 w 4434840"/>
-                  <a:gd name="connsiteY31" fmla="*/ 2514600 h 3901996"/>
-                  <a:gd name="connsiteX32" fmla="*/ 2941320 w 4434840"/>
-                  <a:gd name="connsiteY32" fmla="*/ 2651760 h 3901996"/>
-                  <a:gd name="connsiteX33" fmla="*/ 2895600 w 4434840"/>
-                  <a:gd name="connsiteY33" fmla="*/ 2682240 h 3901996"/>
-                  <a:gd name="connsiteX34" fmla="*/ 2819400 w 4434840"/>
-                  <a:gd name="connsiteY34" fmla="*/ 2758440 h 3901996"/>
-                  <a:gd name="connsiteX35" fmla="*/ 2773680 w 4434840"/>
-                  <a:gd name="connsiteY35" fmla="*/ 2819400 h 3901996"/>
-                  <a:gd name="connsiteX36" fmla="*/ 2682240 w 4434840"/>
-                  <a:gd name="connsiteY36" fmla="*/ 2910840 h 3901996"/>
-                  <a:gd name="connsiteX37" fmla="*/ 2590800 w 4434840"/>
-                  <a:gd name="connsiteY37" fmla="*/ 2956560 h 3901996"/>
-                  <a:gd name="connsiteX38" fmla="*/ 2545080 w 4434840"/>
-                  <a:gd name="connsiteY38" fmla="*/ 2971800 h 3901996"/>
-                  <a:gd name="connsiteX39" fmla="*/ 2453640 w 4434840"/>
-                  <a:gd name="connsiteY39" fmla="*/ 3032760 h 3901996"/>
-                  <a:gd name="connsiteX40" fmla="*/ 2407920 w 4434840"/>
-                  <a:gd name="connsiteY40" fmla="*/ 3048000 h 3901996"/>
-                  <a:gd name="connsiteX41" fmla="*/ 2362200 w 4434840"/>
-                  <a:gd name="connsiteY41" fmla="*/ 3078480 h 3901996"/>
-                  <a:gd name="connsiteX42" fmla="*/ 2270760 w 4434840"/>
-                  <a:gd name="connsiteY42" fmla="*/ 3108960 h 3901996"/>
-                  <a:gd name="connsiteX43" fmla="*/ 2225040 w 4434840"/>
-                  <a:gd name="connsiteY43" fmla="*/ 3124200 h 3901996"/>
-                  <a:gd name="connsiteX44" fmla="*/ 2087880 w 4434840"/>
-                  <a:gd name="connsiteY44" fmla="*/ 3185160 h 3901996"/>
-                  <a:gd name="connsiteX45" fmla="*/ 2042160 w 4434840"/>
-                  <a:gd name="connsiteY45" fmla="*/ 3200400 h 3901996"/>
-                  <a:gd name="connsiteX46" fmla="*/ 1996440 w 4434840"/>
-                  <a:gd name="connsiteY46" fmla="*/ 3215640 h 3901996"/>
-                  <a:gd name="connsiteX47" fmla="*/ 1950720 w 4434840"/>
-                  <a:gd name="connsiteY47" fmla="*/ 3261360 h 3901996"/>
-                  <a:gd name="connsiteX48" fmla="*/ 1874520 w 4434840"/>
-                  <a:gd name="connsiteY48" fmla="*/ 3352800 h 3901996"/>
-                  <a:gd name="connsiteX49" fmla="*/ 1783080 w 4434840"/>
-                  <a:gd name="connsiteY49" fmla="*/ 3413760 h 3901996"/>
-                  <a:gd name="connsiteX50" fmla="*/ 1737360 w 4434840"/>
-                  <a:gd name="connsiteY50" fmla="*/ 3444240 h 3901996"/>
-                  <a:gd name="connsiteX51" fmla="*/ 1691640 w 4434840"/>
-                  <a:gd name="connsiteY51" fmla="*/ 3489960 h 3901996"/>
-                  <a:gd name="connsiteX52" fmla="*/ 1600200 w 4434840"/>
-                  <a:gd name="connsiteY52" fmla="*/ 3520440 h 3901996"/>
-                  <a:gd name="connsiteX53" fmla="*/ 1554480 w 4434840"/>
-                  <a:gd name="connsiteY53" fmla="*/ 3566160 h 3901996"/>
-                  <a:gd name="connsiteX54" fmla="*/ 1524000 w 4434840"/>
-                  <a:gd name="connsiteY54" fmla="*/ 3611880 h 3901996"/>
-                  <a:gd name="connsiteX55" fmla="*/ 1432560 w 4434840"/>
-                  <a:gd name="connsiteY55" fmla="*/ 3672840 h 3901996"/>
-                  <a:gd name="connsiteX56" fmla="*/ 960120 w 4434840"/>
-                  <a:gd name="connsiteY56" fmla="*/ 3703320 h 3901996"/>
-                  <a:gd name="connsiteX57" fmla="*/ 868680 w 4434840"/>
-                  <a:gd name="connsiteY57" fmla="*/ 3733800 h 3901996"/>
-                  <a:gd name="connsiteX58" fmla="*/ 777240 w 4434840"/>
-                  <a:gd name="connsiteY58" fmla="*/ 3794760 h 3901996"/>
-                  <a:gd name="connsiteX59" fmla="*/ 731520 w 4434840"/>
-                  <a:gd name="connsiteY59" fmla="*/ 3825240 h 3901996"/>
-                  <a:gd name="connsiteX60" fmla="*/ 579120 w 4434840"/>
-                  <a:gd name="connsiteY60" fmla="*/ 3870960 h 3901996"/>
-                  <a:gd name="connsiteX61" fmla="*/ 533400 w 4434840"/>
-                  <a:gd name="connsiteY61" fmla="*/ 3901440 h 3901996"/>
-                  <a:gd name="connsiteX62" fmla="*/ 411480 w 4434840"/>
-                  <a:gd name="connsiteY62" fmla="*/ 3886200 h 3901996"/>
-                  <a:gd name="connsiteX63" fmla="*/ 121920 w 4434840"/>
-                  <a:gd name="connsiteY63" fmla="*/ 3870960 h 3901996"/>
-                  <a:gd name="connsiteX64" fmla="*/ 0 w 4434840"/>
-                  <a:gd name="connsiteY64" fmla="*/ 3855720 h 3901996"/>
-                </a:gdLst>
-                <a:ahLst/>
-                <a:cxnLst>
-                  <a:cxn ang="0">
-                    <a:pos x="connsiteX0" y="connsiteY0"/>
-                  </a:cxn>
-                  <a:cxn ang="0">
-                    <a:pos x="connsiteX1" y="connsiteY1"/>
-                  </a:cxn>
-                  <a:cxn ang="0">
-                    <a:pos x="connsiteX2" y="connsiteY2"/>
-                  </a:cxn>
-                  <a:cxn ang="0">
-                    <a:pos x="connsiteX3" y="connsiteY3"/>
-                  </a:cxn>
-                  <a:cxn ang="0">
-                    <a:pos x="connsiteX4" y="connsiteY4"/>
-                  </a:cxn>
-                  <a:cxn ang="0">
-                    <a:pos x="connsiteX5" y="connsiteY5"/>
-                  </a:cxn>
-                  <a:cxn ang="0">
-                    <a:pos x="connsiteX6" y="connsiteY6"/>
-                  </a:cxn>
-                  <a:cxn ang="0">
-                    <a:pos x="connsiteX7" y="connsiteY7"/>
-                  </a:cxn>
-                  <a:cxn ang="0">
-                    <a:pos x="connsiteX8" y="connsiteY8"/>
-                  </a:cxn>
-                  <a:cxn ang="0">
-                    <a:pos x="connsiteX9" y="connsiteY9"/>
-                  </a:cxn>
-                  <a:cxn ang="0">
-                    <a:pos x="connsiteX10" y="connsiteY10"/>
-                  </a:cxn>
-                  <a:cxn ang="0">
-                    <a:pos x="connsiteX11" y="connsiteY11"/>
-                  </a:cxn>
-                  <a:cxn ang="0">
-                    <a:pos x="connsiteX12" y="connsiteY12"/>
-                  </a:cxn>
-                  <a:cxn ang="0">
-                    <a:pos x="connsiteX13" y="connsiteY13"/>
-                  </a:cxn>
-                  <a:cxn ang="0">
-                    <a:pos x="connsiteX14" y="connsiteY14"/>
-                  </a:cxn>
-                  <a:cxn ang="0">
-                    <a:pos x="connsiteX15" y="connsiteY15"/>
-                  </a:cxn>
-                  <a:cxn ang="0">
-                    <a:pos x="connsiteX16" y="connsiteY16"/>
-                  </a:cxn>
-                  <a:cxn ang="0">
-                    <a:pos x="connsiteX17" y="connsiteY17"/>
-                  </a:cxn>
-                  <a:cxn ang="0">
-                    <a:pos x="connsiteX18" y="connsiteY18"/>
-                  </a:cxn>
-                  <a:cxn ang="0">
-                    <a:pos x="connsiteX19" y="connsiteY19"/>
-                  </a:cxn>
-                  <a:cxn ang="0">
-                    <a:pos x="connsiteX20" y="connsiteY20"/>
-                  </a:cxn>
-                  <a:cxn ang="0">
-                    <a:pos x="connsiteX21" y="connsiteY21"/>
-                  </a:cxn>
-                  <a:cxn ang="0">
-                    <a:pos x="connsiteX22" y="connsiteY22"/>
-                  </a:cxn>
-                  <a:cxn ang="0">
-                    <a:pos x="connsiteX23" y="connsiteY23"/>
-                  </a:cxn>
-                  <a:cxn ang="0">
-                    <a:pos x="connsiteX24" y="connsiteY24"/>
-                  </a:cxn>
-                  <a:cxn ang="0">
-                    <a:pos x="connsiteX25" y="connsiteY25"/>
-                  </a:cxn>
-                  <a:cxn ang="0">
-                    <a:pos x="connsiteX26" y="connsiteY26"/>
-                  </a:cxn>
-                  <a:cxn ang="0">
-                    <a:pos x="connsiteX27" y="connsiteY27"/>
-                  </a:cxn>
-                  <a:cxn ang="0">
-                    <a:pos x="connsiteX28" y="connsiteY28"/>
-                  </a:cxn>
-                  <a:cxn ang="0">
-                    <a:pos x="connsiteX29" y="connsiteY29"/>
-                  </a:cxn>
-                  <a:cxn ang="0">
-                    <a:pos x="connsiteX30" y="connsiteY30"/>
-                  </a:cxn>
-                  <a:cxn ang="0">
-                    <a:pos x="connsiteX31" y="connsiteY31"/>
-                  </a:cxn>
-                  <a:cxn ang="0">
-                    <a:pos x="connsiteX32" y="connsiteY32"/>
-                  </a:cxn>
-                  <a:cxn ang="0">
-                    <a:pos x="connsiteX33" y="connsiteY33"/>
-                  </a:cxn>
-                  <a:cxn ang="0">
-                    <a:pos x="connsiteX34" y="connsiteY34"/>
-                  </a:cxn>
-                  <a:cxn ang="0">
-                    <a:pos x="connsiteX35" y="connsiteY35"/>
-                  </a:cxn>
-                  <a:cxn ang="0">
-                    <a:pos x="connsiteX36" y="connsiteY36"/>
-                  </a:cxn>
-                  <a:cxn ang="0">
-                    <a:pos x="connsiteX37" y="connsiteY37"/>
-                  </a:cxn>
-                  <a:cxn ang="0">
-                    <a:pos x="connsiteX38" y="connsiteY38"/>
-                  </a:cxn>
-                  <a:cxn ang="0">
-                    <a:pos x="connsiteX39" y="connsiteY39"/>
-                  </a:cxn>
-                  <a:cxn ang="0">
-                    <a:pos x="connsiteX40" y="connsiteY40"/>
-                  </a:cxn>
-                  <a:cxn ang="0">
-                    <a:pos x="connsiteX41" y="connsiteY41"/>
-                  </a:cxn>
-                  <a:cxn ang="0">
-                    <a:pos x="connsiteX42" y="connsiteY42"/>
-                  </a:cxn>
-                  <a:cxn ang="0">
-                    <a:pos x="connsiteX43" y="connsiteY43"/>
-                  </a:cxn>
-                  <a:cxn ang="0">
-                    <a:pos x="connsiteX44" y="connsiteY44"/>
-                  </a:cxn>
-                  <a:cxn ang="0">
-                    <a:pos x="connsiteX45" y="connsiteY45"/>
-                  </a:cxn>
-                  <a:cxn ang="0">
-                    <a:pos x="connsiteX46" y="connsiteY46"/>
-                  </a:cxn>
-                  <a:cxn ang="0">
-                    <a:pos x="connsiteX47" y="connsiteY47"/>
-                  </a:cxn>
-                  <a:cxn ang="0">
-                    <a:pos x="connsiteX48" y="connsiteY48"/>
-                  </a:cxn>
-                  <a:cxn ang="0">
-                    <a:pos x="connsiteX49" y="connsiteY49"/>
-                  </a:cxn>
-                  <a:cxn ang="0">
-                    <a:pos x="connsiteX50" y="connsiteY50"/>
-                  </a:cxn>
-                  <a:cxn ang="0">
-                    <a:pos x="connsiteX51" y="connsiteY51"/>
-                  </a:cxn>
-                  <a:cxn ang="0">
-                    <a:pos x="connsiteX52" y="connsiteY52"/>
-                  </a:cxn>
-                  <a:cxn ang="0">
-                    <a:pos x="connsiteX53" y="connsiteY53"/>
-                  </a:cxn>
-                  <a:cxn ang="0">
-                    <a:pos x="connsiteX54" y="connsiteY54"/>
-                  </a:cxn>
-                  <a:cxn ang="0">
-                    <a:pos x="connsiteX55" y="connsiteY55"/>
-                  </a:cxn>
-                  <a:cxn ang="0">
-                    <a:pos x="connsiteX56" y="connsiteY56"/>
-                  </a:cxn>
-                  <a:cxn ang="0">
-                    <a:pos x="connsiteX57" y="connsiteY57"/>
-                  </a:cxn>
-                  <a:cxn ang="0">
-                    <a:pos x="connsiteX58" y="connsiteY58"/>
-                  </a:cxn>
-                  <a:cxn ang="0">
-                    <a:pos x="connsiteX59" y="connsiteY59"/>
-                  </a:cxn>
-                  <a:cxn ang="0">
-                    <a:pos x="connsiteX60" y="connsiteY60"/>
-                  </a:cxn>
-                  <a:cxn ang="0">
-                    <a:pos x="connsiteX61" y="connsiteY61"/>
-                  </a:cxn>
-                  <a:cxn ang="0">
-                    <a:pos x="connsiteX62" y="connsiteY62"/>
-                  </a:cxn>
-                  <a:cxn ang="0">
-                    <a:pos x="connsiteX63" y="connsiteY63"/>
-                  </a:cxn>
-                  <a:cxn ang="0">
-                    <a:pos x="connsiteX64" y="connsiteY64"/>
-                  </a:cxn>
-                </a:cxnLst>
-                <a:rect l="l" t="t" r="r" b="b"/>
-                <a:pathLst>
-                  <a:path w="4434840" h="3901996">
-                    <a:moveTo>
-                      <a:pt x="4434840" y="0"/>
-                    </a:moveTo>
-                    <a:cubicBezTo>
-                      <a:pt x="4419600" y="45720"/>
-                      <a:pt x="4409316" y="93403"/>
-                      <a:pt x="4389120" y="137160"/>
-                    </a:cubicBezTo>
-                    <a:cubicBezTo>
-                      <a:pt x="4378476" y="160222"/>
-                      <a:pt x="4357135" y="176754"/>
-                      <a:pt x="4343400" y="198120"/>
-                    </a:cubicBezTo>
-                    <a:cubicBezTo>
-                      <a:pt x="4311364" y="247953"/>
-                      <a:pt x="4270694" y="294318"/>
-                      <a:pt x="4251960" y="350520"/>
-                    </a:cubicBezTo>
-                    <a:cubicBezTo>
-                      <a:pt x="4228688" y="420337"/>
-                      <a:pt x="4246359" y="383389"/>
-                      <a:pt x="4191000" y="457200"/>
-                    </a:cubicBezTo>
-                    <a:cubicBezTo>
-                      <a:pt x="4161392" y="546025"/>
-                      <a:pt x="4182944" y="488552"/>
-                      <a:pt x="4114800" y="624840"/>
-                    </a:cubicBezTo>
-                    <a:cubicBezTo>
-                      <a:pt x="4104640" y="645160"/>
-                      <a:pt x="4096922" y="666897"/>
-                      <a:pt x="4084320" y="685800"/>
-                    </a:cubicBezTo>
-                    <a:cubicBezTo>
-                      <a:pt x="4074160" y="701040"/>
-                      <a:pt x="4062031" y="715137"/>
-                      <a:pt x="4053840" y="731520"/>
-                    </a:cubicBezTo>
-                    <a:cubicBezTo>
-                      <a:pt x="4046656" y="745888"/>
-                      <a:pt x="4046402" y="763197"/>
-                      <a:pt x="4038600" y="777240"/>
-                    </a:cubicBezTo>
-                    <a:cubicBezTo>
-                      <a:pt x="4020810" y="809262"/>
-                      <a:pt x="3997960" y="838200"/>
-                      <a:pt x="3977640" y="868680"/>
-                    </a:cubicBezTo>
-                    <a:cubicBezTo>
-                      <a:pt x="3967480" y="883920"/>
-                      <a:pt x="3955351" y="898017"/>
-                      <a:pt x="3947160" y="914400"/>
-                    </a:cubicBezTo>
-                    <a:cubicBezTo>
-                      <a:pt x="3907041" y="994637"/>
-                      <a:pt x="3932744" y="959296"/>
-                      <a:pt x="3870960" y="1021080"/>
-                    </a:cubicBezTo>
-                    <a:lnTo>
-                      <a:pt x="3779520" y="1295400"/>
-                    </a:lnTo>
-                    <a:lnTo>
-                      <a:pt x="3764280" y="1341120"/>
-                    </a:lnTo>
-                    <a:cubicBezTo>
-                      <a:pt x="3759200" y="1356360"/>
-                      <a:pt x="3757951" y="1373474"/>
-                      <a:pt x="3749040" y="1386840"/>
-                    </a:cubicBezTo>
-                    <a:cubicBezTo>
-                      <a:pt x="3738880" y="1402080"/>
-                      <a:pt x="3725999" y="1415822"/>
-                      <a:pt x="3718560" y="1432560"/>
-                    </a:cubicBezTo>
-                    <a:cubicBezTo>
-                      <a:pt x="3705511" y="1461920"/>
-                      <a:pt x="3705902" y="1497267"/>
-                      <a:pt x="3688080" y="1524000"/>
-                    </a:cubicBezTo>
-                    <a:cubicBezTo>
-                      <a:pt x="3677920" y="1539240"/>
-                      <a:pt x="3665039" y="1552982"/>
-                      <a:pt x="3657600" y="1569720"/>
-                    </a:cubicBezTo>
-                    <a:cubicBezTo>
-                      <a:pt x="3644551" y="1599080"/>
-                      <a:pt x="3644942" y="1634427"/>
-                      <a:pt x="3627120" y="1661160"/>
-                    </a:cubicBezTo>
-                    <a:cubicBezTo>
-                      <a:pt x="3606800" y="1691640"/>
-                      <a:pt x="3577744" y="1717847"/>
-                      <a:pt x="3566160" y="1752600"/>
-                    </a:cubicBezTo>
-                    <a:cubicBezTo>
-                      <a:pt x="3561080" y="1767840"/>
-                      <a:pt x="3558722" y="1784277"/>
-                      <a:pt x="3550920" y="1798320"/>
-                    </a:cubicBezTo>
-                    <a:cubicBezTo>
-                      <a:pt x="3533130" y="1830342"/>
-                      <a:pt x="3501544" y="1855007"/>
-                      <a:pt x="3489960" y="1889760"/>
-                    </a:cubicBezTo>
-                    <a:cubicBezTo>
-                      <a:pt x="3463136" y="1970233"/>
-                      <a:pt x="3483631" y="1922114"/>
-                      <a:pt x="3413760" y="2026920"/>
-                    </a:cubicBezTo>
-                    <a:lnTo>
-                      <a:pt x="3383280" y="2072640"/>
-                    </a:lnTo>
-                    <a:cubicBezTo>
-                      <a:pt x="3373120" y="2087880"/>
-                      <a:pt x="3365752" y="2105408"/>
-                      <a:pt x="3352800" y="2118360"/>
-                    </a:cubicBezTo>
-                    <a:cubicBezTo>
-                      <a:pt x="3337560" y="2133600"/>
-                      <a:pt x="3320878" y="2147523"/>
-                      <a:pt x="3307080" y="2164080"/>
-                    </a:cubicBezTo>
-                    <a:cubicBezTo>
-                      <a:pt x="3243580" y="2240280"/>
-                      <a:pt x="3314700" y="2184400"/>
-                      <a:pt x="3230880" y="2240280"/>
-                    </a:cubicBezTo>
-                    <a:cubicBezTo>
-                      <a:pt x="3220720" y="2255520"/>
-                      <a:pt x="3208591" y="2269617"/>
-                      <a:pt x="3200400" y="2286000"/>
-                    </a:cubicBezTo>
-                    <a:cubicBezTo>
-                      <a:pt x="3193216" y="2300368"/>
-                      <a:pt x="3192962" y="2317677"/>
-                      <a:pt x="3185160" y="2331720"/>
-                    </a:cubicBezTo>
-                    <a:cubicBezTo>
-                      <a:pt x="3167370" y="2363742"/>
-                      <a:pt x="3144520" y="2392680"/>
-                      <a:pt x="3124200" y="2423160"/>
-                    </a:cubicBezTo>
-                    <a:cubicBezTo>
-                      <a:pt x="3114040" y="2438400"/>
-                      <a:pt x="3106672" y="2455928"/>
-                      <a:pt x="3093720" y="2468880"/>
-                    </a:cubicBezTo>
-                    <a:cubicBezTo>
-                      <a:pt x="3078480" y="2484120"/>
-                      <a:pt x="3061232" y="2497587"/>
-                      <a:pt x="3048000" y="2514600"/>
-                    </a:cubicBezTo>
-                    <a:cubicBezTo>
-                      <a:pt x="2985396" y="2595091"/>
-                      <a:pt x="3006876" y="2597130"/>
-                      <a:pt x="2941320" y="2651760"/>
-                    </a:cubicBezTo>
-                    <a:cubicBezTo>
-                      <a:pt x="2927249" y="2663486"/>
-                      <a:pt x="2910840" y="2672080"/>
-                      <a:pt x="2895600" y="2682240"/>
-                    </a:cubicBezTo>
-                    <a:cubicBezTo>
-                      <a:pt x="2814320" y="2804160"/>
-                      <a:pt x="2921000" y="2656840"/>
-                      <a:pt x="2819400" y="2758440"/>
-                    </a:cubicBezTo>
-                    <a:cubicBezTo>
-                      <a:pt x="2801439" y="2776401"/>
-                      <a:pt x="2790672" y="2800520"/>
-                      <a:pt x="2773680" y="2819400"/>
-                    </a:cubicBezTo>
-                    <a:cubicBezTo>
-                      <a:pt x="2744844" y="2851440"/>
-                      <a:pt x="2723133" y="2897209"/>
-                      <a:pt x="2682240" y="2910840"/>
-                    </a:cubicBezTo>
-                    <a:cubicBezTo>
-                      <a:pt x="2567322" y="2949146"/>
-                      <a:pt x="2708973" y="2897474"/>
-                      <a:pt x="2590800" y="2956560"/>
-                    </a:cubicBezTo>
-                    <a:cubicBezTo>
-                      <a:pt x="2576432" y="2963744"/>
-                      <a:pt x="2559123" y="2963998"/>
-                      <a:pt x="2545080" y="2971800"/>
-                    </a:cubicBezTo>
-                    <a:cubicBezTo>
-                      <a:pt x="2513058" y="2989590"/>
-                      <a:pt x="2488393" y="3021176"/>
-                      <a:pt x="2453640" y="3032760"/>
-                    </a:cubicBezTo>
-                    <a:cubicBezTo>
-                      <a:pt x="2438400" y="3037840"/>
-                      <a:pt x="2422288" y="3040816"/>
-                      <a:pt x="2407920" y="3048000"/>
-                    </a:cubicBezTo>
-                    <a:cubicBezTo>
-                      <a:pt x="2391537" y="3056191"/>
-                      <a:pt x="2378938" y="3071041"/>
-                      <a:pt x="2362200" y="3078480"/>
-                    </a:cubicBezTo>
-                    <a:cubicBezTo>
-                      <a:pt x="2332840" y="3091529"/>
-                      <a:pt x="2301240" y="3098800"/>
-                      <a:pt x="2270760" y="3108960"/>
-                    </a:cubicBezTo>
-                    <a:cubicBezTo>
-                      <a:pt x="2255520" y="3114040"/>
-                      <a:pt x="2238406" y="3115289"/>
-                      <a:pt x="2225040" y="3124200"/>
-                    </a:cubicBezTo>
-                    <a:cubicBezTo>
-                      <a:pt x="2152587" y="3172502"/>
-                      <a:pt x="2196696" y="3148888"/>
-                      <a:pt x="2087880" y="3185160"/>
-                    </a:cubicBezTo>
-                    <a:lnTo>
-                      <a:pt x="2042160" y="3200400"/>
-                    </a:lnTo>
-                    <a:lnTo>
-                      <a:pt x="1996440" y="3215640"/>
-                    </a:lnTo>
-                    <a:cubicBezTo>
-                      <a:pt x="1981200" y="3230880"/>
-                      <a:pt x="1964518" y="3244803"/>
-                      <a:pt x="1950720" y="3261360"/>
-                    </a:cubicBezTo>
-                    <a:cubicBezTo>
-                      <a:pt x="1904376" y="3316973"/>
-                      <a:pt x="1937791" y="3303589"/>
-                      <a:pt x="1874520" y="3352800"/>
-                    </a:cubicBezTo>
-                    <a:cubicBezTo>
-                      <a:pt x="1845604" y="3375290"/>
-                      <a:pt x="1813560" y="3393440"/>
-                      <a:pt x="1783080" y="3413760"/>
-                    </a:cubicBezTo>
-                    <a:cubicBezTo>
-                      <a:pt x="1767840" y="3423920"/>
-                      <a:pt x="1750312" y="3431288"/>
-                      <a:pt x="1737360" y="3444240"/>
-                    </a:cubicBezTo>
-                    <a:cubicBezTo>
-                      <a:pt x="1722120" y="3459480"/>
-                      <a:pt x="1710480" y="3479493"/>
-                      <a:pt x="1691640" y="3489960"/>
-                    </a:cubicBezTo>
-                    <a:cubicBezTo>
-                      <a:pt x="1663554" y="3505563"/>
-                      <a:pt x="1600200" y="3520440"/>
-                      <a:pt x="1600200" y="3520440"/>
-                    </a:cubicBezTo>
-                    <a:cubicBezTo>
-                      <a:pt x="1584960" y="3535680"/>
-                      <a:pt x="1568278" y="3549603"/>
-                      <a:pt x="1554480" y="3566160"/>
-                    </a:cubicBezTo>
-                    <a:cubicBezTo>
-                      <a:pt x="1542754" y="3580231"/>
-                      <a:pt x="1537784" y="3599819"/>
-                      <a:pt x="1524000" y="3611880"/>
-                    </a:cubicBezTo>
-                    <a:cubicBezTo>
-                      <a:pt x="1496431" y="3636003"/>
-                      <a:pt x="1467313" y="3661256"/>
-                      <a:pt x="1432560" y="3672840"/>
-                    </a:cubicBezTo>
-                    <a:cubicBezTo>
-                      <a:pt x="1251813" y="3733089"/>
-                      <a:pt x="1402894" y="3687507"/>
-                      <a:pt x="960120" y="3703320"/>
-                    </a:cubicBezTo>
-                    <a:cubicBezTo>
-                      <a:pt x="929640" y="3713480"/>
-                      <a:pt x="895413" y="3715978"/>
-                      <a:pt x="868680" y="3733800"/>
-                    </a:cubicBezTo>
-                    <a:lnTo>
-                      <a:pt x="777240" y="3794760"/>
-                    </a:lnTo>
-                    <a:cubicBezTo>
-                      <a:pt x="762000" y="3804920"/>
-                      <a:pt x="748896" y="3819448"/>
-                      <a:pt x="731520" y="3825240"/>
-                    </a:cubicBezTo>
-                    <a:cubicBezTo>
-                      <a:pt x="620209" y="3862344"/>
-                      <a:pt x="671249" y="3847928"/>
-                      <a:pt x="579120" y="3870960"/>
-                    </a:cubicBezTo>
-                    <a:cubicBezTo>
-                      <a:pt x="563880" y="3881120"/>
-                      <a:pt x="551641" y="3899782"/>
-                      <a:pt x="533400" y="3901440"/>
-                    </a:cubicBezTo>
-                    <a:cubicBezTo>
-                      <a:pt x="492612" y="3905148"/>
-                      <a:pt x="452324" y="3889226"/>
-                      <a:pt x="411480" y="3886200"/>
-                    </a:cubicBezTo>
-                    <a:cubicBezTo>
-                      <a:pt x="315090" y="3879060"/>
-                      <a:pt x="218440" y="3876040"/>
-                      <a:pt x="121920" y="3870960"/>
-                    </a:cubicBezTo>
-                    <a:cubicBezTo>
-                      <a:pt x="10211" y="3855002"/>
-                      <a:pt x="51161" y="3855720"/>
-                      <a:pt x="0" y="3855720"/>
-                    </a:cubicBezTo>
-                  </a:path>
-                </a:pathLst>
-              </a:custGeom>
-              <a:ln w="12700"/>
-            </p:spPr>
-            <p:style>
-              <a:lnRef idx="1">
-                <a:schemeClr val="dk1"/>
-              </a:lnRef>
-              <a:fillRef idx="0">
-                <a:schemeClr val="dk1"/>
-              </a:fillRef>
-              <a:effectRef idx="0">
-                <a:schemeClr val="dk1"/>
-              </a:effectRef>
-              <a:fontRef idx="minor">
-                <a:schemeClr val="tx1"/>
-              </a:fontRef>
-            </p:style>
-            <p:txBody>
-              <a:bodyPr rtlCol="0" anchor="ctr"/>
-              <a:lstStyle/>
-              <a:p>
-                <a:pPr algn="ctr"/>
-                <a:endParaRPr lang="en-VN"/>
-              </a:p>
-            </p:txBody>
-          </p:sp>
-        </p:grpSp>
-      </p:grpSp>
       <p:sp>
         <p:nvSpPr>
           <p:cNvPr id="32" name="Oval 31">
@@ -20477,7 +16999,7 @@
       </p:grpSp>
       <p:pic>
         <p:nvPicPr>
-          <p:cNvPr id="121" name="Picture 120" descr="A close up of a logo&#10;&#10;Description automatically generated">
+          <p:cNvPr id="121" name="Picture 120">
             <a:extLst>
               <a:ext uri="{FF2B5EF4-FFF2-40B4-BE49-F238E27FC236}">
                 <a16:creationId xmlns:a16="http://schemas.microsoft.com/office/drawing/2014/main" id="{A6B08E9F-B5DA-4845-84FF-777B1454BF2F}"/>
@@ -20491,14 +17013,13 @@
         </p:nvPicPr>
         <p:blipFill>
           <a:blip r:embed="rId2"/>
-          <a:stretch>
-            <a:fillRect/>
-          </a:stretch>
+          <a:srcRect/>
+          <a:stretch/>
         </p:blipFill>
         <p:spPr>
           <a:xfrm>
-            <a:off x="7953332" y="1660931"/>
-            <a:ext cx="2496442" cy="1446550"/>
+            <a:off x="7953332" y="1729023"/>
+            <a:ext cx="2496442" cy="1310365"/>
           </a:xfrm>
           <a:prstGeom prst="rect">
             <a:avLst/>
@@ -20925,6 +17446,36 @@
           </a:p>
         </p:txBody>
       </p:sp>
+      <p:pic>
+        <p:nvPicPr>
+          <p:cNvPr id="5" name="Picture 4" descr="A picture containing game&#10;&#10;Description automatically generated">
+            <a:extLst>
+              <a:ext uri="{FF2B5EF4-FFF2-40B4-BE49-F238E27FC236}">
+                <a16:creationId xmlns:a16="http://schemas.microsoft.com/office/drawing/2014/main" id="{DAEF47A1-8ED8-7244-AA19-CDE4F1A04D97}"/>
+              </a:ext>
+            </a:extLst>
+          </p:cNvPr>
+          <p:cNvPicPr>
+            <a:picLocks noChangeAspect="1"/>
+          </p:cNvPicPr>
+          <p:nvPr/>
+        </p:nvPicPr>
+        <p:blipFill>
+          <a:blip r:embed="rId3"/>
+          <a:stretch>
+            <a:fillRect/>
+          </a:stretch>
+        </p:blipFill>
+        <p:spPr>
+          <a:xfrm>
+            <a:off x="1726741" y="4353948"/>
+            <a:ext cx="1927183" cy="1270712"/>
+          </a:xfrm>
+          <a:prstGeom prst="rect">
+            <a:avLst/>
+          </a:prstGeom>
+        </p:spPr>
+      </p:pic>
     </p:spTree>
     <p:extLst>
       <p:ext uri="{BB962C8B-B14F-4D97-AF65-F5344CB8AC3E}">
